--- a/大学信息技术/项目4/实训1/慧雅诗韵.pptx
+++ b/大学信息技术/项目4/实训1/慧雅诗韵.pptx
@@ -117,45 +117,42 @@
   <p:extLst>
     <p:ext uri="{521415D9-36F7-43E2-AB2F-B90AF26B5E84}">
       <p14:sectionLst xmlns:p14="http://schemas.microsoft.com/office/powerpoint/2010/main">
-        <p14:section name="开头" id="{7E186FCC-F43B-4552-9809-AB460BD2037D}">
+        <p14:section name="开头" id="{74DA394E-7891-405F-899C-9A76DBE95BA9}">
           <p14:sldIdLst>
             <p14:sldId id="256"/>
             <p14:sldId id="257"/>
           </p14:sldIdLst>
         </p14:section>
-        <p14:section name="春天" id="{AAB6735D-02CD-4C00-9D15-84377BD7B954}">
+        <p14:section name="春天" id="{6C13FF83-A6A3-4AE2-8B69-0C4A79E452E0}">
           <p14:sldIdLst>
             <p14:sldId id="258"/>
             <p14:sldId id="259"/>
           </p14:sldIdLst>
         </p14:section>
-        <p14:section name="夏天" id="{1CF40649-1012-4E32-9E84-EB54FEC790EE}">
+        <p14:section name="夏天" id="{BEAFC94F-E913-4E82-8A08-594CD03DDAE5}">
           <p14:sldIdLst>
             <p14:sldId id="260"/>
             <p14:sldId id="261"/>
           </p14:sldIdLst>
         </p14:section>
-        <p14:section name="秋天" id="{39FC00FF-48D4-44A5-B8C1-86EF69F224E9}">
+        <p14:section name="秋天" id="{A82C6D40-4033-4BA0-AEBF-B67BDD79DF60}">
           <p14:sldIdLst>
             <p14:sldId id="262"/>
             <p14:sldId id="263"/>
           </p14:sldIdLst>
         </p14:section>
-        <p14:section name="冬天" id="{D45C46D2-30AD-4D3D-8E4A-13BEA7A19BCD}">
+        <p14:section name="冬天" id="{9A244220-21DA-4AA2-A3A9-A5338A042B99}">
           <p14:sldIdLst>
             <p14:sldId id="264"/>
             <p14:sldId id="265"/>
           </p14:sldIdLst>
         </p14:section>
-        <p14:section name="结尾" id="{43161303-DDC1-4DE6-BC88-48A2EEA6E21C}">
+        <p14:section name="结尾" id="{D01E3AA6-BEF0-4A0A-BBEF-21D07C186DB6}">
           <p14:sldIdLst>
             <p14:sldId id="266"/>
           </p14:sldIdLst>
         </p14:section>
       </p14:sectionLst>
-    </p:ext>
-    <p:ext uri="{EFAFB233-063F-42B5-8137-9DF3F51BA10A}">
-      <p15:sldGuideLst xmlns:p15="http://schemas.microsoft.com/office/powerpoint/2012/main"/>
     </p:ext>
   </p:extLst>
 </p:presentation>
@@ -911,7 +908,7 @@
 <file path=ppt/diagrams/data1.xml><?xml version="1.0" encoding="utf-8"?>
 <dgm:dataModel xmlns:dgm="http://schemas.openxmlformats.org/drawingml/2006/diagram" xmlns:a="http://schemas.openxmlformats.org/drawingml/2006/main">
   <dgm:ptLst>
-    <dgm:pt modelId="{1835D269-FE96-4F7F-8C62-DDD3272B68CC}" type="doc">
+    <dgm:pt modelId="{FFB7B47B-CD3A-4078-805F-8F11B89A9BD0}" type="doc">
       <dgm:prSet loTypeId="urn:microsoft.com/office/officeart/2005/8/layout/vList4" loCatId="list" qsTypeId="urn:microsoft.com/office/officeart/2005/8/quickstyle/simple1" qsCatId="simple" csTypeId="urn:microsoft.com/office/officeart/2005/8/colors/accent1_2" csCatId="accent1" phldr="1"/>
       <dgm:spPr/>
       <dgm:t>
@@ -922,7 +919,7 @@
         </a:p>
       </dgm:t>
     </dgm:pt>
-    <dgm:pt modelId="{9ADC068E-1E22-4770-ACC7-2DC4A438FA81}">
+    <dgm:pt modelId="{176A3BE5-0513-4BCC-B801-971B71AF6A54}">
       <dgm:prSet phldrT="[文本]" custT="1"/>
       <dgm:spPr>
         <a:noFill/>
@@ -950,7 +947,7 @@
         </a:p>
       </dgm:t>
     </dgm:pt>
-    <dgm:pt modelId="{00CE944A-22E1-435F-97C3-0193EC795160}" type="parTrans" cxnId="{6FA482D8-C84C-4B9D-8E68-4BA7B1F4583A}">
+    <dgm:pt modelId="{2F6050BE-D581-4C06-B4BB-9A83E6E8AEED}" type="parTrans" cxnId="{09888E82-CE31-46E7-AC01-BEF24A402E77}">
       <dgm:prSet/>
       <dgm:spPr/>
       <dgm:t>
@@ -970,7 +967,7 @@
         </a:p>
       </dgm:t>
     </dgm:pt>
-    <dgm:pt modelId="{EBEED81E-2D55-44D3-986B-B3ED7458D1AA}" type="sibTrans" cxnId="{6FA482D8-C84C-4B9D-8E68-4BA7B1F4583A}">
+    <dgm:pt modelId="{58C9A2D0-A521-44C2-99A1-058E2366F912}" type="sibTrans" cxnId="{09888E82-CE31-46E7-AC01-BEF24A402E77}">
       <dgm:prSet/>
       <dgm:spPr/>
       <dgm:t>
@@ -990,7 +987,7 @@
         </a:p>
       </dgm:t>
     </dgm:pt>
-    <dgm:pt modelId="{8E0E086F-FD47-497A-9E90-55FD9E8103D9}">
+    <dgm:pt modelId="{B92280A5-5092-42E4-B899-4B8B1880A4FB}">
       <dgm:prSet phldrT="[文本]" custT="1"/>
       <dgm:spPr>
         <a:noFill/>
@@ -1018,7 +1015,7 @@
         </a:p>
       </dgm:t>
     </dgm:pt>
-    <dgm:pt modelId="{2A63C4A6-7517-43AF-9828-26FDEBD63A75}" type="parTrans" cxnId="{B8F31E67-453E-4334-8C1A-A9337E51BDA7}">
+    <dgm:pt modelId="{EDB67AA7-13B2-478F-A04E-A0844C0E56D0}" type="parTrans" cxnId="{528DE09D-193B-4C0A-94BB-90788C1CA212}">
       <dgm:prSet/>
       <dgm:spPr/>
       <dgm:t>
@@ -1038,7 +1035,7 @@
         </a:p>
       </dgm:t>
     </dgm:pt>
-    <dgm:pt modelId="{AA1E6DE0-BC23-4B34-BC3B-884906A4B651}" type="sibTrans" cxnId="{B8F31E67-453E-4334-8C1A-A9337E51BDA7}">
+    <dgm:pt modelId="{F4C8BBAD-4650-4FE1-B909-A057660248CF}" type="sibTrans" cxnId="{528DE09D-193B-4C0A-94BB-90788C1CA212}">
       <dgm:prSet/>
       <dgm:spPr/>
       <dgm:t>
@@ -1058,7 +1055,75 @@
         </a:p>
       </dgm:t>
     </dgm:pt>
-    <dgm:pt modelId="{ECC621F1-9D1E-4032-9F9E-101545116F62}">
+    <dgm:pt modelId="{90A44DFE-316D-4A88-82C7-6066D7A520F0}">
+      <dgm:prSet phldrT="[文本]" custT="1"/>
+      <dgm:spPr>
+        <a:noFill/>
+        <a:ln>
+          <a:noFill/>
+        </a:ln>
+      </dgm:spPr>
+      <dgm:t>
+        <a:bodyPr/>
+        <a:lstStyle/>
+        <a:p>
+          <a:r>
+            <a:rPr lang="zh-CN" altLang="en-US" sz="2000" dirty="0">
+              <a:solidFill>
+                <a:schemeClr val="tx1">
+                  <a:lumMod val="65000"/>
+                  <a:lumOff val="35000"/>
+                </a:schemeClr>
+              </a:solidFill>
+              <a:latin typeface="微软雅黑" panose="020B0503020204020204" pitchFamily="34" charset="-122"/>
+              <a:ea typeface="微软雅黑" panose="020B0503020204020204" pitchFamily="34" charset="-122"/>
+            </a:rPr>
+            <a:t>描写冬天景物的诗词</a:t>
+          </a:r>
+        </a:p>
+      </dgm:t>
+    </dgm:pt>
+    <dgm:pt modelId="{0C725E7F-6201-4534-ADEC-49AC7457FFAB}" type="parTrans" cxnId="{020AE5DD-C8EF-497E-9A70-F7A073E24B50}">
+      <dgm:prSet/>
+      <dgm:spPr/>
+      <dgm:t>
+        <a:bodyPr/>
+        <a:lstStyle/>
+        <a:p>
+          <a:endParaRPr lang="zh-CN" altLang="en-US" sz="2000">
+            <a:solidFill>
+              <a:schemeClr val="tx1">
+                <a:lumMod val="65000"/>
+                <a:lumOff val="35000"/>
+              </a:schemeClr>
+            </a:solidFill>
+            <a:latin typeface="微软雅黑" panose="020B0503020204020204" pitchFamily="34" charset="-122"/>
+            <a:ea typeface="微软雅黑" panose="020B0503020204020204" pitchFamily="34" charset="-122"/>
+          </a:endParaRPr>
+        </a:p>
+      </dgm:t>
+    </dgm:pt>
+    <dgm:pt modelId="{38685F6B-EF2D-409A-A6EC-F31DEFD7CC39}" type="sibTrans" cxnId="{020AE5DD-C8EF-497E-9A70-F7A073E24B50}">
+      <dgm:prSet/>
+      <dgm:spPr/>
+      <dgm:t>
+        <a:bodyPr/>
+        <a:lstStyle/>
+        <a:p>
+          <a:endParaRPr lang="zh-CN" altLang="en-US" sz="2000">
+            <a:solidFill>
+              <a:schemeClr val="tx1">
+                <a:lumMod val="65000"/>
+                <a:lumOff val="35000"/>
+              </a:schemeClr>
+            </a:solidFill>
+            <a:latin typeface="微软雅黑" panose="020B0503020204020204" pitchFamily="34" charset="-122"/>
+            <a:ea typeface="微软雅黑" panose="020B0503020204020204" pitchFamily="34" charset="-122"/>
+          </a:endParaRPr>
+        </a:p>
+      </dgm:t>
+    </dgm:pt>
+    <dgm:pt modelId="{FD7071C7-B650-4E10-89A4-791E353FB58F}">
       <dgm:prSet phldrT="[文本]" custT="1"/>
       <dgm:spPr>
         <a:noFill/>
@@ -1086,7 +1151,7 @@
         </a:p>
       </dgm:t>
     </dgm:pt>
-    <dgm:pt modelId="{ADA18694-2134-436A-A941-4A373149D15F}" type="parTrans" cxnId="{2692E95D-13F7-4EAD-8CD4-23ABF53F4E7A}">
+    <dgm:pt modelId="{B49D5FB8-3DB2-4C98-8298-60621F69393F}" type="sibTrans" cxnId="{2D1B0BAD-8412-41D0-A935-5F6576717077}">
       <dgm:prSet/>
       <dgm:spPr/>
       <dgm:t>
@@ -1106,7 +1171,7 @@
         </a:p>
       </dgm:t>
     </dgm:pt>
-    <dgm:pt modelId="{F9553C47-F1B3-4722-A245-598C0BE107E8}" type="sibTrans" cxnId="{2692E95D-13F7-4EAD-8CD4-23ABF53F4E7A}">
+    <dgm:pt modelId="{765B2486-D982-412B-BDFE-E76E2B7FDBE5}" type="parTrans" cxnId="{2D1B0BAD-8412-41D0-A935-5F6576717077}">
       <dgm:prSet/>
       <dgm:spPr/>
       <dgm:t>
@@ -1126,76 +1191,8 @@
         </a:p>
       </dgm:t>
     </dgm:pt>
-    <dgm:pt modelId="{0FEDA0E8-D675-4CC9-98D3-1D869ACA5E30}">
-      <dgm:prSet phldrT="[文本]" custT="1"/>
-      <dgm:spPr>
-        <a:noFill/>
-        <a:ln>
-          <a:noFill/>
-        </a:ln>
-      </dgm:spPr>
-      <dgm:t>
-        <a:bodyPr/>
-        <a:lstStyle/>
-        <a:p>
-          <a:r>
-            <a:rPr lang="zh-CN" altLang="en-US" sz="2000" dirty="0">
-              <a:solidFill>
-                <a:schemeClr val="tx1">
-                  <a:lumMod val="65000"/>
-                  <a:lumOff val="35000"/>
-                </a:schemeClr>
-              </a:solidFill>
-              <a:latin typeface="微软雅黑" panose="020B0503020204020204" pitchFamily="34" charset="-122"/>
-              <a:ea typeface="微软雅黑" panose="020B0503020204020204" pitchFamily="34" charset="-122"/>
-            </a:rPr>
-            <a:t>描写冬天景物的诗词</a:t>
-          </a:r>
-        </a:p>
-      </dgm:t>
-    </dgm:pt>
-    <dgm:pt modelId="{1288BDCD-2617-48E0-9EC0-D107843A8E30}" type="parTrans" cxnId="{CE5637C8-020B-4E3B-9069-D80784DDBCFD}">
-      <dgm:prSet/>
-      <dgm:spPr/>
-      <dgm:t>
-        <a:bodyPr/>
-        <a:lstStyle/>
-        <a:p>
-          <a:endParaRPr lang="zh-CN" altLang="en-US" sz="2000">
-            <a:solidFill>
-              <a:schemeClr val="tx1">
-                <a:lumMod val="65000"/>
-                <a:lumOff val="35000"/>
-              </a:schemeClr>
-            </a:solidFill>
-            <a:latin typeface="微软雅黑" panose="020B0503020204020204" pitchFamily="34" charset="-122"/>
-            <a:ea typeface="微软雅黑" panose="020B0503020204020204" pitchFamily="34" charset="-122"/>
-          </a:endParaRPr>
-        </a:p>
-      </dgm:t>
-    </dgm:pt>
-    <dgm:pt modelId="{55A2933E-ADED-4CFF-8A5E-3ED63C3C4525}" type="sibTrans" cxnId="{CE5637C8-020B-4E3B-9069-D80784DDBCFD}">
-      <dgm:prSet/>
-      <dgm:spPr/>
-      <dgm:t>
-        <a:bodyPr/>
-        <a:lstStyle/>
-        <a:p>
-          <a:endParaRPr lang="zh-CN" altLang="en-US" sz="2000">
-            <a:solidFill>
-              <a:schemeClr val="tx1">
-                <a:lumMod val="65000"/>
-                <a:lumOff val="35000"/>
-              </a:schemeClr>
-            </a:solidFill>
-            <a:latin typeface="微软雅黑" panose="020B0503020204020204" pitchFamily="34" charset="-122"/>
-            <a:ea typeface="微软雅黑" panose="020B0503020204020204" pitchFamily="34" charset="-122"/>
-          </a:endParaRPr>
-        </a:p>
-      </dgm:t>
-    </dgm:pt>
-    <dgm:pt modelId="{9D874389-E38F-4B40-BA0D-B51140244BE5}" type="pres">
-      <dgm:prSet presAssocID="{1835D269-FE96-4F7F-8C62-DDD3272B68CC}" presName="linear" presStyleCnt="0">
+    <dgm:pt modelId="{55973CE8-730C-4690-8778-0697CC23FD0D}" type="pres">
+      <dgm:prSet presAssocID="{FFB7B47B-CD3A-4078-805F-8F11B89A9BD0}" presName="linear" presStyleCnt="0">
         <dgm:presLayoutVars>
           <dgm:dir/>
           <dgm:resizeHandles val="exact"/>
@@ -1203,86 +1200,16 @@
       </dgm:prSet>
       <dgm:spPr/>
     </dgm:pt>
-    <dgm:pt modelId="{905E43C9-1D7B-49DB-B053-72D1F459ABF0}" type="pres">
-      <dgm:prSet presAssocID="{9ADC068E-1E22-4770-ACC7-2DC4A438FA81}" presName="comp" presStyleCnt="0"/>
+    <dgm:pt modelId="{27B73CF0-1E96-44F3-A934-C976DD7E9BE8}" type="pres">
+      <dgm:prSet presAssocID="{176A3BE5-0513-4BCC-B801-971B71AF6A54}" presName="comp" presStyleCnt="0"/>
       <dgm:spPr/>
     </dgm:pt>
-    <dgm:pt modelId="{BA8C45EB-1188-4091-B631-38B21B54EFF0}" type="pres">
-      <dgm:prSet presAssocID="{9ADC068E-1E22-4770-ACC7-2DC4A438FA81}" presName="box" presStyleLbl="node1" presStyleIdx="0" presStyleCnt="4"/>
+    <dgm:pt modelId="{DEB2D936-C5D5-46DE-A446-CE22306471E5}" type="pres">
+      <dgm:prSet presAssocID="{176A3BE5-0513-4BCC-B801-971B71AF6A54}" presName="box" presStyleLbl="node1" presStyleIdx="0" presStyleCnt="4"/>
       <dgm:spPr/>
     </dgm:pt>
-    <dgm:pt modelId="{4C295843-1B02-410A-927C-3C21C0E49EA6}" type="pres">
-      <dgm:prSet presAssocID="{9ADC068E-1E22-4770-ACC7-2DC4A438FA81}" presName="img" presStyleLbl="fgImgPlace1" presStyleIdx="0" presStyleCnt="4"/>
-      <dgm:spPr>
-        <a:blipFill>
-          <a:blip xmlns:r="http://schemas.openxmlformats.org/officeDocument/2006/relationships" r:embed="rId1"/>
-          <a:srcRect/>
-          <a:stretch>
-            <a:fillRect t="-1000" b="-1000"/>
-          </a:stretch>
-        </a:blipFill>
-        <a:ln>
-          <a:noFill/>
-        </a:ln>
-      </dgm:spPr>
-    </dgm:pt>
-    <dgm:pt modelId="{495353FE-4566-4089-912C-D93AE4D3FFBC}" type="pres">
-      <dgm:prSet presAssocID="{9ADC068E-1E22-4770-ACC7-2DC4A438FA81}" presName="text" presStyleLbl="node1" presStyleIdx="0" presStyleCnt="4">
-        <dgm:presLayoutVars>
-          <dgm:bulletEnabled val="1"/>
-        </dgm:presLayoutVars>
-      </dgm:prSet>
-      <dgm:spPr/>
-    </dgm:pt>
-    <dgm:pt modelId="{10929414-EF0E-4E50-A757-8201A0A8A2F4}" type="pres">
-      <dgm:prSet presAssocID="{EBEED81E-2D55-44D3-986B-B3ED7458D1AA}" presName="spacer" presStyleCnt="0"/>
-      <dgm:spPr/>
-    </dgm:pt>
-    <dgm:pt modelId="{BCB6AD49-5C5A-4808-84F2-EF5527962CD1}" type="pres">
-      <dgm:prSet presAssocID="{8E0E086F-FD47-497A-9E90-55FD9E8103D9}" presName="comp" presStyleCnt="0"/>
-      <dgm:spPr/>
-    </dgm:pt>
-    <dgm:pt modelId="{2FF9FFD2-EB47-4AAE-9D46-50998BAA57FB}" type="pres">
-      <dgm:prSet presAssocID="{8E0E086F-FD47-497A-9E90-55FD9E8103D9}" presName="box" presStyleLbl="node1" presStyleIdx="1" presStyleCnt="4"/>
-      <dgm:spPr/>
-    </dgm:pt>
-    <dgm:pt modelId="{A60AFDD3-51B9-4416-943C-2E18668778DE}" type="pres">
-      <dgm:prSet presAssocID="{8E0E086F-FD47-497A-9E90-55FD9E8103D9}" presName="img" presStyleLbl="fgImgPlace1" presStyleIdx="1" presStyleCnt="4"/>
-      <dgm:spPr>
-        <a:blipFill>
-          <a:blip xmlns:r="http://schemas.openxmlformats.org/officeDocument/2006/relationships" r:embed="rId1"/>
-          <a:srcRect/>
-          <a:stretch>
-            <a:fillRect t="-1000" b="-1000"/>
-          </a:stretch>
-        </a:blipFill>
-        <a:ln>
-          <a:noFill/>
-        </a:ln>
-      </dgm:spPr>
-    </dgm:pt>
-    <dgm:pt modelId="{FF5D1897-E719-4DD7-9174-1F2C6EB008E8}" type="pres">
-      <dgm:prSet presAssocID="{8E0E086F-FD47-497A-9E90-55FD9E8103D9}" presName="text" presStyleLbl="node1" presStyleIdx="1" presStyleCnt="4">
-        <dgm:presLayoutVars>
-          <dgm:bulletEnabled val="1"/>
-        </dgm:presLayoutVars>
-      </dgm:prSet>
-      <dgm:spPr/>
-    </dgm:pt>
-    <dgm:pt modelId="{5B83D4C0-3E68-4574-B8BD-8627E3A2F461}" type="pres">
-      <dgm:prSet presAssocID="{AA1E6DE0-BC23-4B34-BC3B-884906A4B651}" presName="spacer" presStyleCnt="0"/>
-      <dgm:spPr/>
-    </dgm:pt>
-    <dgm:pt modelId="{ABC517DC-8175-4D14-AF8A-D0FC0B970838}" type="pres">
-      <dgm:prSet presAssocID="{ECC621F1-9D1E-4032-9F9E-101545116F62}" presName="comp" presStyleCnt="0"/>
-      <dgm:spPr/>
-    </dgm:pt>
-    <dgm:pt modelId="{5CE4292C-0DFC-45B3-8163-EC83EA7368FA}" type="pres">
-      <dgm:prSet presAssocID="{ECC621F1-9D1E-4032-9F9E-101545116F62}" presName="box" presStyleLbl="node1" presStyleIdx="2" presStyleCnt="4"/>
-      <dgm:spPr/>
-    </dgm:pt>
-    <dgm:pt modelId="{BBC8176F-02E3-484A-8371-1C4A2EE52109}" type="pres">
-      <dgm:prSet presAssocID="{ECC621F1-9D1E-4032-9F9E-101545116F62}" presName="img" presStyleLbl="fgImgPlace1" presStyleIdx="2" presStyleCnt="4"/>
+    <dgm:pt modelId="{2677C638-999D-4272-9AE7-39D3C3FACD4C}" type="pres">
+      <dgm:prSet presAssocID="{176A3BE5-0513-4BCC-B801-971B71AF6A54}" presName="img" presStyleLbl="fgImgPlace1" presStyleIdx="0" presStyleCnt="4"/>
       <dgm:spPr>
         <a:blipFill>
           <a:blip xmlns:r="http://schemas.openxmlformats.org/officeDocument/2006/relationships" r:embed="rId1">
@@ -1302,28 +1229,28 @@
         </a:ln>
       </dgm:spPr>
     </dgm:pt>
-    <dgm:pt modelId="{E31EFAEB-E235-4D24-BBC1-75651EDDDFF6}" type="pres">
-      <dgm:prSet presAssocID="{ECC621F1-9D1E-4032-9F9E-101545116F62}" presName="text" presStyleLbl="node1" presStyleIdx="2" presStyleCnt="4">
+    <dgm:pt modelId="{D0265680-3538-4F34-9B03-D0CD64751BC8}" type="pres">
+      <dgm:prSet presAssocID="{176A3BE5-0513-4BCC-B801-971B71AF6A54}" presName="text" presStyleLbl="node1" presStyleIdx="0" presStyleCnt="4">
         <dgm:presLayoutVars>
           <dgm:bulletEnabled val="1"/>
         </dgm:presLayoutVars>
       </dgm:prSet>
       <dgm:spPr/>
     </dgm:pt>
-    <dgm:pt modelId="{E2C6D3E5-7D8B-4372-9CF9-1F1819F281F4}" type="pres">
-      <dgm:prSet presAssocID="{F9553C47-F1B3-4722-A245-598C0BE107E8}" presName="spacer" presStyleCnt="0"/>
+    <dgm:pt modelId="{BAD1332A-DFAB-4FC4-AFD9-54E7FE8FD2F6}" type="pres">
+      <dgm:prSet presAssocID="{58C9A2D0-A521-44C2-99A1-058E2366F912}" presName="spacer" presStyleCnt="0"/>
       <dgm:spPr/>
     </dgm:pt>
-    <dgm:pt modelId="{132470C0-3BE1-42D2-87F5-C6AC73B44EB6}" type="pres">
-      <dgm:prSet presAssocID="{0FEDA0E8-D675-4CC9-98D3-1D869ACA5E30}" presName="comp" presStyleCnt="0"/>
+    <dgm:pt modelId="{F3A789DE-BB3C-43B8-B60D-4E6A520B41EC}" type="pres">
+      <dgm:prSet presAssocID="{B92280A5-5092-42E4-B899-4B8B1880A4FB}" presName="comp" presStyleCnt="0"/>
       <dgm:spPr/>
     </dgm:pt>
-    <dgm:pt modelId="{EC14FD7A-B4A8-417B-B3BC-86E8BA772C44}" type="pres">
-      <dgm:prSet presAssocID="{0FEDA0E8-D675-4CC9-98D3-1D869ACA5E30}" presName="box" presStyleLbl="node1" presStyleIdx="3" presStyleCnt="4" custLinFactNeighborX="794" custLinFactNeighborY="96464"/>
+    <dgm:pt modelId="{358DAA45-7F08-4D24-8241-F8103D96D184}" type="pres">
+      <dgm:prSet presAssocID="{B92280A5-5092-42E4-B899-4B8B1880A4FB}" presName="box" presStyleLbl="node1" presStyleIdx="1" presStyleCnt="4"/>
       <dgm:spPr/>
     </dgm:pt>
-    <dgm:pt modelId="{ADB620C9-9317-4C1B-92C1-700CBD32A977}" type="pres">
-      <dgm:prSet presAssocID="{0FEDA0E8-D675-4CC9-98D3-1D869ACA5E30}" presName="img" presStyleLbl="fgImgPlace1" presStyleIdx="3" presStyleCnt="4"/>
+    <dgm:pt modelId="{7ADCA0F6-6132-4A07-B3E7-D7DE4D38D112}" type="pres">
+      <dgm:prSet presAssocID="{B92280A5-5092-42E4-B899-4B8B1880A4FB}" presName="img" presStyleLbl="fgImgPlace1" presStyleIdx="1" presStyleCnt="4"/>
       <dgm:spPr>
         <a:blipFill>
           <a:blip xmlns:r="http://schemas.openxmlformats.org/officeDocument/2006/relationships" r:embed="rId1">
@@ -1343,8 +1270,90 @@
         </a:ln>
       </dgm:spPr>
     </dgm:pt>
-    <dgm:pt modelId="{FE24C2D5-F571-4D95-BFB0-5C6AC84BEB67}" type="pres">
-      <dgm:prSet presAssocID="{0FEDA0E8-D675-4CC9-98D3-1D869ACA5E30}" presName="text" presStyleLbl="node1" presStyleIdx="3" presStyleCnt="4">
+    <dgm:pt modelId="{2E6E1367-4262-41DE-A2BC-1C8D56F42878}" type="pres">
+      <dgm:prSet presAssocID="{B92280A5-5092-42E4-B899-4B8B1880A4FB}" presName="text" presStyleLbl="node1" presStyleIdx="1" presStyleCnt="4">
+        <dgm:presLayoutVars>
+          <dgm:bulletEnabled val="1"/>
+        </dgm:presLayoutVars>
+      </dgm:prSet>
+      <dgm:spPr/>
+    </dgm:pt>
+    <dgm:pt modelId="{1E0CBD7A-64F1-42FC-8B83-5C537B3FF519}" type="pres">
+      <dgm:prSet presAssocID="{F4C8BBAD-4650-4FE1-B909-A057660248CF}" presName="spacer" presStyleCnt="0"/>
+      <dgm:spPr/>
+    </dgm:pt>
+    <dgm:pt modelId="{11F2ED9F-6A0E-4EAB-B555-1A696DF377E1}" type="pres">
+      <dgm:prSet presAssocID="{FD7071C7-B650-4E10-89A4-791E353FB58F}" presName="comp" presStyleCnt="0"/>
+      <dgm:spPr/>
+    </dgm:pt>
+    <dgm:pt modelId="{C8351F1D-BB2B-44DD-B995-7BC4699952E2}" type="pres">
+      <dgm:prSet presAssocID="{FD7071C7-B650-4E10-89A4-791E353FB58F}" presName="box" presStyleLbl="node1" presStyleIdx="2" presStyleCnt="4"/>
+      <dgm:spPr/>
+    </dgm:pt>
+    <dgm:pt modelId="{31E6ADDB-E212-4E47-BCD2-3AB9FC97A924}" type="pres">
+      <dgm:prSet presAssocID="{FD7071C7-B650-4E10-89A4-791E353FB58F}" presName="img" presStyleLbl="fgImgPlace1" presStyleIdx="2" presStyleCnt="4"/>
+      <dgm:spPr>
+        <a:blipFill>
+          <a:blip xmlns:r="http://schemas.openxmlformats.org/officeDocument/2006/relationships" r:embed="rId1">
+            <a:extLst>
+              <a:ext uri="{28A0092B-C50C-407E-A947-70E740481C1C}">
+                <a14:useLocalDpi xmlns:a14="http://schemas.microsoft.com/office/drawing/2010/main" val="0"/>
+              </a:ext>
+            </a:extLst>
+          </a:blip>
+          <a:srcRect/>
+          <a:stretch>
+            <a:fillRect t="-1000" b="-1000"/>
+          </a:stretch>
+        </a:blipFill>
+        <a:ln>
+          <a:noFill/>
+        </a:ln>
+      </dgm:spPr>
+    </dgm:pt>
+    <dgm:pt modelId="{BE6169FA-B0C9-4AB0-A1D9-03CFF34B20D0}" type="pres">
+      <dgm:prSet presAssocID="{FD7071C7-B650-4E10-89A4-791E353FB58F}" presName="text" presStyleLbl="node1" presStyleIdx="2" presStyleCnt="4">
+        <dgm:presLayoutVars>
+          <dgm:bulletEnabled val="1"/>
+        </dgm:presLayoutVars>
+      </dgm:prSet>
+      <dgm:spPr/>
+    </dgm:pt>
+    <dgm:pt modelId="{FBF6C942-69FB-439F-89DF-4070A6F60889}" type="pres">
+      <dgm:prSet presAssocID="{B49D5FB8-3DB2-4C98-8298-60621F69393F}" presName="spacer" presStyleCnt="0"/>
+      <dgm:spPr/>
+    </dgm:pt>
+    <dgm:pt modelId="{47C4B9FB-9F08-4819-B42C-DE681941A6D6}" type="pres">
+      <dgm:prSet presAssocID="{90A44DFE-316D-4A88-82C7-6066D7A520F0}" presName="comp" presStyleCnt="0"/>
+      <dgm:spPr/>
+    </dgm:pt>
+    <dgm:pt modelId="{A926799C-78B9-4592-8027-7370F47AA4EA}" type="pres">
+      <dgm:prSet presAssocID="{90A44DFE-316D-4A88-82C7-6066D7A520F0}" presName="box" presStyleLbl="node1" presStyleIdx="3" presStyleCnt="4" custLinFactNeighborX="2361" custLinFactNeighborY="-13445"/>
+      <dgm:spPr/>
+    </dgm:pt>
+    <dgm:pt modelId="{ABEB9E2C-1767-493F-B5DB-4A77B1529536}" type="pres">
+      <dgm:prSet presAssocID="{90A44DFE-316D-4A88-82C7-6066D7A520F0}" presName="img" presStyleLbl="fgImgPlace1" presStyleIdx="3" presStyleCnt="4"/>
+      <dgm:spPr>
+        <a:blipFill>
+          <a:blip xmlns:r="http://schemas.openxmlformats.org/officeDocument/2006/relationships" r:embed="rId1">
+            <a:extLst>
+              <a:ext uri="{28A0092B-C50C-407E-A947-70E740481C1C}">
+                <a14:useLocalDpi xmlns:a14="http://schemas.microsoft.com/office/drawing/2010/main" val="0"/>
+              </a:ext>
+            </a:extLst>
+          </a:blip>
+          <a:srcRect/>
+          <a:stretch>
+            <a:fillRect t="-1000" b="-1000"/>
+          </a:stretch>
+        </a:blipFill>
+        <a:ln>
+          <a:noFill/>
+        </a:ln>
+      </dgm:spPr>
+    </dgm:pt>
+    <dgm:pt modelId="{681FE68B-92BF-4E98-88F0-665E7B1667E6}" type="pres">
+      <dgm:prSet presAssocID="{90A44DFE-316D-4A88-82C7-6066D7A520F0}" presName="text" presStyleLbl="node1" presStyleIdx="3" presStyleCnt="4">
         <dgm:presLayoutVars>
           <dgm:bulletEnabled val="1"/>
         </dgm:presLayoutVars>
@@ -1353,38 +1362,38 @@
     </dgm:pt>
   </dgm:ptLst>
   <dgm:cxnLst>
-    <dgm:cxn modelId="{119F810E-2375-436C-B70B-7EC235DD2094}" type="presOf" srcId="{1835D269-FE96-4F7F-8C62-DDD3272B68CC}" destId="{9D874389-E38F-4B40-BA0D-B51140244BE5}" srcOrd="0" destOrd="0" presId="urn:microsoft.com/office/officeart/2005/8/layout/vList4"/>
-    <dgm:cxn modelId="{2692E95D-13F7-4EAD-8CD4-23ABF53F4E7A}" srcId="{1835D269-FE96-4F7F-8C62-DDD3272B68CC}" destId="{ECC621F1-9D1E-4032-9F9E-101545116F62}" srcOrd="2" destOrd="0" parTransId="{ADA18694-2134-436A-A941-4A373149D15F}" sibTransId="{F9553C47-F1B3-4722-A245-598C0BE107E8}"/>
-    <dgm:cxn modelId="{BD7A255F-4F95-423E-AA1F-681CCA61CF59}" type="presOf" srcId="{0FEDA0E8-D675-4CC9-98D3-1D869ACA5E30}" destId="{EC14FD7A-B4A8-417B-B3BC-86E8BA772C44}" srcOrd="0" destOrd="0" presId="urn:microsoft.com/office/officeart/2005/8/layout/vList4"/>
-    <dgm:cxn modelId="{4BF67641-9ACE-4DDF-83DB-3CD37145F818}" type="presOf" srcId="{8E0E086F-FD47-497A-9E90-55FD9E8103D9}" destId="{FF5D1897-E719-4DD7-9174-1F2C6EB008E8}" srcOrd="1" destOrd="0" presId="urn:microsoft.com/office/officeart/2005/8/layout/vList4"/>
-    <dgm:cxn modelId="{B8F31E67-453E-4334-8C1A-A9337E51BDA7}" srcId="{1835D269-FE96-4F7F-8C62-DDD3272B68CC}" destId="{8E0E086F-FD47-497A-9E90-55FD9E8103D9}" srcOrd="1" destOrd="0" parTransId="{2A63C4A6-7517-43AF-9828-26FDEBD63A75}" sibTransId="{AA1E6DE0-BC23-4B34-BC3B-884906A4B651}"/>
-    <dgm:cxn modelId="{A2190355-B6E2-40A2-B8EE-9E4F1D90AC77}" type="presOf" srcId="{9ADC068E-1E22-4770-ACC7-2DC4A438FA81}" destId="{BA8C45EB-1188-4091-B631-38B21B54EFF0}" srcOrd="0" destOrd="0" presId="urn:microsoft.com/office/officeart/2005/8/layout/vList4"/>
-    <dgm:cxn modelId="{8077627C-ACBC-47F3-8499-973E2D434DD1}" type="presOf" srcId="{ECC621F1-9D1E-4032-9F9E-101545116F62}" destId="{5CE4292C-0DFC-45B3-8163-EC83EA7368FA}" srcOrd="0" destOrd="0" presId="urn:microsoft.com/office/officeart/2005/8/layout/vList4"/>
-    <dgm:cxn modelId="{977E47A8-ADF1-4CAE-8F90-2C404B6686A8}" type="presOf" srcId="{ECC621F1-9D1E-4032-9F9E-101545116F62}" destId="{E31EFAEB-E235-4D24-BBC1-75651EDDDFF6}" srcOrd="1" destOrd="0" presId="urn:microsoft.com/office/officeart/2005/8/layout/vList4"/>
-    <dgm:cxn modelId="{D66366AE-154B-457D-AE20-05F0A5858574}" type="presOf" srcId="{0FEDA0E8-D675-4CC9-98D3-1D869ACA5E30}" destId="{FE24C2D5-F571-4D95-BFB0-5C6AC84BEB67}" srcOrd="1" destOrd="0" presId="urn:microsoft.com/office/officeart/2005/8/layout/vList4"/>
-    <dgm:cxn modelId="{CE5637C8-020B-4E3B-9069-D80784DDBCFD}" srcId="{1835D269-FE96-4F7F-8C62-DDD3272B68CC}" destId="{0FEDA0E8-D675-4CC9-98D3-1D869ACA5E30}" srcOrd="3" destOrd="0" parTransId="{1288BDCD-2617-48E0-9EC0-D107843A8E30}" sibTransId="{55A2933E-ADED-4CFF-8A5E-3ED63C3C4525}"/>
-    <dgm:cxn modelId="{AE3CE9D4-F5D0-42D8-B233-A4174967F42C}" type="presOf" srcId="{9ADC068E-1E22-4770-ACC7-2DC4A438FA81}" destId="{495353FE-4566-4089-912C-D93AE4D3FFBC}" srcOrd="1" destOrd="0" presId="urn:microsoft.com/office/officeart/2005/8/layout/vList4"/>
-    <dgm:cxn modelId="{6FA482D8-C84C-4B9D-8E68-4BA7B1F4583A}" srcId="{1835D269-FE96-4F7F-8C62-DDD3272B68CC}" destId="{9ADC068E-1E22-4770-ACC7-2DC4A438FA81}" srcOrd="0" destOrd="0" parTransId="{00CE944A-22E1-435F-97C3-0193EC795160}" sibTransId="{EBEED81E-2D55-44D3-986B-B3ED7458D1AA}"/>
-    <dgm:cxn modelId="{80EA19DA-47CF-4B51-A49F-7B513A31AE20}" type="presOf" srcId="{8E0E086F-FD47-497A-9E90-55FD9E8103D9}" destId="{2FF9FFD2-EB47-4AAE-9D46-50998BAA57FB}" srcOrd="0" destOrd="0" presId="urn:microsoft.com/office/officeart/2005/8/layout/vList4"/>
-    <dgm:cxn modelId="{9DA8F25E-A281-474B-A995-320E3FA77748}" type="presParOf" srcId="{9D874389-E38F-4B40-BA0D-B51140244BE5}" destId="{905E43C9-1D7B-49DB-B053-72D1F459ABF0}" srcOrd="0" destOrd="0" presId="urn:microsoft.com/office/officeart/2005/8/layout/vList4"/>
-    <dgm:cxn modelId="{0DDCC753-2CD0-42DA-B808-B254080B8955}" type="presParOf" srcId="{905E43C9-1D7B-49DB-B053-72D1F459ABF0}" destId="{BA8C45EB-1188-4091-B631-38B21B54EFF0}" srcOrd="0" destOrd="0" presId="urn:microsoft.com/office/officeart/2005/8/layout/vList4"/>
-    <dgm:cxn modelId="{75A88BA7-1F3E-48F7-B319-A97649E5F610}" type="presParOf" srcId="{905E43C9-1D7B-49DB-B053-72D1F459ABF0}" destId="{4C295843-1B02-410A-927C-3C21C0E49EA6}" srcOrd="1" destOrd="0" presId="urn:microsoft.com/office/officeart/2005/8/layout/vList4"/>
-    <dgm:cxn modelId="{CFE89636-DCAF-400D-A4C4-15B5AE1361E6}" type="presParOf" srcId="{905E43C9-1D7B-49DB-B053-72D1F459ABF0}" destId="{495353FE-4566-4089-912C-D93AE4D3FFBC}" srcOrd="2" destOrd="0" presId="urn:microsoft.com/office/officeart/2005/8/layout/vList4"/>
-    <dgm:cxn modelId="{377DA43E-2BE8-4F6C-AA8F-90A34077CEB7}" type="presParOf" srcId="{9D874389-E38F-4B40-BA0D-B51140244BE5}" destId="{10929414-EF0E-4E50-A757-8201A0A8A2F4}" srcOrd="1" destOrd="0" presId="urn:microsoft.com/office/officeart/2005/8/layout/vList4"/>
-    <dgm:cxn modelId="{7C304BAE-B50B-4887-8609-68701B73A5DA}" type="presParOf" srcId="{9D874389-E38F-4B40-BA0D-B51140244BE5}" destId="{BCB6AD49-5C5A-4808-84F2-EF5527962CD1}" srcOrd="2" destOrd="0" presId="urn:microsoft.com/office/officeart/2005/8/layout/vList4"/>
-    <dgm:cxn modelId="{BD283D5C-EFA1-479E-9774-8A1719B25054}" type="presParOf" srcId="{BCB6AD49-5C5A-4808-84F2-EF5527962CD1}" destId="{2FF9FFD2-EB47-4AAE-9D46-50998BAA57FB}" srcOrd="0" destOrd="0" presId="urn:microsoft.com/office/officeart/2005/8/layout/vList4"/>
-    <dgm:cxn modelId="{C3DE5786-292A-4361-985D-4B33D00A0A63}" type="presParOf" srcId="{BCB6AD49-5C5A-4808-84F2-EF5527962CD1}" destId="{A60AFDD3-51B9-4416-943C-2E18668778DE}" srcOrd="1" destOrd="0" presId="urn:microsoft.com/office/officeart/2005/8/layout/vList4"/>
-    <dgm:cxn modelId="{AE3FC9C7-0D08-49C4-9A1B-0E6792446341}" type="presParOf" srcId="{BCB6AD49-5C5A-4808-84F2-EF5527962CD1}" destId="{FF5D1897-E719-4DD7-9174-1F2C6EB008E8}" srcOrd="2" destOrd="0" presId="urn:microsoft.com/office/officeart/2005/8/layout/vList4"/>
-    <dgm:cxn modelId="{E01A4668-7C0D-4000-8135-7324B1DC4D16}" type="presParOf" srcId="{9D874389-E38F-4B40-BA0D-B51140244BE5}" destId="{5B83D4C0-3E68-4574-B8BD-8627E3A2F461}" srcOrd="3" destOrd="0" presId="urn:microsoft.com/office/officeart/2005/8/layout/vList4"/>
-    <dgm:cxn modelId="{84E2195A-0D44-4345-BC8F-18CD60A462C0}" type="presParOf" srcId="{9D874389-E38F-4B40-BA0D-B51140244BE5}" destId="{ABC517DC-8175-4D14-AF8A-D0FC0B970838}" srcOrd="4" destOrd="0" presId="urn:microsoft.com/office/officeart/2005/8/layout/vList4"/>
-    <dgm:cxn modelId="{A51A272E-0E6E-4752-9F5D-1FDC37C52362}" type="presParOf" srcId="{ABC517DC-8175-4D14-AF8A-D0FC0B970838}" destId="{5CE4292C-0DFC-45B3-8163-EC83EA7368FA}" srcOrd="0" destOrd="0" presId="urn:microsoft.com/office/officeart/2005/8/layout/vList4"/>
-    <dgm:cxn modelId="{C593EB34-5732-4298-BE27-2672C728C6AE}" type="presParOf" srcId="{ABC517DC-8175-4D14-AF8A-D0FC0B970838}" destId="{BBC8176F-02E3-484A-8371-1C4A2EE52109}" srcOrd="1" destOrd="0" presId="urn:microsoft.com/office/officeart/2005/8/layout/vList4"/>
-    <dgm:cxn modelId="{8047C148-E264-4A0C-B37F-84E32B66888B}" type="presParOf" srcId="{ABC517DC-8175-4D14-AF8A-D0FC0B970838}" destId="{E31EFAEB-E235-4D24-BBC1-75651EDDDFF6}" srcOrd="2" destOrd="0" presId="urn:microsoft.com/office/officeart/2005/8/layout/vList4"/>
-    <dgm:cxn modelId="{5FCE494F-4038-4E9A-B198-8A1499542AA9}" type="presParOf" srcId="{9D874389-E38F-4B40-BA0D-B51140244BE5}" destId="{E2C6D3E5-7D8B-4372-9CF9-1F1819F281F4}" srcOrd="5" destOrd="0" presId="urn:microsoft.com/office/officeart/2005/8/layout/vList4"/>
-    <dgm:cxn modelId="{79A8118F-81A9-432F-8EF0-DD88D3B4E765}" type="presParOf" srcId="{9D874389-E38F-4B40-BA0D-B51140244BE5}" destId="{132470C0-3BE1-42D2-87F5-C6AC73B44EB6}" srcOrd="6" destOrd="0" presId="urn:microsoft.com/office/officeart/2005/8/layout/vList4"/>
-    <dgm:cxn modelId="{D7646D7F-6E23-4270-9104-9C2193F5C92A}" type="presParOf" srcId="{132470C0-3BE1-42D2-87F5-C6AC73B44EB6}" destId="{EC14FD7A-B4A8-417B-B3BC-86E8BA772C44}" srcOrd="0" destOrd="0" presId="urn:microsoft.com/office/officeart/2005/8/layout/vList4"/>
-    <dgm:cxn modelId="{71FD4EE0-7F8B-43D8-8FAC-090BCB381DE0}" type="presParOf" srcId="{132470C0-3BE1-42D2-87F5-C6AC73B44EB6}" destId="{ADB620C9-9317-4C1B-92C1-700CBD32A977}" srcOrd="1" destOrd="0" presId="urn:microsoft.com/office/officeart/2005/8/layout/vList4"/>
-    <dgm:cxn modelId="{E2A7AB7B-952D-4759-B5A9-17C4A35ED08C}" type="presParOf" srcId="{132470C0-3BE1-42D2-87F5-C6AC73B44EB6}" destId="{FE24C2D5-F571-4D95-BFB0-5C6AC84BEB67}" srcOrd="2" destOrd="0" presId="urn:microsoft.com/office/officeart/2005/8/layout/vList4"/>
+    <dgm:cxn modelId="{DB639D00-E63C-41E0-8B77-3B1D001D487F}" type="presOf" srcId="{FD7071C7-B650-4E10-89A4-791E353FB58F}" destId="{C8351F1D-BB2B-44DD-B995-7BC4699952E2}" srcOrd="0" destOrd="0" presId="urn:microsoft.com/office/officeart/2005/8/layout/vList4"/>
+    <dgm:cxn modelId="{84E63F2C-9E29-4150-AF93-7FBA2A2329D6}" type="presOf" srcId="{176A3BE5-0513-4BCC-B801-971B71AF6A54}" destId="{DEB2D936-C5D5-46DE-A446-CE22306471E5}" srcOrd="0" destOrd="0" presId="urn:microsoft.com/office/officeart/2005/8/layout/vList4"/>
+    <dgm:cxn modelId="{DD91073A-8C43-4400-8AA9-793CB68F8497}" type="presOf" srcId="{90A44DFE-316D-4A88-82C7-6066D7A520F0}" destId="{681FE68B-92BF-4E98-88F0-665E7B1667E6}" srcOrd="1" destOrd="0" presId="urn:microsoft.com/office/officeart/2005/8/layout/vList4"/>
+    <dgm:cxn modelId="{A32A9142-4254-446F-B349-C835DA268D88}" type="presOf" srcId="{FFB7B47B-CD3A-4078-805F-8F11B89A9BD0}" destId="{55973CE8-730C-4690-8778-0697CC23FD0D}" srcOrd="0" destOrd="0" presId="urn:microsoft.com/office/officeart/2005/8/layout/vList4"/>
+    <dgm:cxn modelId="{B0EA744E-579B-4124-A41C-676EF314FAED}" type="presOf" srcId="{90A44DFE-316D-4A88-82C7-6066D7A520F0}" destId="{A926799C-78B9-4592-8027-7370F47AA4EA}" srcOrd="0" destOrd="0" presId="urn:microsoft.com/office/officeart/2005/8/layout/vList4"/>
+    <dgm:cxn modelId="{F6770679-5718-4D17-8631-5D38900C6C6C}" type="presOf" srcId="{B92280A5-5092-42E4-B899-4B8B1880A4FB}" destId="{358DAA45-7F08-4D24-8241-F8103D96D184}" srcOrd="0" destOrd="0" presId="urn:microsoft.com/office/officeart/2005/8/layout/vList4"/>
+    <dgm:cxn modelId="{09888E82-CE31-46E7-AC01-BEF24A402E77}" srcId="{FFB7B47B-CD3A-4078-805F-8F11B89A9BD0}" destId="{176A3BE5-0513-4BCC-B801-971B71AF6A54}" srcOrd="0" destOrd="0" parTransId="{2F6050BE-D581-4C06-B4BB-9A83E6E8AEED}" sibTransId="{58C9A2D0-A521-44C2-99A1-058E2366F912}"/>
+    <dgm:cxn modelId="{05E1518E-C655-4395-8095-C04CFA21A45C}" type="presOf" srcId="{B92280A5-5092-42E4-B899-4B8B1880A4FB}" destId="{2E6E1367-4262-41DE-A2BC-1C8D56F42878}" srcOrd="1" destOrd="0" presId="urn:microsoft.com/office/officeart/2005/8/layout/vList4"/>
+    <dgm:cxn modelId="{528DE09D-193B-4C0A-94BB-90788C1CA212}" srcId="{FFB7B47B-CD3A-4078-805F-8F11B89A9BD0}" destId="{B92280A5-5092-42E4-B899-4B8B1880A4FB}" srcOrd="1" destOrd="0" parTransId="{EDB67AA7-13B2-478F-A04E-A0844C0E56D0}" sibTransId="{F4C8BBAD-4650-4FE1-B909-A057660248CF}"/>
+    <dgm:cxn modelId="{2D1B0BAD-8412-41D0-A935-5F6576717077}" srcId="{FFB7B47B-CD3A-4078-805F-8F11B89A9BD0}" destId="{FD7071C7-B650-4E10-89A4-791E353FB58F}" srcOrd="2" destOrd="0" parTransId="{765B2486-D982-412B-BDFE-E76E2B7FDBE5}" sibTransId="{B49D5FB8-3DB2-4C98-8298-60621F69393F}"/>
+    <dgm:cxn modelId="{0C0FF9CB-1712-4815-AC02-E92390FC0D20}" type="presOf" srcId="{176A3BE5-0513-4BCC-B801-971B71AF6A54}" destId="{D0265680-3538-4F34-9B03-D0CD64751BC8}" srcOrd="1" destOrd="0" presId="urn:microsoft.com/office/officeart/2005/8/layout/vList4"/>
+    <dgm:cxn modelId="{020AE5DD-C8EF-497E-9A70-F7A073E24B50}" srcId="{FFB7B47B-CD3A-4078-805F-8F11B89A9BD0}" destId="{90A44DFE-316D-4A88-82C7-6066D7A520F0}" srcOrd="3" destOrd="0" parTransId="{0C725E7F-6201-4534-ADEC-49AC7457FFAB}" sibTransId="{38685F6B-EF2D-409A-A6EC-F31DEFD7CC39}"/>
+    <dgm:cxn modelId="{B6DD48DE-F17E-4321-B83E-056A14658494}" type="presOf" srcId="{FD7071C7-B650-4E10-89A4-791E353FB58F}" destId="{BE6169FA-B0C9-4AB0-A1D9-03CFF34B20D0}" srcOrd="1" destOrd="0" presId="urn:microsoft.com/office/officeart/2005/8/layout/vList4"/>
+    <dgm:cxn modelId="{0A6B5949-A48C-4C55-86CF-091FE671BC5D}" type="presParOf" srcId="{55973CE8-730C-4690-8778-0697CC23FD0D}" destId="{27B73CF0-1E96-44F3-A934-C976DD7E9BE8}" srcOrd="0" destOrd="0" presId="urn:microsoft.com/office/officeart/2005/8/layout/vList4"/>
+    <dgm:cxn modelId="{E301F3DE-EACF-49D6-ACB4-F38D83B59A38}" type="presParOf" srcId="{27B73CF0-1E96-44F3-A934-C976DD7E9BE8}" destId="{DEB2D936-C5D5-46DE-A446-CE22306471E5}" srcOrd="0" destOrd="0" presId="urn:microsoft.com/office/officeart/2005/8/layout/vList4"/>
+    <dgm:cxn modelId="{63273CA1-D1B2-4265-BF03-564613B6AF6D}" type="presParOf" srcId="{27B73CF0-1E96-44F3-A934-C976DD7E9BE8}" destId="{2677C638-999D-4272-9AE7-39D3C3FACD4C}" srcOrd="1" destOrd="0" presId="urn:microsoft.com/office/officeart/2005/8/layout/vList4"/>
+    <dgm:cxn modelId="{73C59BBA-118A-4A07-9232-B9B092337FAF}" type="presParOf" srcId="{27B73CF0-1E96-44F3-A934-C976DD7E9BE8}" destId="{D0265680-3538-4F34-9B03-D0CD64751BC8}" srcOrd="2" destOrd="0" presId="urn:microsoft.com/office/officeart/2005/8/layout/vList4"/>
+    <dgm:cxn modelId="{9756C8F9-AD55-49AC-B60B-05B7F50CE12A}" type="presParOf" srcId="{55973CE8-730C-4690-8778-0697CC23FD0D}" destId="{BAD1332A-DFAB-4FC4-AFD9-54E7FE8FD2F6}" srcOrd="1" destOrd="0" presId="urn:microsoft.com/office/officeart/2005/8/layout/vList4"/>
+    <dgm:cxn modelId="{6E2F0911-39D3-4C5F-A9E1-76AD22EEF007}" type="presParOf" srcId="{55973CE8-730C-4690-8778-0697CC23FD0D}" destId="{F3A789DE-BB3C-43B8-B60D-4E6A520B41EC}" srcOrd="2" destOrd="0" presId="urn:microsoft.com/office/officeart/2005/8/layout/vList4"/>
+    <dgm:cxn modelId="{87A24D8A-D2AA-4C25-AB7D-2E098026517F}" type="presParOf" srcId="{F3A789DE-BB3C-43B8-B60D-4E6A520B41EC}" destId="{358DAA45-7F08-4D24-8241-F8103D96D184}" srcOrd="0" destOrd="0" presId="urn:microsoft.com/office/officeart/2005/8/layout/vList4"/>
+    <dgm:cxn modelId="{063CFDEA-EC70-4059-B927-D134A56A8C05}" type="presParOf" srcId="{F3A789DE-BB3C-43B8-B60D-4E6A520B41EC}" destId="{7ADCA0F6-6132-4A07-B3E7-D7DE4D38D112}" srcOrd="1" destOrd="0" presId="urn:microsoft.com/office/officeart/2005/8/layout/vList4"/>
+    <dgm:cxn modelId="{783FEB61-2823-43E8-B3BA-256EAD27A479}" type="presParOf" srcId="{F3A789DE-BB3C-43B8-B60D-4E6A520B41EC}" destId="{2E6E1367-4262-41DE-A2BC-1C8D56F42878}" srcOrd="2" destOrd="0" presId="urn:microsoft.com/office/officeart/2005/8/layout/vList4"/>
+    <dgm:cxn modelId="{87DD05E6-7DAD-45A1-A326-B2467813738B}" type="presParOf" srcId="{55973CE8-730C-4690-8778-0697CC23FD0D}" destId="{1E0CBD7A-64F1-42FC-8B83-5C537B3FF519}" srcOrd="3" destOrd="0" presId="urn:microsoft.com/office/officeart/2005/8/layout/vList4"/>
+    <dgm:cxn modelId="{C6883E03-3E48-4A1C-82EC-31BE04ACEEA1}" type="presParOf" srcId="{55973CE8-730C-4690-8778-0697CC23FD0D}" destId="{11F2ED9F-6A0E-4EAB-B555-1A696DF377E1}" srcOrd="4" destOrd="0" presId="urn:microsoft.com/office/officeart/2005/8/layout/vList4"/>
+    <dgm:cxn modelId="{7EFB4349-5127-4528-BFD5-043801E3320D}" type="presParOf" srcId="{11F2ED9F-6A0E-4EAB-B555-1A696DF377E1}" destId="{C8351F1D-BB2B-44DD-B995-7BC4699952E2}" srcOrd="0" destOrd="0" presId="urn:microsoft.com/office/officeart/2005/8/layout/vList4"/>
+    <dgm:cxn modelId="{8DBDD71E-C66D-4CD2-BD43-A729F4FAD7F9}" type="presParOf" srcId="{11F2ED9F-6A0E-4EAB-B555-1A696DF377E1}" destId="{31E6ADDB-E212-4E47-BCD2-3AB9FC97A924}" srcOrd="1" destOrd="0" presId="urn:microsoft.com/office/officeart/2005/8/layout/vList4"/>
+    <dgm:cxn modelId="{AFB8E0A3-04EB-4FBB-92C9-AAD8910D12B5}" type="presParOf" srcId="{11F2ED9F-6A0E-4EAB-B555-1A696DF377E1}" destId="{BE6169FA-B0C9-4AB0-A1D9-03CFF34B20D0}" srcOrd="2" destOrd="0" presId="urn:microsoft.com/office/officeart/2005/8/layout/vList4"/>
+    <dgm:cxn modelId="{564A89CA-2A4A-4DE5-B299-1F3742726E20}" type="presParOf" srcId="{55973CE8-730C-4690-8778-0697CC23FD0D}" destId="{FBF6C942-69FB-439F-89DF-4070A6F60889}" srcOrd="5" destOrd="0" presId="urn:microsoft.com/office/officeart/2005/8/layout/vList4"/>
+    <dgm:cxn modelId="{E016E094-3BB1-4210-BA35-FF343CA5D395}" type="presParOf" srcId="{55973CE8-730C-4690-8778-0697CC23FD0D}" destId="{47C4B9FB-9F08-4819-B42C-DE681941A6D6}" srcOrd="6" destOrd="0" presId="urn:microsoft.com/office/officeart/2005/8/layout/vList4"/>
+    <dgm:cxn modelId="{10173A8C-C569-46B8-95C2-FC9876198BE5}" type="presParOf" srcId="{47C4B9FB-9F08-4819-B42C-DE681941A6D6}" destId="{A926799C-78B9-4592-8027-7370F47AA4EA}" srcOrd="0" destOrd="0" presId="urn:microsoft.com/office/officeart/2005/8/layout/vList4"/>
+    <dgm:cxn modelId="{17680FE5-63A4-4763-A854-D77C78B24E16}" type="presParOf" srcId="{47C4B9FB-9F08-4819-B42C-DE681941A6D6}" destId="{ABEB9E2C-1767-493F-B5DB-4A77B1529536}" srcOrd="1" destOrd="0" presId="urn:microsoft.com/office/officeart/2005/8/layout/vList4"/>
+    <dgm:cxn modelId="{8EBDB146-B788-45AC-AA19-A8CE230F3706}" type="presParOf" srcId="{47C4B9FB-9F08-4819-B42C-DE681941A6D6}" destId="{681FE68B-92BF-4E98-88F0-665E7B1667E6}" srcOrd="2" destOrd="0" presId="urn:microsoft.com/office/officeart/2005/8/layout/vList4"/>
   </dgm:cxnLst>
   <dgm:bg/>
   <dgm:whole/>
@@ -1404,7 +1413,7 @@
       <dsp:cNvGrpSpPr/>
     </dsp:nvGrpSpPr>
     <dsp:grpSpPr/>
-    <dsp:sp modelId="{BA8C45EB-1188-4091-B631-38B21B54EFF0}">
+    <dsp:sp modelId="{DEB2D936-C5D5-46DE-A446-CE22306471E5}">
       <dsp:nvSpPr>
         <dsp:cNvPr id="0" name=""/>
         <dsp:cNvSpPr/>
@@ -1479,7 +1488,7 @@
         <a:ext cx="3685429" cy="585703"/>
       </dsp:txXfrm>
     </dsp:sp>
-    <dsp:sp modelId="{4C295843-1B02-410A-927C-3C21C0E49EA6}">
+    <dsp:sp modelId="{2677C638-999D-4272-9AE7-39D3C3FACD4C}">
       <dsp:nvSpPr>
         <dsp:cNvPr id="0" name=""/>
         <dsp:cNvSpPr/>
@@ -1495,7 +1504,13 @@
           </a:avLst>
         </a:prstGeom>
         <a:blipFill>
-          <a:blip xmlns:r="http://schemas.openxmlformats.org/officeDocument/2006/relationships" r:embed="rId1"/>
+          <a:blip xmlns:r="http://schemas.openxmlformats.org/officeDocument/2006/relationships" r:embed="rId1">
+            <a:extLst>
+              <a:ext uri="{28A0092B-C50C-407E-A947-70E740481C1C}">
+                <a14:useLocalDpi xmlns:a14="http://schemas.microsoft.com/office/drawing/2010/main" val="0"/>
+              </a:ext>
+            </a:extLst>
+          </a:blip>
           <a:srcRect/>
           <a:stretch>
             <a:fillRect t="-1000" b="-1000"/>
@@ -1521,7 +1536,7 @@
         <a:fontRef idx="minor"/>
       </dsp:style>
     </dsp:sp>
-    <dsp:sp modelId="{2FF9FFD2-EB47-4AAE-9D46-50998BAA57FB}">
+    <dsp:sp modelId="{358DAA45-7F08-4D24-8241-F8103D96D184}">
       <dsp:nvSpPr>
         <dsp:cNvPr id="0" name=""/>
         <dsp:cNvSpPr/>
@@ -1596,7 +1611,7 @@
         <a:ext cx="3685429" cy="585703"/>
       </dsp:txXfrm>
     </dsp:sp>
-    <dsp:sp modelId="{A60AFDD3-51B9-4416-943C-2E18668778DE}">
+    <dsp:sp modelId="{7ADCA0F6-6132-4A07-B3E7-D7DE4D38D112}">
       <dsp:nvSpPr>
         <dsp:cNvPr id="0" name=""/>
         <dsp:cNvSpPr/>
@@ -1612,7 +1627,13 @@
           </a:avLst>
         </a:prstGeom>
         <a:blipFill>
-          <a:blip xmlns:r="http://schemas.openxmlformats.org/officeDocument/2006/relationships" r:embed="rId1"/>
+          <a:blip xmlns:r="http://schemas.openxmlformats.org/officeDocument/2006/relationships" r:embed="rId1">
+            <a:extLst>
+              <a:ext uri="{28A0092B-C50C-407E-A947-70E740481C1C}">
+                <a14:useLocalDpi xmlns:a14="http://schemas.microsoft.com/office/drawing/2010/main" val="0"/>
+              </a:ext>
+            </a:extLst>
+          </a:blip>
           <a:srcRect/>
           <a:stretch>
             <a:fillRect t="-1000" b="-1000"/>
@@ -1638,7 +1659,7 @@
         <a:fontRef idx="minor"/>
       </dsp:style>
     </dsp:sp>
-    <dsp:sp modelId="{5CE4292C-0DFC-45B3-8163-EC83EA7368FA}">
+    <dsp:sp modelId="{C8351F1D-BB2B-44DD-B995-7BC4699952E2}">
       <dsp:nvSpPr>
         <dsp:cNvPr id="0" name=""/>
         <dsp:cNvSpPr/>
@@ -1713,7 +1734,7 @@
         <a:ext cx="3685429" cy="585703"/>
       </dsp:txXfrm>
     </dsp:sp>
-    <dsp:sp modelId="{BBC8176F-02E3-484A-8371-1C4A2EE52109}">
+    <dsp:sp modelId="{31E6ADDB-E212-4E47-BCD2-3AB9FC97A924}">
       <dsp:nvSpPr>
         <dsp:cNvPr id="0" name=""/>
         <dsp:cNvSpPr/>
@@ -1761,14 +1782,14 @@
         <a:fontRef idx="minor"/>
       </dsp:style>
     </dsp:sp>
-    <dsp:sp modelId="{EC14FD7A-B4A8-417B-B3BC-86E8BA772C44}">
+    <dsp:sp modelId="{A926799C-78B9-4592-8027-7370F47AA4EA}">
       <dsp:nvSpPr>
         <dsp:cNvPr id="0" name=""/>
         <dsp:cNvSpPr/>
       </dsp:nvSpPr>
       <dsp:spPr>
         <a:xfrm>
-          <a:off x="0" y="1934296"/>
+          <a:off x="0" y="1854072"/>
           <a:ext cx="4680000" cy="585703"/>
         </a:xfrm>
         <a:prstGeom prst="roundRect">
@@ -1832,11 +1853,11 @@
         </a:p>
       </dsp:txBody>
       <dsp:txXfrm>
-        <a:off x="994570" y="1934296"/>
+        <a:off x="994570" y="1854072"/>
         <a:ext cx="3685429" cy="585703"/>
       </dsp:txXfrm>
     </dsp:sp>
-    <dsp:sp modelId="{ADB620C9-9317-4C1B-92C1-700CBD32A977}">
+    <dsp:sp modelId="{ABEB9E2C-1767-493F-B5DB-4A77B1529536}">
       <dsp:nvSpPr>
         <dsp:cNvPr id="0" name=""/>
         <dsp:cNvSpPr/>
@@ -3258,9 +3279,9 @@
           <a:bodyPr/>
           <a:lstStyle/>
           <a:p>
-            <a:fld id="{B8E11EA6-870F-4D4E-AB0F-E4416A730598}" type="datetimeFigureOut">
+            <a:fld id="{ECED46A6-AB2D-4482-AA51-1FB31FB5C329}" type="datetimeFigureOut">
               <a:rPr lang="zh-CN" altLang="en-US" smtClean="0"/>
-              <a:t>2021/7/6</a:t>
+              <a:t>2023/12/26</a:t>
             </a:fld>
             <a:endParaRPr lang="zh-CN" altLang="en-US"/>
           </a:p>
@@ -3300,7 +3321,7 @@
           <a:bodyPr/>
           <a:lstStyle/>
           <a:p>
-            <a:fld id="{40FAB7E5-808A-43F6-8BFD-7D4B70FB50AF}" type="slidenum">
+            <a:fld id="{7F77E5EE-098D-4936-B745-BA2D87E3DE2B}" type="slidenum">
               <a:rPr lang="zh-CN" altLang="en-US" smtClean="0"/>
               <a:t>‹#›</a:t>
             </a:fld>
@@ -3313,7 +3334,7 @@
           <p:cNvPr id="8" name="图片 7">
             <a:extLst>
               <a:ext uri="{FF2B5EF4-FFF2-40B4-BE49-F238E27FC236}">
-                <a16:creationId xmlns:a16="http://schemas.microsoft.com/office/drawing/2014/main" id="{2842E416-C46E-4000-84AE-EAF615CED843}"/>
+                <a16:creationId xmlns:a16="http://schemas.microsoft.com/office/drawing/2014/main" id="{4CDE1550-7ADA-4862-A39C-C49CB994CECE}"/>
               </a:ext>
             </a:extLst>
           </p:cNvPr>
@@ -3347,7 +3368,7 @@
     </p:spTree>
     <p:extLst>
       <p:ext uri="{BB962C8B-B14F-4D97-AF65-F5344CB8AC3E}">
-        <p14:creationId xmlns:p14="http://schemas.microsoft.com/office/powerpoint/2010/main" val="1939191892"/>
+        <p14:creationId xmlns:p14="http://schemas.microsoft.com/office/powerpoint/2010/main" val="548797676"/>
       </p:ext>
     </p:extLst>
   </p:cSld>
@@ -3464,9 +3485,9 @@
           <a:bodyPr/>
           <a:lstStyle/>
           <a:p>
-            <a:fld id="{B8E11EA6-870F-4D4E-AB0F-E4416A730598}" type="datetimeFigureOut">
+            <a:fld id="{ECED46A6-AB2D-4482-AA51-1FB31FB5C329}" type="datetimeFigureOut">
               <a:rPr lang="zh-CN" altLang="en-US" smtClean="0"/>
-              <a:t>2021/7/6</a:t>
+              <a:t>2023/12/26</a:t>
             </a:fld>
             <a:endParaRPr lang="zh-CN" altLang="en-US"/>
           </a:p>
@@ -3506,7 +3527,7 @@
           <a:bodyPr/>
           <a:lstStyle/>
           <a:p>
-            <a:fld id="{40FAB7E5-808A-43F6-8BFD-7D4B70FB50AF}" type="slidenum">
+            <a:fld id="{7F77E5EE-098D-4936-B745-BA2D87E3DE2B}" type="slidenum">
               <a:rPr lang="zh-CN" altLang="en-US" smtClean="0"/>
               <a:t>‹#›</a:t>
             </a:fld>
@@ -3517,7 +3538,7 @@
     </p:spTree>
     <p:extLst>
       <p:ext uri="{BB962C8B-B14F-4D97-AF65-F5344CB8AC3E}">
-        <p14:creationId xmlns:p14="http://schemas.microsoft.com/office/powerpoint/2010/main" val="1235931895"/>
+        <p14:creationId xmlns:p14="http://schemas.microsoft.com/office/powerpoint/2010/main" val="3397416827"/>
       </p:ext>
     </p:extLst>
   </p:cSld>
@@ -3644,9 +3665,9 @@
           <a:bodyPr/>
           <a:lstStyle/>
           <a:p>
-            <a:fld id="{B8E11EA6-870F-4D4E-AB0F-E4416A730598}" type="datetimeFigureOut">
+            <a:fld id="{ECED46A6-AB2D-4482-AA51-1FB31FB5C329}" type="datetimeFigureOut">
               <a:rPr lang="zh-CN" altLang="en-US" smtClean="0"/>
-              <a:t>2021/7/6</a:t>
+              <a:t>2023/12/26</a:t>
             </a:fld>
             <a:endParaRPr lang="zh-CN" altLang="en-US"/>
           </a:p>
@@ -3686,7 +3707,7 @@
           <a:bodyPr/>
           <a:lstStyle/>
           <a:p>
-            <a:fld id="{40FAB7E5-808A-43F6-8BFD-7D4B70FB50AF}" type="slidenum">
+            <a:fld id="{7F77E5EE-098D-4936-B745-BA2D87E3DE2B}" type="slidenum">
               <a:rPr lang="zh-CN" altLang="en-US" smtClean="0"/>
               <a:t>‹#›</a:t>
             </a:fld>
@@ -3697,7 +3718,7 @@
     </p:spTree>
     <p:extLst>
       <p:ext uri="{BB962C8B-B14F-4D97-AF65-F5344CB8AC3E}">
-        <p14:creationId xmlns:p14="http://schemas.microsoft.com/office/powerpoint/2010/main" val="3641876338"/>
+        <p14:creationId xmlns:p14="http://schemas.microsoft.com/office/powerpoint/2010/main" val="2613986197"/>
       </p:ext>
     </p:extLst>
   </p:cSld>
@@ -3814,9 +3835,9 @@
           <a:bodyPr/>
           <a:lstStyle/>
           <a:p>
-            <a:fld id="{B8E11EA6-870F-4D4E-AB0F-E4416A730598}" type="datetimeFigureOut">
+            <a:fld id="{ECED46A6-AB2D-4482-AA51-1FB31FB5C329}" type="datetimeFigureOut">
               <a:rPr lang="zh-CN" altLang="en-US" smtClean="0"/>
-              <a:t>2021/7/6</a:t>
+              <a:t>2023/12/26</a:t>
             </a:fld>
             <a:endParaRPr lang="zh-CN" altLang="en-US"/>
           </a:p>
@@ -3856,7 +3877,7 @@
           <a:bodyPr/>
           <a:lstStyle/>
           <a:p>
-            <a:fld id="{40FAB7E5-808A-43F6-8BFD-7D4B70FB50AF}" type="slidenum">
+            <a:fld id="{7F77E5EE-098D-4936-B745-BA2D87E3DE2B}" type="slidenum">
               <a:rPr lang="zh-CN" altLang="en-US" smtClean="0"/>
               <a:t>‹#›</a:t>
             </a:fld>
@@ -3866,10 +3887,10 @@
       </p:sp>
       <p:pic>
         <p:nvPicPr>
-          <p:cNvPr id="8" name="图片 7">
+          <p:cNvPr id="10" name="图片 9">
             <a:extLst>
               <a:ext uri="{FF2B5EF4-FFF2-40B4-BE49-F238E27FC236}">
-                <a16:creationId xmlns:a16="http://schemas.microsoft.com/office/drawing/2014/main" id="{95AF9088-BB2E-464D-B82C-838ADD41F530}"/>
+                <a16:creationId xmlns:a16="http://schemas.microsoft.com/office/drawing/2014/main" id="{1A72C7A1-A1E5-4601-A2E5-680EDBDE81FE}"/>
               </a:ext>
             </a:extLst>
           </p:cNvPr>
@@ -3903,7 +3924,7 @@
     </p:spTree>
     <p:extLst>
       <p:ext uri="{BB962C8B-B14F-4D97-AF65-F5344CB8AC3E}">
-        <p14:creationId xmlns:p14="http://schemas.microsoft.com/office/powerpoint/2010/main" val="993838281"/>
+        <p14:creationId xmlns:p14="http://schemas.microsoft.com/office/powerpoint/2010/main" val="645701041"/>
       </p:ext>
     </p:extLst>
   </p:cSld>
@@ -4096,9 +4117,9 @@
           <a:bodyPr/>
           <a:lstStyle/>
           <a:p>
-            <a:fld id="{B8E11EA6-870F-4D4E-AB0F-E4416A730598}" type="datetimeFigureOut">
+            <a:fld id="{ECED46A6-AB2D-4482-AA51-1FB31FB5C329}" type="datetimeFigureOut">
               <a:rPr lang="zh-CN" altLang="en-US" smtClean="0"/>
-              <a:t>2021/7/6</a:t>
+              <a:t>2023/12/26</a:t>
             </a:fld>
             <a:endParaRPr lang="zh-CN" altLang="en-US"/>
           </a:p>
@@ -4138,7 +4159,7 @@
           <a:bodyPr/>
           <a:lstStyle/>
           <a:p>
-            <a:fld id="{40FAB7E5-808A-43F6-8BFD-7D4B70FB50AF}" type="slidenum">
+            <a:fld id="{7F77E5EE-098D-4936-B745-BA2D87E3DE2B}" type="slidenum">
               <a:rPr lang="zh-CN" altLang="en-US" smtClean="0"/>
               <a:t>‹#›</a:t>
             </a:fld>
@@ -4149,7 +4170,7 @@
     </p:spTree>
     <p:extLst>
       <p:ext uri="{BB962C8B-B14F-4D97-AF65-F5344CB8AC3E}">
-        <p14:creationId xmlns:p14="http://schemas.microsoft.com/office/powerpoint/2010/main" val="766708237"/>
+        <p14:creationId xmlns:p14="http://schemas.microsoft.com/office/powerpoint/2010/main" val="2082966316"/>
       </p:ext>
     </p:extLst>
   </p:cSld>
@@ -4328,9 +4349,9 @@
           <a:bodyPr/>
           <a:lstStyle/>
           <a:p>
-            <a:fld id="{B8E11EA6-870F-4D4E-AB0F-E4416A730598}" type="datetimeFigureOut">
+            <a:fld id="{ECED46A6-AB2D-4482-AA51-1FB31FB5C329}" type="datetimeFigureOut">
               <a:rPr lang="zh-CN" altLang="en-US" smtClean="0"/>
-              <a:t>2021/7/6</a:t>
+              <a:t>2023/12/26</a:t>
             </a:fld>
             <a:endParaRPr lang="zh-CN" altLang="en-US"/>
           </a:p>
@@ -4370,7 +4391,7 @@
           <a:bodyPr/>
           <a:lstStyle/>
           <a:p>
-            <a:fld id="{40FAB7E5-808A-43F6-8BFD-7D4B70FB50AF}" type="slidenum">
+            <a:fld id="{7F77E5EE-098D-4936-B745-BA2D87E3DE2B}" type="slidenum">
               <a:rPr lang="zh-CN" altLang="en-US" smtClean="0"/>
               <a:t>‹#›</a:t>
             </a:fld>
@@ -4381,7 +4402,7 @@
     </p:spTree>
     <p:extLst>
       <p:ext uri="{BB962C8B-B14F-4D97-AF65-F5344CB8AC3E}">
-        <p14:creationId xmlns:p14="http://schemas.microsoft.com/office/powerpoint/2010/main" val="1080976342"/>
+        <p14:creationId xmlns:p14="http://schemas.microsoft.com/office/powerpoint/2010/main" val="3577654050"/>
       </p:ext>
     </p:extLst>
   </p:cSld>
@@ -4695,9 +4716,9 @@
           <a:bodyPr/>
           <a:lstStyle/>
           <a:p>
-            <a:fld id="{B8E11EA6-870F-4D4E-AB0F-E4416A730598}" type="datetimeFigureOut">
+            <a:fld id="{ECED46A6-AB2D-4482-AA51-1FB31FB5C329}" type="datetimeFigureOut">
               <a:rPr lang="zh-CN" altLang="en-US" smtClean="0"/>
-              <a:t>2021/7/6</a:t>
+              <a:t>2023/12/26</a:t>
             </a:fld>
             <a:endParaRPr lang="zh-CN" altLang="en-US"/>
           </a:p>
@@ -4737,7 +4758,7 @@
           <a:bodyPr/>
           <a:lstStyle/>
           <a:p>
-            <a:fld id="{40FAB7E5-808A-43F6-8BFD-7D4B70FB50AF}" type="slidenum">
+            <a:fld id="{7F77E5EE-098D-4936-B745-BA2D87E3DE2B}" type="slidenum">
               <a:rPr lang="zh-CN" altLang="en-US" smtClean="0"/>
               <a:t>‹#›</a:t>
             </a:fld>
@@ -4748,7 +4769,7 @@
     </p:spTree>
     <p:extLst>
       <p:ext uri="{BB962C8B-B14F-4D97-AF65-F5344CB8AC3E}">
-        <p14:creationId xmlns:p14="http://schemas.microsoft.com/office/powerpoint/2010/main" val="3620929480"/>
+        <p14:creationId xmlns:p14="http://schemas.microsoft.com/office/powerpoint/2010/main" val="461893918"/>
       </p:ext>
     </p:extLst>
   </p:cSld>
@@ -4813,9 +4834,9 @@
           <a:bodyPr/>
           <a:lstStyle/>
           <a:p>
-            <a:fld id="{B8E11EA6-870F-4D4E-AB0F-E4416A730598}" type="datetimeFigureOut">
+            <a:fld id="{ECED46A6-AB2D-4482-AA51-1FB31FB5C329}" type="datetimeFigureOut">
               <a:rPr lang="zh-CN" altLang="en-US" smtClean="0"/>
-              <a:t>2021/7/6</a:t>
+              <a:t>2023/12/26</a:t>
             </a:fld>
             <a:endParaRPr lang="zh-CN" altLang="en-US"/>
           </a:p>
@@ -4855,7 +4876,7 @@
           <a:bodyPr/>
           <a:lstStyle/>
           <a:p>
-            <a:fld id="{40FAB7E5-808A-43F6-8BFD-7D4B70FB50AF}" type="slidenum">
+            <a:fld id="{7F77E5EE-098D-4936-B745-BA2D87E3DE2B}" type="slidenum">
               <a:rPr lang="zh-CN" altLang="en-US" smtClean="0"/>
               <a:t>‹#›</a:t>
             </a:fld>
@@ -4866,7 +4887,7 @@
     </p:spTree>
     <p:extLst>
       <p:ext uri="{BB962C8B-B14F-4D97-AF65-F5344CB8AC3E}">
-        <p14:creationId xmlns:p14="http://schemas.microsoft.com/office/powerpoint/2010/main" val="2535551935"/>
+        <p14:creationId xmlns:p14="http://schemas.microsoft.com/office/powerpoint/2010/main" val="1875417071"/>
       </p:ext>
     </p:extLst>
   </p:cSld>
@@ -4908,9 +4929,9 @@
           <a:bodyPr/>
           <a:lstStyle/>
           <a:p>
-            <a:fld id="{B8E11EA6-870F-4D4E-AB0F-E4416A730598}" type="datetimeFigureOut">
+            <a:fld id="{ECED46A6-AB2D-4482-AA51-1FB31FB5C329}" type="datetimeFigureOut">
               <a:rPr lang="zh-CN" altLang="en-US" smtClean="0"/>
-              <a:t>2021/7/6</a:t>
+              <a:t>2023/12/26</a:t>
             </a:fld>
             <a:endParaRPr lang="zh-CN" altLang="en-US"/>
           </a:p>
@@ -4950,7 +4971,7 @@
           <a:bodyPr/>
           <a:lstStyle/>
           <a:p>
-            <a:fld id="{40FAB7E5-808A-43F6-8BFD-7D4B70FB50AF}" type="slidenum">
+            <a:fld id="{7F77E5EE-098D-4936-B745-BA2D87E3DE2B}" type="slidenum">
               <a:rPr lang="zh-CN" altLang="en-US" smtClean="0"/>
               <a:t>‹#›</a:t>
             </a:fld>
@@ -4960,10 +4981,10 @@
       </p:sp>
       <p:pic>
         <p:nvPicPr>
-          <p:cNvPr id="6" name="图片 5">
+          <p:cNvPr id="8" name="图片 7">
             <a:extLst>
               <a:ext uri="{FF2B5EF4-FFF2-40B4-BE49-F238E27FC236}">
-                <a16:creationId xmlns:a16="http://schemas.microsoft.com/office/drawing/2014/main" id="{A978F796-3B90-433E-B550-422BD3D464AF}"/>
+                <a16:creationId xmlns:a16="http://schemas.microsoft.com/office/drawing/2014/main" id="{407C8EAB-2C9A-4623-8680-FA8EF4E73AF9}"/>
               </a:ext>
             </a:extLst>
           </p:cNvPr>
@@ -4997,7 +5018,7 @@
     </p:spTree>
     <p:extLst>
       <p:ext uri="{BB962C8B-B14F-4D97-AF65-F5344CB8AC3E}">
-        <p14:creationId xmlns:p14="http://schemas.microsoft.com/office/powerpoint/2010/main" val="2362392030"/>
+        <p14:creationId xmlns:p14="http://schemas.microsoft.com/office/powerpoint/2010/main" val="2473935611"/>
       </p:ext>
     </p:extLst>
   </p:cSld>
@@ -5221,9 +5242,9 @@
           <a:bodyPr/>
           <a:lstStyle/>
           <a:p>
-            <a:fld id="{B8E11EA6-870F-4D4E-AB0F-E4416A730598}" type="datetimeFigureOut">
+            <a:fld id="{ECED46A6-AB2D-4482-AA51-1FB31FB5C329}" type="datetimeFigureOut">
               <a:rPr lang="zh-CN" altLang="en-US" smtClean="0"/>
-              <a:t>2021/7/6</a:t>
+              <a:t>2023/12/26</a:t>
             </a:fld>
             <a:endParaRPr lang="zh-CN" altLang="en-US"/>
           </a:p>
@@ -5263,7 +5284,7 @@
           <a:bodyPr/>
           <a:lstStyle/>
           <a:p>
-            <a:fld id="{40FAB7E5-808A-43F6-8BFD-7D4B70FB50AF}" type="slidenum">
+            <a:fld id="{7F77E5EE-098D-4936-B745-BA2D87E3DE2B}" type="slidenum">
               <a:rPr lang="zh-CN" altLang="en-US" smtClean="0"/>
               <a:t>‹#›</a:t>
             </a:fld>
@@ -5274,7 +5295,7 @@
     </p:spTree>
     <p:extLst>
       <p:ext uri="{BB962C8B-B14F-4D97-AF65-F5344CB8AC3E}">
-        <p14:creationId xmlns:p14="http://schemas.microsoft.com/office/powerpoint/2010/main" val="750207351"/>
+        <p14:creationId xmlns:p14="http://schemas.microsoft.com/office/powerpoint/2010/main" val="3336180868"/>
       </p:ext>
     </p:extLst>
   </p:cSld>
@@ -5478,9 +5499,9 @@
           <a:bodyPr/>
           <a:lstStyle/>
           <a:p>
-            <a:fld id="{B8E11EA6-870F-4D4E-AB0F-E4416A730598}" type="datetimeFigureOut">
+            <a:fld id="{ECED46A6-AB2D-4482-AA51-1FB31FB5C329}" type="datetimeFigureOut">
               <a:rPr lang="zh-CN" altLang="en-US" smtClean="0"/>
-              <a:t>2021/7/6</a:t>
+              <a:t>2023/12/26</a:t>
             </a:fld>
             <a:endParaRPr lang="zh-CN" altLang="en-US"/>
           </a:p>
@@ -5520,7 +5541,7 @@
           <a:bodyPr/>
           <a:lstStyle/>
           <a:p>
-            <a:fld id="{40FAB7E5-808A-43F6-8BFD-7D4B70FB50AF}" type="slidenum">
+            <a:fld id="{7F77E5EE-098D-4936-B745-BA2D87E3DE2B}" type="slidenum">
               <a:rPr lang="zh-CN" altLang="en-US" smtClean="0"/>
               <a:t>‹#›</a:t>
             </a:fld>
@@ -5531,7 +5552,7 @@
     </p:spTree>
     <p:extLst>
       <p:ext uri="{BB962C8B-B14F-4D97-AF65-F5344CB8AC3E}">
-        <p14:creationId xmlns:p14="http://schemas.microsoft.com/office/powerpoint/2010/main" val="2240847938"/>
+        <p14:creationId xmlns:p14="http://schemas.microsoft.com/office/powerpoint/2010/main" val="1795426724"/>
       </p:ext>
     </p:extLst>
   </p:cSld>
@@ -5546,7 +5567,7 @@
   <p:cSld>
     <p:bg>
       <p:bgPr>
-        <a:gradFill>
+        <a:gradFill flip="none" rotWithShape="1">
           <a:gsLst>
             <a:gs pos="0">
               <a:srgbClr val="FFFFCC"/>
@@ -5563,6 +5584,7 @@
             </a:gs>
           </a:gsLst>
           <a:lin ang="5400000" scaled="1"/>
+          <a:tileRect/>
         </a:gradFill>
         <a:effectLst/>
       </p:bgPr>
@@ -5709,9 +5731,9 @@
             </a:lvl1pPr>
           </a:lstStyle>
           <a:p>
-            <a:fld id="{B8E11EA6-870F-4D4E-AB0F-E4416A730598}" type="datetimeFigureOut">
+            <a:fld id="{ECED46A6-AB2D-4482-AA51-1FB31FB5C329}" type="datetimeFigureOut">
               <a:rPr lang="zh-CN" altLang="en-US" smtClean="0"/>
-              <a:t>2021/7/6</a:t>
+              <a:t>2023/12/26</a:t>
             </a:fld>
             <a:endParaRPr lang="zh-CN" altLang="en-US"/>
           </a:p>
@@ -5787,7 +5809,7 @@
             </a:lvl1pPr>
           </a:lstStyle>
           <a:p>
-            <a:fld id="{40FAB7E5-808A-43F6-8BFD-7D4B70FB50AF}" type="slidenum">
+            <a:fld id="{7F77E5EE-098D-4936-B745-BA2D87E3DE2B}" type="slidenum">
               <a:rPr lang="zh-CN" altLang="en-US" smtClean="0"/>
               <a:t>‹#›</a:t>
             </a:fld>
@@ -5798,7 +5820,7 @@
     </p:spTree>
     <p:extLst>
       <p:ext uri="{BB962C8B-B14F-4D97-AF65-F5344CB8AC3E}">
-        <p14:creationId xmlns:p14="http://schemas.microsoft.com/office/powerpoint/2010/main" val="2264779664"/>
+        <p14:creationId xmlns:p14="http://schemas.microsoft.com/office/powerpoint/2010/main" val="481837872"/>
       </p:ext>
     </p:extLst>
   </p:cSld>
@@ -6121,7 +6143,7 @@
           <p:cNvPr id="2" name="标题 1">
             <a:extLst>
               <a:ext uri="{FF2B5EF4-FFF2-40B4-BE49-F238E27FC236}">
-                <a16:creationId xmlns:a16="http://schemas.microsoft.com/office/drawing/2014/main" id="{2163EEBE-1494-400F-B245-1F27C2799C75}"/>
+                <a16:creationId xmlns:a16="http://schemas.microsoft.com/office/drawing/2014/main" id="{FE4DA63F-87C1-4240-9537-31AD86C5E045}"/>
               </a:ext>
             </a:extLst>
           </p:cNvPr>
@@ -6165,7 +6187,7 @@
           <p:cNvPr id="3" name="副标题 2">
             <a:extLst>
               <a:ext uri="{FF2B5EF4-FFF2-40B4-BE49-F238E27FC236}">
-                <a16:creationId xmlns:a16="http://schemas.microsoft.com/office/drawing/2014/main" id="{1616479C-C809-4DE4-8DF0-F3447470DEAD}"/>
+                <a16:creationId xmlns:a16="http://schemas.microsoft.com/office/drawing/2014/main" id="{CB9CCAD4-4182-4D80-8A9F-DFADDDCE101E}"/>
               </a:ext>
             </a:extLst>
           </p:cNvPr>
@@ -6185,12 +6207,20 @@
           <a:p>
             <a:r>
               <a:rPr lang="zh-CN" altLang="en-US" sz="3200" dirty="0">
+                <a:ln w="0"/>
                 <a:solidFill>
                   <a:schemeClr val="tx1">
                     <a:lumMod val="50000"/>
                     <a:lumOff val="50000"/>
                   </a:schemeClr>
                 </a:solidFill>
+                <a:effectLst>
+                  <a:outerShdw blurRad="38100" dist="19050" dir="2700000" algn="tl" rotWithShape="0">
+                    <a:schemeClr val="dk1">
+                      <a:alpha val="40000"/>
+                    </a:schemeClr>
+                  </a:outerShdw>
+                </a:effectLst>
                 <a:latin typeface="微软雅黑" panose="020B0503020204020204" pitchFamily="34" charset="-122"/>
                 <a:ea typeface="微软雅黑" panose="020B0503020204020204" pitchFamily="34" charset="-122"/>
               </a:rPr>
@@ -6205,7 +6235,7 @@
             <a:hlinkClick r:id="" action="ppaction://media"/>
             <a:extLst>
               <a:ext uri="{FF2B5EF4-FFF2-40B4-BE49-F238E27FC236}">
-                <a16:creationId xmlns:a16="http://schemas.microsoft.com/office/drawing/2014/main" id="{46874E3E-6738-441D-9B9D-650E9F75F52F}"/>
+                <a16:creationId xmlns:a16="http://schemas.microsoft.com/office/drawing/2014/main" id="{4FF48236-4FEB-4C4E-8A0A-14E358B0227F}"/>
               </a:ext>
             </a:extLst>
           </p:cNvPr>
@@ -6229,8 +6259,8 @@
         </p:blipFill>
         <p:spPr>
           <a:xfrm>
-            <a:off x="655637" y="191047"/>
-            <a:ext cx="487363" cy="487363"/>
+            <a:off x="0" y="0"/>
+            <a:ext cx="609600" cy="609600"/>
           </a:xfrm>
           <a:prstGeom prst="rect">
             <a:avLst/>
@@ -6240,7 +6270,7 @@
     </p:spTree>
     <p:extLst>
       <p:ext uri="{BB962C8B-B14F-4D97-AF65-F5344CB8AC3E}">
-        <p14:creationId xmlns:p14="http://schemas.microsoft.com/office/powerpoint/2010/main" val="651930166"/>
+        <p14:creationId xmlns:p14="http://schemas.microsoft.com/office/powerpoint/2010/main" val="3342051093"/>
       </p:ext>
     </p:extLst>
   </p:cSld>
@@ -6259,9 +6289,6 @@
                     <p:cTn id="3" fill="hold">
                       <p:stCondLst>
                         <p:cond delay="indefinite"/>
-                        <p:cond evt="onBegin" delay="0">
-                          <p:tn val="2"/>
-                        </p:cond>
                       </p:stCondLst>
                       <p:childTnLst>
                         <p:par>
@@ -6271,7 +6298,7 @@
                             </p:stCondLst>
                             <p:childTnLst>
                               <p:par>
-                                <p:cTn id="5" presetID="1" presetClass="mediacall" presetSubtype="0" fill="hold" nodeType="afterEffect">
+                                <p:cTn id="5" presetID="1" presetClass="mediacall" presetSubtype="0" fill="hold" nodeType="clickEffect">
                                   <p:stCondLst>
                                     <p:cond delay="0"/>
                                   </p:stCondLst>
@@ -6359,7 +6386,7 @@
           <p:cNvPr id="2" name="标题 1">
             <a:extLst>
               <a:ext uri="{FF2B5EF4-FFF2-40B4-BE49-F238E27FC236}">
-                <a16:creationId xmlns:a16="http://schemas.microsoft.com/office/drawing/2014/main" id="{5411B314-BB21-4E7E-89AC-EB58A0DC7A8A}"/>
+                <a16:creationId xmlns:a16="http://schemas.microsoft.com/office/drawing/2014/main" id="{D7164562-FCC5-4C3E-AF68-332F6BC2C15C}"/>
               </a:ext>
             </a:extLst>
           </p:cNvPr>
@@ -6373,255 +6400,55 @@
         <p:spPr/>
         <p:txBody>
           <a:bodyPr>
-            <a:normAutofit/>
+            <a:normAutofit fontScale="90000"/>
           </a:bodyPr>
           <a:lstStyle/>
           <a:p>
             <a:pPr algn="ctr"/>
             <a:r>
-              <a:rPr lang="zh-CN" altLang="zh-CN" sz="3600" kern="100" dirty="0">
+              <a:rPr lang="zh-CN" altLang="en-US" sz="4000" dirty="0">
                 <a:solidFill>
                   <a:schemeClr val="tx1">
                     <a:lumMod val="65000"/>
                     <a:lumOff val="35000"/>
                   </a:schemeClr>
                 </a:solidFill>
-                <a:effectLst/>
                 <a:latin typeface="微软雅黑" panose="020B0503020204020204" pitchFamily="34" charset="-122"/>
                 <a:ea typeface="微软雅黑" panose="020B0503020204020204" pitchFamily="34" charset="-122"/>
-                <a:cs typeface="宋体" panose="02010600030101010101" pitchFamily="2" charset="-122"/>
               </a:rPr>
-              <a:t>描写</a:t>
-            </a:r>
-            <a:r>
-              <a:rPr lang="zh-CN" altLang="en-US" sz="3600" kern="100" dirty="0">
+              <a:t>描写冬天景物的诗词</a:t>
+            </a:r>
+            <a:br>
+              <a:rPr lang="zh-CN" altLang="en-US" sz="3600" dirty="0">
                 <a:solidFill>
                   <a:schemeClr val="tx1">
                     <a:lumMod val="65000"/>
                     <a:lumOff val="35000"/>
                   </a:schemeClr>
                 </a:solidFill>
-                <a:effectLst/>
-                <a:latin typeface="微软雅黑" panose="020B0503020204020204" pitchFamily="34" charset="-122"/>
-                <a:ea typeface="微软雅黑" panose="020B0503020204020204" pitchFamily="34" charset="-122"/>
-                <a:cs typeface="宋体" panose="02010600030101010101" pitchFamily="2" charset="-122"/>
-              </a:rPr>
-              <a:t>冬</a:t>
-            </a:r>
-            <a:r>
-              <a:rPr lang="zh-CN" altLang="zh-CN" sz="3600" kern="100" dirty="0">
-                <a:solidFill>
-                  <a:schemeClr val="tx1">
-                    <a:lumMod val="65000"/>
-                    <a:lumOff val="35000"/>
-                  </a:schemeClr>
-                </a:solidFill>
-                <a:effectLst/>
-                <a:latin typeface="微软雅黑" panose="020B0503020204020204" pitchFamily="34" charset="-122"/>
-                <a:ea typeface="微软雅黑" panose="020B0503020204020204" pitchFamily="34" charset="-122"/>
-                <a:cs typeface="宋体" panose="02010600030101010101" pitchFamily="2" charset="-122"/>
-              </a:rPr>
-              <a:t>天景物的诗词</a:t>
-            </a:r>
-            <a:endParaRPr lang="zh-CN" altLang="en-US" sz="3600" dirty="0">
-              <a:solidFill>
-                <a:schemeClr val="tx1">
-                  <a:lumMod val="65000"/>
-                  <a:lumOff val="35000"/>
-                </a:schemeClr>
-              </a:solidFill>
-              <a:latin typeface="微软雅黑" panose="020B0503020204020204" pitchFamily="34" charset="-122"/>
-              <a:ea typeface="微软雅黑" panose="020B0503020204020204" pitchFamily="34" charset="-122"/>
-            </a:endParaRPr>
-          </a:p>
-        </p:txBody>
-      </p:sp>
-      <p:sp>
-        <p:nvSpPr>
-          <p:cNvPr id="3" name="内容占位符 2">
-            <a:extLst>
-              <a:ext uri="{FF2B5EF4-FFF2-40B4-BE49-F238E27FC236}">
-                <a16:creationId xmlns:a16="http://schemas.microsoft.com/office/drawing/2014/main" id="{A747A335-A2B9-4C87-B3C1-CB3A4F8B7707}"/>
-              </a:ext>
-            </a:extLst>
-          </p:cNvPr>
-          <p:cNvSpPr>
-            <a:spLocks noGrp="1"/>
-          </p:cNvSpPr>
-          <p:nvPr>
-            <p:ph idx="1"/>
-          </p:nvPr>
-        </p:nvSpPr>
-        <p:spPr>
-          <a:xfrm>
-            <a:off x="628650" y="1482627"/>
-            <a:ext cx="7886700" cy="3263504"/>
-          </a:xfrm>
-        </p:spPr>
-        <p:txBody>
-          <a:bodyPr>
-            <a:normAutofit/>
-          </a:bodyPr>
-          <a:lstStyle/>
-          <a:p>
-            <a:pPr marL="0" indent="0" algn="ctr">
-              <a:lnSpc>
-                <a:spcPct val="150000"/>
-              </a:lnSpc>
-              <a:buNone/>
-            </a:pPr>
-            <a:r>
-              <a:rPr lang="en-US" altLang="zh-CN" sz="2000" dirty="0">
-                <a:solidFill>
-                  <a:schemeClr val="tx1">
-                    <a:lumMod val="65000"/>
-                    <a:lumOff val="35000"/>
-                  </a:schemeClr>
-                </a:solidFill>
                 <a:latin typeface="微软雅黑" panose="020B0503020204020204" pitchFamily="34" charset="-122"/>
                 <a:ea typeface="微软雅黑" panose="020B0503020204020204" pitchFamily="34" charset="-122"/>
               </a:rPr>
-              <a:t>【</a:t>
-            </a:r>
-            <a:r>
-              <a:rPr lang="zh-CN" altLang="en-US" sz="2000" dirty="0">
-                <a:solidFill>
-                  <a:schemeClr val="tx1">
-                    <a:lumMod val="65000"/>
-                    <a:lumOff val="35000"/>
-                  </a:schemeClr>
-                </a:solidFill>
-                <a:latin typeface="微软雅黑" panose="020B0503020204020204" pitchFamily="34" charset="-122"/>
-                <a:ea typeface="微软雅黑" panose="020B0503020204020204" pitchFamily="34" charset="-122"/>
-              </a:rPr>
-              <a:t>梅花</a:t>
-            </a:r>
-            <a:r>
-              <a:rPr lang="en-US" altLang="zh-CN" sz="2000" dirty="0">
-                <a:solidFill>
-                  <a:schemeClr val="tx1">
-                    <a:lumMod val="65000"/>
-                    <a:lumOff val="35000"/>
-                  </a:schemeClr>
-                </a:solidFill>
-                <a:latin typeface="微软雅黑" panose="020B0503020204020204" pitchFamily="34" charset="-122"/>
-                <a:ea typeface="微软雅黑" panose="020B0503020204020204" pitchFamily="34" charset="-122"/>
-              </a:rPr>
-              <a:t>】</a:t>
-            </a:r>
-            <a:r>
-              <a:rPr lang="zh-CN" altLang="en-US" sz="1400" dirty="0">
-                <a:solidFill>
-                  <a:schemeClr val="tx1">
-                    <a:lumMod val="65000"/>
-                    <a:lumOff val="35000"/>
-                  </a:schemeClr>
-                </a:solidFill>
-                <a:latin typeface="微软雅黑" panose="020B0503020204020204" pitchFamily="34" charset="-122"/>
-                <a:ea typeface="微软雅黑" panose="020B0503020204020204" pitchFamily="34" charset="-122"/>
-              </a:rPr>
-              <a:t>（宋）王安石</a:t>
-            </a:r>
-          </a:p>
-          <a:p>
-            <a:pPr marL="0" indent="0" algn="ctr">
-              <a:lnSpc>
-                <a:spcPct val="150000"/>
-              </a:lnSpc>
-              <a:buNone/>
-            </a:pPr>
-            <a:r>
-              <a:rPr lang="zh-CN" altLang="en-US" sz="2000" dirty="0">
-                <a:solidFill>
-                  <a:schemeClr val="tx1">
-                    <a:lumMod val="65000"/>
-                    <a:lumOff val="35000"/>
-                  </a:schemeClr>
-                </a:solidFill>
-                <a:latin typeface="微软雅黑" panose="020B0503020204020204" pitchFamily="34" charset="-122"/>
-                <a:ea typeface="微软雅黑" panose="020B0503020204020204" pitchFamily="34" charset="-122"/>
-              </a:rPr>
-              <a:t>墙角数枝梅，</a:t>
-            </a:r>
-          </a:p>
-          <a:p>
-            <a:pPr marL="0" indent="0" algn="ctr">
-              <a:lnSpc>
-                <a:spcPct val="150000"/>
-              </a:lnSpc>
-              <a:buNone/>
-            </a:pPr>
-            <a:r>
-              <a:rPr lang="zh-CN" altLang="en-US" sz="2000" dirty="0">
-                <a:solidFill>
-                  <a:schemeClr val="tx1">
-                    <a:lumMod val="65000"/>
-                    <a:lumOff val="35000"/>
-                  </a:schemeClr>
-                </a:solidFill>
-                <a:latin typeface="微软雅黑" panose="020B0503020204020204" pitchFamily="34" charset="-122"/>
-                <a:ea typeface="微软雅黑" panose="020B0503020204020204" pitchFamily="34" charset="-122"/>
-              </a:rPr>
-              <a:t>凌寒独自开。</a:t>
-            </a:r>
-          </a:p>
-          <a:p>
-            <a:pPr marL="0" indent="0" algn="ctr">
-              <a:lnSpc>
-                <a:spcPct val="150000"/>
-              </a:lnSpc>
-              <a:buNone/>
-            </a:pPr>
-            <a:r>
-              <a:rPr lang="zh-CN" altLang="en-US" sz="2000" dirty="0">
-                <a:solidFill>
-                  <a:schemeClr val="tx1">
-                    <a:lumMod val="65000"/>
-                    <a:lumOff val="35000"/>
-                  </a:schemeClr>
-                </a:solidFill>
-                <a:latin typeface="微软雅黑" panose="020B0503020204020204" pitchFamily="34" charset="-122"/>
-                <a:ea typeface="微软雅黑" panose="020B0503020204020204" pitchFamily="34" charset="-122"/>
-              </a:rPr>
-              <a:t>遥知不是雪，</a:t>
-            </a:r>
-          </a:p>
-          <a:p>
-            <a:pPr marL="0" indent="0" algn="ctr">
-              <a:lnSpc>
-                <a:spcPct val="150000"/>
-              </a:lnSpc>
-              <a:buNone/>
-            </a:pPr>
-            <a:r>
-              <a:rPr lang="zh-CN" altLang="en-US" sz="2000" dirty="0">
-                <a:solidFill>
-                  <a:schemeClr val="tx1">
-                    <a:lumMod val="65000"/>
-                    <a:lumOff val="35000"/>
-                  </a:schemeClr>
-                </a:solidFill>
-                <a:latin typeface="微软雅黑" panose="020B0503020204020204" pitchFamily="34" charset="-122"/>
-                <a:ea typeface="微软雅黑" panose="020B0503020204020204" pitchFamily="34" charset="-122"/>
-              </a:rPr>
-              <a:t>为有暗香来。</a:t>
-            </a:r>
+            </a:br>
+            <a:endParaRPr lang="zh-CN" altLang="en-US" dirty="0"/>
           </a:p>
         </p:txBody>
       </p:sp>
       <p:pic>
         <p:nvPicPr>
-          <p:cNvPr id="5" name="图片 4">
+          <p:cNvPr id="5" name="内容占位符 4">
             <a:extLst>
               <a:ext uri="{FF2B5EF4-FFF2-40B4-BE49-F238E27FC236}">
-                <a16:creationId xmlns:a16="http://schemas.microsoft.com/office/drawing/2014/main" id="{4297C969-EB59-4FEA-B52E-A6579CCD8B14}"/>
+                <a16:creationId xmlns:a16="http://schemas.microsoft.com/office/drawing/2014/main" id="{16E84362-7970-4131-B130-299A0BCA3880}"/>
               </a:ext>
             </a:extLst>
           </p:cNvPr>
           <p:cNvPicPr>
-            <a:picLocks noChangeAspect="1"/>
+            <a:picLocks noGrp="1" noChangeAspect="1"/>
           </p:cNvPicPr>
-          <p:nvPr/>
+          <p:nvPr>
+            <p:ph idx="1"/>
+          </p:nvPr>
         </p:nvPicPr>
         <p:blipFill>
           <a:blip r:embed="rId2">
@@ -6637,18 +6464,183 @@
         </p:blipFill>
         <p:spPr>
           <a:xfrm>
-            <a:off x="1939825" y="1140589"/>
-            <a:ext cx="5760000" cy="150183"/>
+            <a:off x="2313934" y="880533"/>
+            <a:ext cx="4412409" cy="115047"/>
+          </a:xfrm>
+        </p:spPr>
+      </p:pic>
+      <p:sp>
+        <p:nvSpPr>
+          <p:cNvPr id="6" name="矩形 5">
+            <a:extLst>
+              <a:ext uri="{FF2B5EF4-FFF2-40B4-BE49-F238E27FC236}">
+                <a16:creationId xmlns:a16="http://schemas.microsoft.com/office/drawing/2014/main" id="{D068EF59-9457-4F7C-BD7C-18D9F4398721}"/>
+              </a:ext>
+            </a:extLst>
+          </p:cNvPr>
+          <p:cNvSpPr/>
+          <p:nvPr/>
+        </p:nvSpPr>
+        <p:spPr>
+          <a:xfrm>
+            <a:off x="3184733" y="1459838"/>
+            <a:ext cx="2774533" cy="2352182"/>
           </a:xfrm>
           <a:prstGeom prst="rect">
             <a:avLst/>
           </a:prstGeom>
         </p:spPr>
-      </p:pic>
+        <p:txBody>
+          <a:bodyPr wrap="square">
+            <a:spAutoFit/>
+          </a:bodyPr>
+          <a:lstStyle/>
+          <a:p>
+            <a:pPr algn="ctr">
+              <a:lnSpc>
+                <a:spcPct val="150000"/>
+              </a:lnSpc>
+            </a:pPr>
+            <a:r>
+              <a:rPr lang="en-US" altLang="zh-CN" sz="2000" dirty="0">
+                <a:solidFill>
+                  <a:schemeClr val="tx1">
+                    <a:lumMod val="65000"/>
+                    <a:lumOff val="35000"/>
+                  </a:schemeClr>
+                </a:solidFill>
+                <a:latin typeface="微软雅黑" panose="020B0503020204020204" pitchFamily="34" charset="-122"/>
+                <a:ea typeface="微软雅黑" panose="020B0503020204020204" pitchFamily="34" charset="-122"/>
+              </a:rPr>
+              <a:t>【</a:t>
+            </a:r>
+            <a:r>
+              <a:rPr lang="zh-CN" altLang="en-US" sz="2000" dirty="0">
+                <a:solidFill>
+                  <a:schemeClr val="tx1">
+                    <a:lumMod val="65000"/>
+                    <a:lumOff val="35000"/>
+                  </a:schemeClr>
+                </a:solidFill>
+                <a:latin typeface="微软雅黑" panose="020B0503020204020204" pitchFamily="34" charset="-122"/>
+                <a:ea typeface="微软雅黑" panose="020B0503020204020204" pitchFamily="34" charset="-122"/>
+              </a:rPr>
+              <a:t>梅花</a:t>
+            </a:r>
+            <a:r>
+              <a:rPr lang="en-US" altLang="zh-CN" sz="2000" dirty="0">
+                <a:solidFill>
+                  <a:schemeClr val="tx1">
+                    <a:lumMod val="65000"/>
+                    <a:lumOff val="35000"/>
+                  </a:schemeClr>
+                </a:solidFill>
+                <a:latin typeface="微软雅黑" panose="020B0503020204020204" pitchFamily="34" charset="-122"/>
+                <a:ea typeface="微软雅黑" panose="020B0503020204020204" pitchFamily="34" charset="-122"/>
+              </a:rPr>
+              <a:t>】</a:t>
+            </a:r>
+            <a:r>
+              <a:rPr lang="zh-CN" altLang="en-US" sz="1400" dirty="0">
+                <a:solidFill>
+                  <a:schemeClr val="tx1">
+                    <a:lumMod val="65000"/>
+                    <a:lumOff val="35000"/>
+                  </a:schemeClr>
+                </a:solidFill>
+                <a:latin typeface="微软雅黑" panose="020B0503020204020204" pitchFamily="34" charset="-122"/>
+                <a:ea typeface="微软雅黑" panose="020B0503020204020204" pitchFamily="34" charset="-122"/>
+              </a:rPr>
+              <a:t>（宋）王安石</a:t>
+            </a:r>
+          </a:p>
+          <a:p>
+            <a:pPr algn="ctr">
+              <a:lnSpc>
+                <a:spcPct val="150000"/>
+              </a:lnSpc>
+            </a:pPr>
+            <a:r>
+              <a:rPr lang="zh-CN" altLang="en-US" sz="2000" dirty="0">
+                <a:solidFill>
+                  <a:schemeClr val="tx1">
+                    <a:lumMod val="65000"/>
+                    <a:lumOff val="35000"/>
+                  </a:schemeClr>
+                </a:solidFill>
+                <a:latin typeface="微软雅黑" panose="020B0503020204020204" pitchFamily="34" charset="-122"/>
+                <a:ea typeface="微软雅黑" panose="020B0503020204020204" pitchFamily="34" charset="-122"/>
+              </a:rPr>
+              <a:t>墙角数枝梅，</a:t>
+            </a:r>
+          </a:p>
+          <a:p>
+            <a:pPr algn="ctr">
+              <a:lnSpc>
+                <a:spcPct val="150000"/>
+              </a:lnSpc>
+            </a:pPr>
+            <a:r>
+              <a:rPr lang="zh-CN" altLang="en-US" sz="2000" dirty="0">
+                <a:solidFill>
+                  <a:schemeClr val="tx1">
+                    <a:lumMod val="65000"/>
+                    <a:lumOff val="35000"/>
+                  </a:schemeClr>
+                </a:solidFill>
+                <a:latin typeface="微软雅黑" panose="020B0503020204020204" pitchFamily="34" charset="-122"/>
+                <a:ea typeface="微软雅黑" panose="020B0503020204020204" pitchFamily="34" charset="-122"/>
+              </a:rPr>
+              <a:t>凌寒独自开。</a:t>
+            </a:r>
+          </a:p>
+          <a:p>
+            <a:pPr algn="ctr">
+              <a:lnSpc>
+                <a:spcPct val="150000"/>
+              </a:lnSpc>
+            </a:pPr>
+            <a:r>
+              <a:rPr lang="zh-CN" altLang="en-US" sz="2000" dirty="0">
+                <a:solidFill>
+                  <a:schemeClr val="tx1">
+                    <a:lumMod val="65000"/>
+                    <a:lumOff val="35000"/>
+                  </a:schemeClr>
+                </a:solidFill>
+                <a:latin typeface="微软雅黑" panose="020B0503020204020204" pitchFamily="34" charset="-122"/>
+                <a:ea typeface="微软雅黑" panose="020B0503020204020204" pitchFamily="34" charset="-122"/>
+              </a:rPr>
+              <a:t>遥知不是雪，</a:t>
+            </a:r>
+          </a:p>
+          <a:p>
+            <a:pPr algn="ctr">
+              <a:lnSpc>
+                <a:spcPct val="150000"/>
+              </a:lnSpc>
+            </a:pPr>
+            <a:r>
+              <a:rPr lang="zh-CN" altLang="en-US" sz="2000" dirty="0">
+                <a:solidFill>
+                  <a:schemeClr val="tx1">
+                    <a:lumMod val="65000"/>
+                    <a:lumOff val="35000"/>
+                  </a:schemeClr>
+                </a:solidFill>
+                <a:latin typeface="微软雅黑" panose="020B0503020204020204" pitchFamily="34" charset="-122"/>
+                <a:ea typeface="微软雅黑" panose="020B0503020204020204" pitchFamily="34" charset="-122"/>
+              </a:rPr>
+              <a:t>为有暗香来。</a:t>
+            </a:r>
+            <a:endParaRPr lang="zh-CN" altLang="en-US" sz="2000" dirty="0"/>
+          </a:p>
+        </p:txBody>
+      </p:sp>
     </p:spTree>
     <p:extLst>
       <p:ext uri="{BB962C8B-B14F-4D97-AF65-F5344CB8AC3E}">
-        <p14:creationId xmlns:p14="http://schemas.microsoft.com/office/powerpoint/2010/main" val="640303987"/>
+        <p14:creationId xmlns:p14="http://schemas.microsoft.com/office/powerpoint/2010/main" val="2435856682"/>
       </p:ext>
     </p:extLst>
   </p:cSld>
@@ -6680,7 +6672,7 @@
           <p:cNvPr id="2" name="标题 1">
             <a:extLst>
               <a:ext uri="{FF2B5EF4-FFF2-40B4-BE49-F238E27FC236}">
-                <a16:creationId xmlns:a16="http://schemas.microsoft.com/office/drawing/2014/main" id="{6628ABCC-CB1F-4CA7-A53A-C2C66DCF736F}"/>
+                <a16:creationId xmlns:a16="http://schemas.microsoft.com/office/drawing/2014/main" id="{665AA88C-0E9B-4E3F-A660-67AEDEB23C49}"/>
               </a:ext>
             </a:extLst>
           </p:cNvPr>
@@ -6692,10 +6684,9 @@
           </p:nvPr>
         </p:nvSpPr>
         <p:spPr>
-          <a:xfrm>
-            <a:off x="1143000" y="1090543"/>
-            <a:ext cx="6858000" cy="1790700"/>
-          </a:xfrm>
+          <a:effectLst>
+            <a:reflection blurRad="6350" stA="50000" endA="275" endPos="35000" dir="5400000" sy="-100000" algn="bl" rotWithShape="0"/>
+          </a:effectLst>
         </p:spPr>
         <p:txBody>
           <a:bodyPr>
@@ -6709,9 +6700,6 @@
                 <a:solidFill>
                   <a:srgbClr val="FFC000"/>
                 </a:solidFill>
-                <a:effectLst>
-                  <a:reflection blurRad="6350" stA="50000" endA="300" endPos="50000" dist="60007" dir="5400000" sy="-100000" algn="bl" rotWithShape="0"/>
-                </a:effectLst>
                 <a:latin typeface="华文琥珀" panose="02010800040101010101" pitchFamily="2" charset="-122"/>
                 <a:ea typeface="华文琥珀" panose="02010800040101010101" pitchFamily="2" charset="-122"/>
               </a:rPr>
@@ -6723,7 +6711,7 @@
     </p:spTree>
     <p:extLst>
       <p:ext uri="{BB962C8B-B14F-4D97-AF65-F5344CB8AC3E}">
-        <p14:creationId xmlns:p14="http://schemas.microsoft.com/office/powerpoint/2010/main" val="203431828"/>
+        <p14:creationId xmlns:p14="http://schemas.microsoft.com/office/powerpoint/2010/main" val="35939455"/>
       </p:ext>
     </p:extLst>
   </p:cSld>
@@ -6752,10 +6740,10 @@
       </p:grpSpPr>
       <p:pic>
         <p:nvPicPr>
-          <p:cNvPr id="3" name="图片 2">
+          <p:cNvPr id="5" name="图片 4">
             <a:extLst>
               <a:ext uri="{FF2B5EF4-FFF2-40B4-BE49-F238E27FC236}">
-                <a16:creationId xmlns:a16="http://schemas.microsoft.com/office/drawing/2014/main" id="{88333553-13D6-4F67-B96F-E90CD66C1F0C}"/>
+                <a16:creationId xmlns:a16="http://schemas.microsoft.com/office/drawing/2014/main" id="{4CDAD0B9-2EC2-4FD7-B72F-15A10166B9D3}"/>
               </a:ext>
             </a:extLst>
           </p:cNvPr>
@@ -6778,7 +6766,7 @@
         </p:blipFill>
         <p:spPr>
           <a:xfrm>
-            <a:off x="591322" y="420714"/>
+            <a:off x="439747" y="323038"/>
             <a:ext cx="3827971" cy="822892"/>
           </a:xfrm>
           <a:prstGeom prst="rect">
@@ -6788,10 +6776,10 @@
       </p:pic>
       <p:sp>
         <p:nvSpPr>
-          <p:cNvPr id="4" name="文本框 3">
+          <p:cNvPr id="6" name="文本框 5">
             <a:extLst>
               <a:ext uri="{FF2B5EF4-FFF2-40B4-BE49-F238E27FC236}">
-                <a16:creationId xmlns:a16="http://schemas.microsoft.com/office/drawing/2014/main" id="{260BB6A1-BD63-4E0D-8D0A-6299ED7DB299}"/>
+                <a16:creationId xmlns:a16="http://schemas.microsoft.com/office/drawing/2014/main" id="{AD2BE73F-F444-4029-97AD-8DA05745B984}"/>
               </a:ext>
             </a:extLst>
           </p:cNvPr>
@@ -6800,8 +6788,8 @@
         </p:nvSpPr>
         <p:spPr>
           <a:xfrm>
-            <a:off x="810321" y="635116"/>
-            <a:ext cx="1204332" cy="369332"/>
+            <a:off x="668867" y="549818"/>
+            <a:ext cx="646331" cy="369332"/>
           </a:xfrm>
           <a:prstGeom prst="rect">
             <a:avLst/>
@@ -6809,7 +6797,7 @@
           <a:noFill/>
         </p:spPr>
         <p:txBody>
-          <a:bodyPr wrap="square" rtlCol="0">
+          <a:bodyPr wrap="none" rtlCol="0">
             <a:spAutoFit/>
           </a:bodyPr>
           <a:lstStyle/>
@@ -6829,10 +6817,10 @@
       </p:sp>
       <p:graphicFrame>
         <p:nvGraphicFramePr>
-          <p:cNvPr id="5" name="图示 4">
+          <p:cNvPr id="7" name="图示 6">
             <a:extLst>
               <a:ext uri="{FF2B5EF4-FFF2-40B4-BE49-F238E27FC236}">
-                <a16:creationId xmlns:a16="http://schemas.microsoft.com/office/drawing/2014/main" id="{ED7278E4-9317-48C7-8714-E02945012E2F}"/>
+                <a16:creationId xmlns:a16="http://schemas.microsoft.com/office/drawing/2014/main" id="{A60561DC-99A5-44D1-8592-FFCD3A20D1CF}"/>
               </a:ext>
             </a:extLst>
           </p:cNvPr>
@@ -6840,13 +6828,13 @@
           <p:nvPr>
             <p:extLst>
               <p:ext uri="{D42A27DB-BD31-4B8C-83A1-F6EECF244321}">
-                <p14:modId xmlns:p14="http://schemas.microsoft.com/office/powerpoint/2010/main" val="2590730436"/>
+                <p14:modId xmlns:p14="http://schemas.microsoft.com/office/powerpoint/2010/main" val="1644181382"/>
               </p:ext>
             </p:extLst>
           </p:nvPr>
         </p:nvGraphicFramePr>
         <p:xfrm>
-          <a:off x="2424930" y="1502536"/>
+          <a:off x="2353732" y="1739900"/>
           <a:ext cx="4680000" cy="2520000"/>
         </p:xfrm>
         <a:graphic>
@@ -6857,10 +6845,10 @@
       </p:graphicFrame>
       <p:pic>
         <p:nvPicPr>
-          <p:cNvPr id="7" name="图片 6">
+          <p:cNvPr id="9" name="图片 8">
             <a:extLst>
               <a:ext uri="{FF2B5EF4-FFF2-40B4-BE49-F238E27FC236}">
-                <a16:creationId xmlns:a16="http://schemas.microsoft.com/office/drawing/2014/main" id="{CB4126AA-CF88-4964-8BDB-C2934F390A18}"/>
+                <a16:creationId xmlns:a16="http://schemas.microsoft.com/office/drawing/2014/main" id="{64B66F14-9E64-4626-A56A-6202B32A28A8}"/>
               </a:ext>
             </a:extLst>
           </p:cNvPr>
@@ -6883,7 +6871,7 @@
         </p:blipFill>
         <p:spPr>
           <a:xfrm>
-            <a:off x="3218985" y="2036718"/>
+            <a:off x="2584868" y="2259649"/>
             <a:ext cx="3974263" cy="103623"/>
           </a:xfrm>
           <a:prstGeom prst="rect">
@@ -6893,10 +6881,10 @@
       </p:pic>
       <p:pic>
         <p:nvPicPr>
-          <p:cNvPr id="8" name="图片 7">
+          <p:cNvPr id="10" name="图片 9">
             <a:extLst>
               <a:ext uri="{FF2B5EF4-FFF2-40B4-BE49-F238E27FC236}">
-                <a16:creationId xmlns:a16="http://schemas.microsoft.com/office/drawing/2014/main" id="{9EED5C36-A75D-4D45-B491-B6A0A277C36D}"/>
+                <a16:creationId xmlns:a16="http://schemas.microsoft.com/office/drawing/2014/main" id="{CC126C9C-AA43-4231-951B-4F25E41FB80B}"/>
               </a:ext>
             </a:extLst>
           </p:cNvPr>
@@ -6919,7 +6907,7 @@
         </p:blipFill>
         <p:spPr>
           <a:xfrm>
-            <a:off x="3218985" y="2658913"/>
+            <a:off x="2584868" y="4180509"/>
             <a:ext cx="3974263" cy="103623"/>
           </a:xfrm>
           <a:prstGeom prst="rect">
@@ -6929,10 +6917,10 @@
       </p:pic>
       <p:pic>
         <p:nvPicPr>
-          <p:cNvPr id="9" name="图片 8">
+          <p:cNvPr id="11" name="图片 10">
             <a:extLst>
               <a:ext uri="{FF2B5EF4-FFF2-40B4-BE49-F238E27FC236}">
-                <a16:creationId xmlns:a16="http://schemas.microsoft.com/office/drawing/2014/main" id="{068C3F5E-03C6-4AE1-BAE4-2C30EA1785F0}"/>
+                <a16:creationId xmlns:a16="http://schemas.microsoft.com/office/drawing/2014/main" id="{1408167A-CCE9-47BF-8C16-33365A2E4F2B}"/>
               </a:ext>
             </a:extLst>
           </p:cNvPr>
@@ -6955,7 +6943,7 @@
         </p:blipFill>
         <p:spPr>
           <a:xfrm>
-            <a:off x="3218985" y="3310988"/>
+            <a:off x="2584868" y="2908393"/>
             <a:ext cx="3974263" cy="103623"/>
           </a:xfrm>
           <a:prstGeom prst="rect">
@@ -6965,10 +6953,10 @@
       </p:pic>
       <p:pic>
         <p:nvPicPr>
-          <p:cNvPr id="10" name="图片 9">
+          <p:cNvPr id="12" name="图片 11">
             <a:extLst>
               <a:ext uri="{FF2B5EF4-FFF2-40B4-BE49-F238E27FC236}">
-                <a16:creationId xmlns:a16="http://schemas.microsoft.com/office/drawing/2014/main" id="{9CFF05D7-6749-41F2-955F-5A662BF8CC67}"/>
+                <a16:creationId xmlns:a16="http://schemas.microsoft.com/office/drawing/2014/main" id="{2AB10CC4-7E63-4AE2-BB59-A0411347A0D4}"/>
               </a:ext>
             </a:extLst>
           </p:cNvPr>
@@ -6991,7 +6979,7 @@
         </p:blipFill>
         <p:spPr>
           <a:xfrm>
-            <a:off x="3218985" y="3955629"/>
+            <a:off x="2584868" y="3544451"/>
             <a:ext cx="3974263" cy="103623"/>
           </a:xfrm>
           <a:prstGeom prst="rect">
@@ -7002,7 +6990,7 @@
     </p:spTree>
     <p:extLst>
       <p:ext uri="{BB962C8B-B14F-4D97-AF65-F5344CB8AC3E}">
-        <p14:creationId xmlns:p14="http://schemas.microsoft.com/office/powerpoint/2010/main" val="1493492925"/>
+        <p14:creationId xmlns:p14="http://schemas.microsoft.com/office/powerpoint/2010/main" val="1777251269"/>
       </p:ext>
     </p:extLst>
   </p:cSld>
@@ -7034,7 +7022,7 @@
           <p:cNvPr id="2" name="标题 1">
             <a:extLst>
               <a:ext uri="{FF2B5EF4-FFF2-40B4-BE49-F238E27FC236}">
-                <a16:creationId xmlns:a16="http://schemas.microsoft.com/office/drawing/2014/main" id="{5411B314-BB21-4E7E-89AC-EB58A0DC7A8A}"/>
+                <a16:creationId xmlns:a16="http://schemas.microsoft.com/office/drawing/2014/main" id="{D7164562-FCC5-4C3E-AF68-332F6BC2C15C}"/>
               </a:ext>
             </a:extLst>
           </p:cNvPr>
@@ -7048,75 +7036,26 @@
         <p:spPr/>
         <p:txBody>
           <a:bodyPr>
-            <a:normAutofit/>
+            <a:normAutofit fontScale="90000"/>
           </a:bodyPr>
           <a:lstStyle/>
           <a:p>
             <a:pPr algn="ctr"/>
             <a:r>
-              <a:rPr lang="zh-CN" altLang="zh-CN" sz="3600" kern="100" dirty="0">
+              <a:rPr lang="zh-CN" altLang="en-US" sz="4000" dirty="0">
                 <a:solidFill>
                   <a:schemeClr val="tx1">
                     <a:lumMod val="65000"/>
                     <a:lumOff val="35000"/>
                   </a:schemeClr>
                 </a:solidFill>
-                <a:effectLst/>
                 <a:latin typeface="微软雅黑" panose="020B0503020204020204" pitchFamily="34" charset="-122"/>
                 <a:ea typeface="微软雅黑" panose="020B0503020204020204" pitchFamily="34" charset="-122"/>
-                <a:cs typeface="宋体" panose="02010600030101010101" pitchFamily="2" charset="-122"/>
               </a:rPr>
               <a:t>描写春天景物的诗词</a:t>
             </a:r>
-            <a:endParaRPr lang="zh-CN" altLang="en-US" sz="3600" dirty="0">
-              <a:solidFill>
-                <a:schemeClr val="tx1">
-                  <a:lumMod val="65000"/>
-                  <a:lumOff val="35000"/>
-                </a:schemeClr>
-              </a:solidFill>
-              <a:latin typeface="微软雅黑" panose="020B0503020204020204" pitchFamily="34" charset="-122"/>
-              <a:ea typeface="微软雅黑" panose="020B0503020204020204" pitchFamily="34" charset="-122"/>
-            </a:endParaRPr>
-          </a:p>
-        </p:txBody>
-      </p:sp>
-      <p:sp>
-        <p:nvSpPr>
-          <p:cNvPr id="3" name="内容占位符 2">
-            <a:extLst>
-              <a:ext uri="{FF2B5EF4-FFF2-40B4-BE49-F238E27FC236}">
-                <a16:creationId xmlns:a16="http://schemas.microsoft.com/office/drawing/2014/main" id="{A747A335-A2B9-4C87-B3C1-CB3A4F8B7707}"/>
-              </a:ext>
-            </a:extLst>
-          </p:cNvPr>
-          <p:cNvSpPr>
-            <a:spLocks noGrp="1"/>
-          </p:cNvSpPr>
-          <p:nvPr>
-            <p:ph idx="1"/>
-          </p:nvPr>
-        </p:nvSpPr>
-        <p:spPr>
-          <a:xfrm>
-            <a:off x="628650" y="1482627"/>
-            <a:ext cx="7886700" cy="3263504"/>
-          </a:xfrm>
-        </p:spPr>
-        <p:txBody>
-          <a:bodyPr>
-            <a:normAutofit/>
-          </a:bodyPr>
-          <a:lstStyle/>
-          <a:p>
-            <a:pPr marL="0" indent="0" algn="ctr">
-              <a:lnSpc>
-                <a:spcPct val="150000"/>
-              </a:lnSpc>
-              <a:buNone/>
-            </a:pPr>
-            <a:r>
-              <a:rPr lang="en-US" altLang="zh-CN" sz="2000" dirty="0">
+            <a:br>
+              <a:rPr lang="zh-CN" altLang="en-US" sz="3600" dirty="0">
                 <a:solidFill>
                   <a:schemeClr val="tx1">
                     <a:lumMod val="65000"/>
@@ -7126,147 +7065,26 @@
                 <a:latin typeface="微软雅黑" panose="020B0503020204020204" pitchFamily="34" charset="-122"/>
                 <a:ea typeface="微软雅黑" panose="020B0503020204020204" pitchFamily="34" charset="-122"/>
               </a:rPr>
-              <a:t>【</a:t>
-            </a:r>
-            <a:r>
-              <a:rPr lang="zh-CN" altLang="en-US" sz="2000" dirty="0">
-                <a:solidFill>
-                  <a:schemeClr val="tx1">
-                    <a:lumMod val="65000"/>
-                    <a:lumOff val="35000"/>
-                  </a:schemeClr>
-                </a:solidFill>
-                <a:latin typeface="微软雅黑" panose="020B0503020204020204" pitchFamily="34" charset="-122"/>
-                <a:ea typeface="微软雅黑" panose="020B0503020204020204" pitchFamily="34" charset="-122"/>
-              </a:rPr>
-              <a:t>咏柳</a:t>
-            </a:r>
-            <a:r>
-              <a:rPr lang="en-US" altLang="zh-CN" sz="2000" dirty="0">
-                <a:solidFill>
-                  <a:schemeClr val="tx1">
-                    <a:lumMod val="65000"/>
-                    <a:lumOff val="35000"/>
-                  </a:schemeClr>
-                </a:solidFill>
-                <a:latin typeface="微软雅黑" panose="020B0503020204020204" pitchFamily="34" charset="-122"/>
-                <a:ea typeface="微软雅黑" panose="020B0503020204020204" pitchFamily="34" charset="-122"/>
-              </a:rPr>
-              <a:t>】</a:t>
-            </a:r>
-            <a:r>
-              <a:rPr lang="zh-CN" altLang="en-US" sz="1400" dirty="0">
-                <a:solidFill>
-                  <a:schemeClr val="tx1">
-                    <a:lumMod val="65000"/>
-                    <a:lumOff val="35000"/>
-                  </a:schemeClr>
-                </a:solidFill>
-                <a:latin typeface="微软雅黑" panose="020B0503020204020204" pitchFamily="34" charset="-122"/>
-                <a:ea typeface="微软雅黑" panose="020B0503020204020204" pitchFamily="34" charset="-122"/>
-              </a:rPr>
-              <a:t>（唐）贺知章</a:t>
-            </a:r>
-          </a:p>
-          <a:p>
-            <a:pPr marL="0" indent="0" algn="ctr">
-              <a:lnSpc>
-                <a:spcPct val="150000"/>
-              </a:lnSpc>
-              <a:buNone/>
-            </a:pPr>
-            <a:r>
-              <a:rPr lang="zh-CN" altLang="en-US" sz="2000" dirty="0">
-                <a:solidFill>
-                  <a:schemeClr val="tx1">
-                    <a:lumMod val="65000"/>
-                    <a:lumOff val="35000"/>
-                  </a:schemeClr>
-                </a:solidFill>
-                <a:latin typeface="微软雅黑" panose="020B0503020204020204" pitchFamily="34" charset="-122"/>
-                <a:ea typeface="微软雅黑" panose="020B0503020204020204" pitchFamily="34" charset="-122"/>
-              </a:rPr>
-              <a:t>碧玉妆成一树高，</a:t>
-            </a:r>
-          </a:p>
-          <a:p>
-            <a:pPr marL="0" indent="0" algn="ctr">
-              <a:lnSpc>
-                <a:spcPct val="150000"/>
-              </a:lnSpc>
-              <a:buNone/>
-            </a:pPr>
-            <a:r>
-              <a:rPr lang="zh-CN" altLang="en-US" sz="2000" dirty="0">
-                <a:solidFill>
-                  <a:schemeClr val="tx1">
-                    <a:lumMod val="65000"/>
-                    <a:lumOff val="35000"/>
-                  </a:schemeClr>
-                </a:solidFill>
-                <a:latin typeface="微软雅黑" panose="020B0503020204020204" pitchFamily="34" charset="-122"/>
-                <a:ea typeface="微软雅黑" panose="020B0503020204020204" pitchFamily="34" charset="-122"/>
-              </a:rPr>
-              <a:t>万条垂下绿丝绦，</a:t>
-            </a:r>
-          </a:p>
-          <a:p>
-            <a:pPr marL="0" indent="0" algn="ctr">
-              <a:lnSpc>
-                <a:spcPct val="150000"/>
-              </a:lnSpc>
-              <a:buNone/>
-            </a:pPr>
-            <a:r>
-              <a:rPr lang="zh-CN" altLang="en-US" sz="2000" dirty="0">
-                <a:solidFill>
-                  <a:schemeClr val="tx1">
-                    <a:lumMod val="65000"/>
-                    <a:lumOff val="35000"/>
-                  </a:schemeClr>
-                </a:solidFill>
-                <a:latin typeface="微软雅黑" panose="020B0503020204020204" pitchFamily="34" charset="-122"/>
-                <a:ea typeface="微软雅黑" panose="020B0503020204020204" pitchFamily="34" charset="-122"/>
-              </a:rPr>
-              <a:t>不知细叶谁裁出，</a:t>
-            </a:r>
-          </a:p>
-          <a:p>
-            <a:pPr marL="0" indent="0" algn="ctr">
-              <a:lnSpc>
-                <a:spcPct val="150000"/>
-              </a:lnSpc>
-              <a:buNone/>
-            </a:pPr>
-            <a:r>
-              <a:rPr lang="zh-CN" altLang="en-US" sz="2000" dirty="0">
-                <a:solidFill>
-                  <a:schemeClr val="tx1">
-                    <a:lumMod val="65000"/>
-                    <a:lumOff val="35000"/>
-                  </a:schemeClr>
-                </a:solidFill>
-                <a:latin typeface="微软雅黑" panose="020B0503020204020204" pitchFamily="34" charset="-122"/>
-                <a:ea typeface="微软雅黑" panose="020B0503020204020204" pitchFamily="34" charset="-122"/>
-              </a:rPr>
-              <a:t>二月春风似剪刀。</a:t>
-            </a:r>
+            </a:br>
+            <a:endParaRPr lang="zh-CN" altLang="en-US" dirty="0"/>
           </a:p>
         </p:txBody>
       </p:sp>
       <p:pic>
         <p:nvPicPr>
-          <p:cNvPr id="5" name="图片 4">
+          <p:cNvPr id="5" name="内容占位符 4">
             <a:extLst>
               <a:ext uri="{FF2B5EF4-FFF2-40B4-BE49-F238E27FC236}">
-                <a16:creationId xmlns:a16="http://schemas.microsoft.com/office/drawing/2014/main" id="{4297C969-EB59-4FEA-B52E-A6579CCD8B14}"/>
+                <a16:creationId xmlns:a16="http://schemas.microsoft.com/office/drawing/2014/main" id="{16E84362-7970-4131-B130-299A0BCA3880}"/>
               </a:ext>
             </a:extLst>
           </p:cNvPr>
           <p:cNvPicPr>
-            <a:picLocks noChangeAspect="1"/>
+            <a:picLocks noGrp="1" noChangeAspect="1"/>
           </p:cNvPicPr>
-          <p:nvPr/>
+          <p:nvPr>
+            <p:ph idx="1"/>
+          </p:nvPr>
         </p:nvPicPr>
         <p:blipFill>
           <a:blip r:embed="rId2">
@@ -7282,18 +7100,160 @@
         </p:blipFill>
         <p:spPr>
           <a:xfrm>
-            <a:off x="1939825" y="1140589"/>
-            <a:ext cx="5760000" cy="150183"/>
+            <a:off x="2313934" y="880533"/>
+            <a:ext cx="4412409" cy="115047"/>
+          </a:xfrm>
+        </p:spPr>
+      </p:pic>
+      <p:sp>
+        <p:nvSpPr>
+          <p:cNvPr id="6" name="矩形 5">
+            <a:extLst>
+              <a:ext uri="{FF2B5EF4-FFF2-40B4-BE49-F238E27FC236}">
+                <a16:creationId xmlns:a16="http://schemas.microsoft.com/office/drawing/2014/main" id="{D068EF59-9457-4F7C-BD7C-18D9F4398721}"/>
+              </a:ext>
+            </a:extLst>
+          </p:cNvPr>
+          <p:cNvSpPr/>
+          <p:nvPr/>
+        </p:nvSpPr>
+        <p:spPr>
+          <a:xfrm>
+            <a:off x="3184733" y="1459838"/>
+            <a:ext cx="2774533" cy="2352182"/>
           </a:xfrm>
           <a:prstGeom prst="rect">
             <a:avLst/>
           </a:prstGeom>
         </p:spPr>
-      </p:pic>
+        <p:txBody>
+          <a:bodyPr wrap="square">
+            <a:spAutoFit/>
+          </a:bodyPr>
+          <a:lstStyle/>
+          <a:p>
+            <a:pPr algn="ctr">
+              <a:lnSpc>
+                <a:spcPct val="150000"/>
+              </a:lnSpc>
+            </a:pPr>
+            <a:r>
+              <a:rPr lang="zh-CN" altLang="en-US" sz="2000" dirty="0">
+                <a:solidFill>
+                  <a:schemeClr val="tx1">
+                    <a:lumMod val="65000"/>
+                    <a:lumOff val="35000"/>
+                  </a:schemeClr>
+                </a:solidFill>
+                <a:latin typeface="微软雅黑" panose="020B0503020204020204" pitchFamily="34" charset="-122"/>
+                <a:ea typeface="微软雅黑" panose="020B0503020204020204" pitchFamily="34" charset="-122"/>
+              </a:rPr>
+              <a:t>【咏柳】</a:t>
+            </a:r>
+            <a:r>
+              <a:rPr lang="zh-CN" altLang="en-US" sz="1400" dirty="0">
+                <a:solidFill>
+                  <a:schemeClr val="tx1">
+                    <a:lumMod val="65000"/>
+                    <a:lumOff val="35000"/>
+                  </a:schemeClr>
+                </a:solidFill>
+                <a:latin typeface="微软雅黑" panose="020B0503020204020204" pitchFamily="34" charset="-122"/>
+                <a:ea typeface="微软雅黑" panose="020B0503020204020204" pitchFamily="34" charset="-122"/>
+              </a:rPr>
+              <a:t>（唐）贺知章</a:t>
+            </a:r>
+          </a:p>
+          <a:p>
+            <a:pPr algn="ctr">
+              <a:lnSpc>
+                <a:spcPct val="150000"/>
+              </a:lnSpc>
+            </a:pPr>
+            <a:r>
+              <a:rPr lang="zh-CN" altLang="en-US" sz="2000" dirty="0">
+                <a:solidFill>
+                  <a:schemeClr val="tx1">
+                    <a:lumMod val="65000"/>
+                    <a:lumOff val="35000"/>
+                  </a:schemeClr>
+                </a:solidFill>
+                <a:latin typeface="微软雅黑" panose="020B0503020204020204" pitchFamily="34" charset="-122"/>
+                <a:ea typeface="微软雅黑" panose="020B0503020204020204" pitchFamily="34" charset="-122"/>
+              </a:rPr>
+              <a:t>碧玉妆成一树高，</a:t>
+            </a:r>
+          </a:p>
+          <a:p>
+            <a:pPr algn="ctr">
+              <a:lnSpc>
+                <a:spcPct val="150000"/>
+              </a:lnSpc>
+            </a:pPr>
+            <a:r>
+              <a:rPr lang="zh-CN" altLang="en-US" sz="2000" dirty="0">
+                <a:solidFill>
+                  <a:schemeClr val="tx1">
+                    <a:lumMod val="65000"/>
+                    <a:lumOff val="35000"/>
+                  </a:schemeClr>
+                </a:solidFill>
+                <a:latin typeface="微软雅黑" panose="020B0503020204020204" pitchFamily="34" charset="-122"/>
+                <a:ea typeface="微软雅黑" panose="020B0503020204020204" pitchFamily="34" charset="-122"/>
+              </a:rPr>
+              <a:t>万条垂下绿丝绦，</a:t>
+            </a:r>
+          </a:p>
+          <a:p>
+            <a:pPr algn="ctr">
+              <a:lnSpc>
+                <a:spcPct val="150000"/>
+              </a:lnSpc>
+            </a:pPr>
+            <a:r>
+              <a:rPr lang="zh-CN" altLang="en-US" sz="2000" dirty="0">
+                <a:solidFill>
+                  <a:schemeClr val="tx1">
+                    <a:lumMod val="65000"/>
+                    <a:lumOff val="35000"/>
+                  </a:schemeClr>
+                </a:solidFill>
+                <a:latin typeface="微软雅黑" panose="020B0503020204020204" pitchFamily="34" charset="-122"/>
+                <a:ea typeface="微软雅黑" panose="020B0503020204020204" pitchFamily="34" charset="-122"/>
+              </a:rPr>
+              <a:t>不知细叶谁裁出，</a:t>
+            </a:r>
+          </a:p>
+          <a:p>
+            <a:pPr algn="ctr">
+              <a:lnSpc>
+                <a:spcPct val="150000"/>
+              </a:lnSpc>
+            </a:pPr>
+            <a:r>
+              <a:rPr lang="zh-CN" altLang="en-US" sz="2000" dirty="0">
+                <a:solidFill>
+                  <a:schemeClr val="tx1">
+                    <a:lumMod val="65000"/>
+                    <a:lumOff val="35000"/>
+                  </a:schemeClr>
+                </a:solidFill>
+                <a:latin typeface="微软雅黑" panose="020B0503020204020204" pitchFamily="34" charset="-122"/>
+                <a:ea typeface="微软雅黑" panose="020B0503020204020204" pitchFamily="34" charset="-122"/>
+              </a:rPr>
+              <a:t>二月春风似剪刀</a:t>
+            </a:r>
+            <a:r>
+              <a:rPr lang="zh-CN" altLang="en-US" sz="2000" dirty="0"/>
+              <a:t>。</a:t>
+            </a:r>
+          </a:p>
+        </p:txBody>
+      </p:sp>
     </p:spTree>
     <p:extLst>
       <p:ext uri="{BB962C8B-B14F-4D97-AF65-F5344CB8AC3E}">
-        <p14:creationId xmlns:p14="http://schemas.microsoft.com/office/powerpoint/2010/main" val="3547612336"/>
+        <p14:creationId xmlns:p14="http://schemas.microsoft.com/office/powerpoint/2010/main" val="2742973766"/>
       </p:ext>
     </p:extLst>
   </p:cSld>
@@ -7325,7 +7285,7 @@
           <p:cNvPr id="2" name="标题 1">
             <a:extLst>
               <a:ext uri="{FF2B5EF4-FFF2-40B4-BE49-F238E27FC236}">
-                <a16:creationId xmlns:a16="http://schemas.microsoft.com/office/drawing/2014/main" id="{5411B314-BB21-4E7E-89AC-EB58A0DC7A8A}"/>
+                <a16:creationId xmlns:a16="http://schemas.microsoft.com/office/drawing/2014/main" id="{D7164562-FCC5-4C3E-AF68-332F6BC2C15C}"/>
               </a:ext>
             </a:extLst>
           </p:cNvPr>
@@ -7339,75 +7299,26 @@
         <p:spPr/>
         <p:txBody>
           <a:bodyPr>
-            <a:normAutofit/>
+            <a:normAutofit fontScale="90000"/>
           </a:bodyPr>
           <a:lstStyle/>
           <a:p>
             <a:pPr algn="ctr"/>
             <a:r>
-              <a:rPr lang="zh-CN" altLang="zh-CN" sz="3600" kern="100" dirty="0">
+              <a:rPr lang="zh-CN" altLang="en-US" sz="4000" dirty="0">
                 <a:solidFill>
                   <a:schemeClr val="tx1">
                     <a:lumMod val="65000"/>
                     <a:lumOff val="35000"/>
                   </a:schemeClr>
                 </a:solidFill>
-                <a:effectLst/>
                 <a:latin typeface="微软雅黑" panose="020B0503020204020204" pitchFamily="34" charset="-122"/>
                 <a:ea typeface="微软雅黑" panose="020B0503020204020204" pitchFamily="34" charset="-122"/>
-                <a:cs typeface="宋体" panose="02010600030101010101" pitchFamily="2" charset="-122"/>
               </a:rPr>
               <a:t>描写春天景物的诗词</a:t>
             </a:r>
-            <a:endParaRPr lang="zh-CN" altLang="en-US" sz="3600" dirty="0">
-              <a:solidFill>
-                <a:schemeClr val="tx1">
-                  <a:lumMod val="65000"/>
-                  <a:lumOff val="35000"/>
-                </a:schemeClr>
-              </a:solidFill>
-              <a:latin typeface="微软雅黑" panose="020B0503020204020204" pitchFamily="34" charset="-122"/>
-              <a:ea typeface="微软雅黑" panose="020B0503020204020204" pitchFamily="34" charset="-122"/>
-            </a:endParaRPr>
-          </a:p>
-        </p:txBody>
-      </p:sp>
-      <p:sp>
-        <p:nvSpPr>
-          <p:cNvPr id="3" name="内容占位符 2">
-            <a:extLst>
-              <a:ext uri="{FF2B5EF4-FFF2-40B4-BE49-F238E27FC236}">
-                <a16:creationId xmlns:a16="http://schemas.microsoft.com/office/drawing/2014/main" id="{A747A335-A2B9-4C87-B3C1-CB3A4F8B7707}"/>
-              </a:ext>
-            </a:extLst>
-          </p:cNvPr>
-          <p:cNvSpPr>
-            <a:spLocks noGrp="1"/>
-          </p:cNvSpPr>
-          <p:nvPr>
-            <p:ph idx="1"/>
-          </p:nvPr>
-        </p:nvSpPr>
-        <p:spPr>
-          <a:xfrm>
-            <a:off x="628650" y="1482627"/>
-            <a:ext cx="7886700" cy="3263504"/>
-          </a:xfrm>
-        </p:spPr>
-        <p:txBody>
-          <a:bodyPr>
-            <a:normAutofit/>
-          </a:bodyPr>
-          <a:lstStyle/>
-          <a:p>
-            <a:pPr marL="0" indent="0" algn="ctr">
-              <a:lnSpc>
-                <a:spcPct val="150000"/>
-              </a:lnSpc>
-              <a:buNone/>
-            </a:pPr>
-            <a:r>
-              <a:rPr lang="en-US" altLang="zh-CN" sz="2000" dirty="0">
+            <a:br>
+              <a:rPr lang="zh-CN" altLang="en-US" sz="3600" dirty="0">
                 <a:solidFill>
                   <a:schemeClr val="tx1">
                     <a:lumMod val="65000"/>
@@ -7417,147 +7328,26 @@
                 <a:latin typeface="微软雅黑" panose="020B0503020204020204" pitchFamily="34" charset="-122"/>
                 <a:ea typeface="微软雅黑" panose="020B0503020204020204" pitchFamily="34" charset="-122"/>
               </a:rPr>
-              <a:t>【</a:t>
-            </a:r>
-            <a:r>
-              <a:rPr lang="zh-CN" altLang="en-US" sz="2000" dirty="0">
-                <a:solidFill>
-                  <a:schemeClr val="tx1">
-                    <a:lumMod val="65000"/>
-                    <a:lumOff val="35000"/>
-                  </a:schemeClr>
-                </a:solidFill>
-                <a:latin typeface="微软雅黑" panose="020B0503020204020204" pitchFamily="34" charset="-122"/>
-                <a:ea typeface="微软雅黑" panose="020B0503020204020204" pitchFamily="34" charset="-122"/>
-              </a:rPr>
-              <a:t>游园不值</a:t>
-            </a:r>
-            <a:r>
-              <a:rPr lang="en-US" altLang="zh-CN" sz="2000" dirty="0">
-                <a:solidFill>
-                  <a:schemeClr val="tx1">
-                    <a:lumMod val="65000"/>
-                    <a:lumOff val="35000"/>
-                  </a:schemeClr>
-                </a:solidFill>
-                <a:latin typeface="微软雅黑" panose="020B0503020204020204" pitchFamily="34" charset="-122"/>
-                <a:ea typeface="微软雅黑" panose="020B0503020204020204" pitchFamily="34" charset="-122"/>
-              </a:rPr>
-              <a:t>】</a:t>
-            </a:r>
-            <a:r>
-              <a:rPr lang="zh-CN" altLang="en-US" sz="1400" dirty="0">
-                <a:solidFill>
-                  <a:schemeClr val="tx1">
-                    <a:lumMod val="65000"/>
-                    <a:lumOff val="35000"/>
-                  </a:schemeClr>
-                </a:solidFill>
-                <a:latin typeface="微软雅黑" panose="020B0503020204020204" pitchFamily="34" charset="-122"/>
-                <a:ea typeface="微软雅黑" panose="020B0503020204020204" pitchFamily="34" charset="-122"/>
-              </a:rPr>
-              <a:t>（宋）叶绍翁</a:t>
-            </a:r>
-          </a:p>
-          <a:p>
-            <a:pPr marL="0" indent="0" algn="ctr">
-              <a:lnSpc>
-                <a:spcPct val="150000"/>
-              </a:lnSpc>
-              <a:buNone/>
-            </a:pPr>
-            <a:r>
-              <a:rPr lang="zh-CN" altLang="en-US" sz="2000" dirty="0">
-                <a:solidFill>
-                  <a:schemeClr val="tx1">
-                    <a:lumMod val="65000"/>
-                    <a:lumOff val="35000"/>
-                  </a:schemeClr>
-                </a:solidFill>
-                <a:latin typeface="微软雅黑" panose="020B0503020204020204" pitchFamily="34" charset="-122"/>
-                <a:ea typeface="微软雅黑" panose="020B0503020204020204" pitchFamily="34" charset="-122"/>
-              </a:rPr>
-              <a:t>应怜屐齿印苍苔，</a:t>
-            </a:r>
-          </a:p>
-          <a:p>
-            <a:pPr marL="0" indent="0" algn="ctr">
-              <a:lnSpc>
-                <a:spcPct val="150000"/>
-              </a:lnSpc>
-              <a:buNone/>
-            </a:pPr>
-            <a:r>
-              <a:rPr lang="zh-CN" altLang="en-US" sz="2000" dirty="0">
-                <a:solidFill>
-                  <a:schemeClr val="tx1">
-                    <a:lumMod val="65000"/>
-                    <a:lumOff val="35000"/>
-                  </a:schemeClr>
-                </a:solidFill>
-                <a:latin typeface="微软雅黑" panose="020B0503020204020204" pitchFamily="34" charset="-122"/>
-                <a:ea typeface="微软雅黑" panose="020B0503020204020204" pitchFamily="34" charset="-122"/>
-              </a:rPr>
-              <a:t>小扣柴扉久不开。</a:t>
-            </a:r>
-          </a:p>
-          <a:p>
-            <a:pPr marL="0" indent="0" algn="ctr">
-              <a:lnSpc>
-                <a:spcPct val="150000"/>
-              </a:lnSpc>
-              <a:buNone/>
-            </a:pPr>
-            <a:r>
-              <a:rPr lang="zh-CN" altLang="en-US" sz="2000" dirty="0">
-                <a:solidFill>
-                  <a:schemeClr val="tx1">
-                    <a:lumMod val="65000"/>
-                    <a:lumOff val="35000"/>
-                  </a:schemeClr>
-                </a:solidFill>
-                <a:latin typeface="微软雅黑" panose="020B0503020204020204" pitchFamily="34" charset="-122"/>
-                <a:ea typeface="微软雅黑" panose="020B0503020204020204" pitchFamily="34" charset="-122"/>
-              </a:rPr>
-              <a:t>春色满园关不住，</a:t>
-            </a:r>
-          </a:p>
-          <a:p>
-            <a:pPr marL="0" indent="0" algn="ctr">
-              <a:lnSpc>
-                <a:spcPct val="150000"/>
-              </a:lnSpc>
-              <a:buNone/>
-            </a:pPr>
-            <a:r>
-              <a:rPr lang="zh-CN" altLang="en-US" sz="2000" dirty="0">
-                <a:solidFill>
-                  <a:schemeClr val="tx1">
-                    <a:lumMod val="65000"/>
-                    <a:lumOff val="35000"/>
-                  </a:schemeClr>
-                </a:solidFill>
-                <a:latin typeface="微软雅黑" panose="020B0503020204020204" pitchFamily="34" charset="-122"/>
-                <a:ea typeface="微软雅黑" panose="020B0503020204020204" pitchFamily="34" charset="-122"/>
-              </a:rPr>
-              <a:t>一 枝红杏出墙来。</a:t>
-            </a:r>
+            </a:br>
+            <a:endParaRPr lang="zh-CN" altLang="en-US" dirty="0"/>
           </a:p>
         </p:txBody>
       </p:sp>
       <p:pic>
         <p:nvPicPr>
-          <p:cNvPr id="5" name="图片 4">
+          <p:cNvPr id="5" name="内容占位符 4">
             <a:extLst>
               <a:ext uri="{FF2B5EF4-FFF2-40B4-BE49-F238E27FC236}">
-                <a16:creationId xmlns:a16="http://schemas.microsoft.com/office/drawing/2014/main" id="{4297C969-EB59-4FEA-B52E-A6579CCD8B14}"/>
+                <a16:creationId xmlns:a16="http://schemas.microsoft.com/office/drawing/2014/main" id="{16E84362-7970-4131-B130-299A0BCA3880}"/>
               </a:ext>
             </a:extLst>
           </p:cNvPr>
           <p:cNvPicPr>
-            <a:picLocks noChangeAspect="1"/>
+            <a:picLocks noGrp="1" noChangeAspect="1"/>
           </p:cNvPicPr>
-          <p:nvPr/>
+          <p:nvPr>
+            <p:ph idx="1"/>
+          </p:nvPr>
         </p:nvPicPr>
         <p:blipFill>
           <a:blip r:embed="rId2">
@@ -7573,18 +7363,183 @@
         </p:blipFill>
         <p:spPr>
           <a:xfrm>
-            <a:off x="1939825" y="1140589"/>
-            <a:ext cx="5760000" cy="150183"/>
+            <a:off x="2313934" y="880533"/>
+            <a:ext cx="4412409" cy="115047"/>
+          </a:xfrm>
+        </p:spPr>
+      </p:pic>
+      <p:sp>
+        <p:nvSpPr>
+          <p:cNvPr id="6" name="矩形 5">
+            <a:extLst>
+              <a:ext uri="{FF2B5EF4-FFF2-40B4-BE49-F238E27FC236}">
+                <a16:creationId xmlns:a16="http://schemas.microsoft.com/office/drawing/2014/main" id="{D068EF59-9457-4F7C-BD7C-18D9F4398721}"/>
+              </a:ext>
+            </a:extLst>
+          </p:cNvPr>
+          <p:cNvSpPr/>
+          <p:nvPr/>
+        </p:nvSpPr>
+        <p:spPr>
+          <a:xfrm>
+            <a:off x="3184733" y="1459838"/>
+            <a:ext cx="2774533" cy="2351541"/>
           </a:xfrm>
           <a:prstGeom prst="rect">
             <a:avLst/>
           </a:prstGeom>
         </p:spPr>
-      </p:pic>
+        <p:txBody>
+          <a:bodyPr wrap="square">
+            <a:spAutoFit/>
+          </a:bodyPr>
+          <a:lstStyle/>
+          <a:p>
+            <a:pPr algn="ctr">
+              <a:lnSpc>
+                <a:spcPct val="150000"/>
+              </a:lnSpc>
+            </a:pPr>
+            <a:r>
+              <a:rPr lang="en-US" altLang="zh-CN" sz="2000" dirty="0">
+                <a:solidFill>
+                  <a:schemeClr val="tx1">
+                    <a:lumMod val="65000"/>
+                    <a:lumOff val="35000"/>
+                  </a:schemeClr>
+                </a:solidFill>
+                <a:latin typeface="微软雅黑" panose="020B0503020204020204" pitchFamily="34" charset="-122"/>
+                <a:ea typeface="微软雅黑" panose="020B0503020204020204" pitchFamily="34" charset="-122"/>
+              </a:rPr>
+              <a:t>【</a:t>
+            </a:r>
+            <a:r>
+              <a:rPr lang="zh-CN" altLang="en-US" sz="2000" dirty="0">
+                <a:solidFill>
+                  <a:schemeClr val="tx1">
+                    <a:lumMod val="65000"/>
+                    <a:lumOff val="35000"/>
+                  </a:schemeClr>
+                </a:solidFill>
+                <a:latin typeface="微软雅黑" panose="020B0503020204020204" pitchFamily="34" charset="-122"/>
+                <a:ea typeface="微软雅黑" panose="020B0503020204020204" pitchFamily="34" charset="-122"/>
+              </a:rPr>
+              <a:t>游园不值</a:t>
+            </a:r>
+            <a:r>
+              <a:rPr lang="en-US" altLang="zh-CN" sz="2000" dirty="0">
+                <a:solidFill>
+                  <a:schemeClr val="tx1">
+                    <a:lumMod val="65000"/>
+                    <a:lumOff val="35000"/>
+                  </a:schemeClr>
+                </a:solidFill>
+                <a:latin typeface="微软雅黑" panose="020B0503020204020204" pitchFamily="34" charset="-122"/>
+                <a:ea typeface="微软雅黑" panose="020B0503020204020204" pitchFamily="34" charset="-122"/>
+              </a:rPr>
+              <a:t>】</a:t>
+            </a:r>
+            <a:r>
+              <a:rPr lang="zh-CN" altLang="en-US" sz="1400" dirty="0">
+                <a:solidFill>
+                  <a:schemeClr val="tx1">
+                    <a:lumMod val="65000"/>
+                    <a:lumOff val="35000"/>
+                  </a:schemeClr>
+                </a:solidFill>
+                <a:latin typeface="微软雅黑" panose="020B0503020204020204" pitchFamily="34" charset="-122"/>
+                <a:ea typeface="微软雅黑" panose="020B0503020204020204" pitchFamily="34" charset="-122"/>
+              </a:rPr>
+              <a:t>（宋）叶绍翁</a:t>
+            </a:r>
+          </a:p>
+          <a:p>
+            <a:pPr algn="ctr">
+              <a:lnSpc>
+                <a:spcPct val="150000"/>
+              </a:lnSpc>
+            </a:pPr>
+            <a:r>
+              <a:rPr lang="zh-CN" altLang="en-US" sz="2000" dirty="0">
+                <a:solidFill>
+                  <a:schemeClr val="tx1">
+                    <a:lumMod val="65000"/>
+                    <a:lumOff val="35000"/>
+                  </a:schemeClr>
+                </a:solidFill>
+                <a:latin typeface="微软雅黑" panose="020B0503020204020204" pitchFamily="34" charset="-122"/>
+                <a:ea typeface="微软雅黑" panose="020B0503020204020204" pitchFamily="34" charset="-122"/>
+              </a:rPr>
+              <a:t>应怜屐齿印苍苔，</a:t>
+            </a:r>
+          </a:p>
+          <a:p>
+            <a:pPr algn="ctr">
+              <a:lnSpc>
+                <a:spcPct val="150000"/>
+              </a:lnSpc>
+            </a:pPr>
+            <a:r>
+              <a:rPr lang="zh-CN" altLang="en-US" sz="2000" dirty="0">
+                <a:solidFill>
+                  <a:schemeClr val="tx1">
+                    <a:lumMod val="65000"/>
+                    <a:lumOff val="35000"/>
+                  </a:schemeClr>
+                </a:solidFill>
+                <a:latin typeface="微软雅黑" panose="020B0503020204020204" pitchFamily="34" charset="-122"/>
+                <a:ea typeface="微软雅黑" panose="020B0503020204020204" pitchFamily="34" charset="-122"/>
+              </a:rPr>
+              <a:t>小扣柴扉久不开。</a:t>
+            </a:r>
+          </a:p>
+          <a:p>
+            <a:pPr algn="ctr">
+              <a:lnSpc>
+                <a:spcPct val="150000"/>
+              </a:lnSpc>
+            </a:pPr>
+            <a:r>
+              <a:rPr lang="zh-CN" altLang="en-US" sz="2000" dirty="0">
+                <a:solidFill>
+                  <a:schemeClr val="tx1">
+                    <a:lumMod val="65000"/>
+                    <a:lumOff val="35000"/>
+                  </a:schemeClr>
+                </a:solidFill>
+                <a:latin typeface="微软雅黑" panose="020B0503020204020204" pitchFamily="34" charset="-122"/>
+                <a:ea typeface="微软雅黑" panose="020B0503020204020204" pitchFamily="34" charset="-122"/>
+              </a:rPr>
+              <a:t>春色满园关不住，</a:t>
+            </a:r>
+          </a:p>
+          <a:p>
+            <a:pPr algn="ctr">
+              <a:lnSpc>
+                <a:spcPct val="150000"/>
+              </a:lnSpc>
+            </a:pPr>
+            <a:r>
+              <a:rPr lang="zh-CN" altLang="en-US" sz="2000" dirty="0">
+                <a:solidFill>
+                  <a:schemeClr val="tx1">
+                    <a:lumMod val="65000"/>
+                    <a:lumOff val="35000"/>
+                  </a:schemeClr>
+                </a:solidFill>
+                <a:latin typeface="微软雅黑" panose="020B0503020204020204" pitchFamily="34" charset="-122"/>
+                <a:ea typeface="微软雅黑" panose="020B0503020204020204" pitchFamily="34" charset="-122"/>
+              </a:rPr>
+              <a:t>一 枝红杏出墙来。</a:t>
+            </a:r>
+            <a:endParaRPr lang="zh-CN" altLang="en-US" sz="2000" dirty="0"/>
+          </a:p>
+        </p:txBody>
+      </p:sp>
     </p:spTree>
     <p:extLst>
       <p:ext uri="{BB962C8B-B14F-4D97-AF65-F5344CB8AC3E}">
-        <p14:creationId xmlns:p14="http://schemas.microsoft.com/office/powerpoint/2010/main" val="1216304133"/>
+        <p14:creationId xmlns:p14="http://schemas.microsoft.com/office/powerpoint/2010/main" val="171244374"/>
       </p:ext>
     </p:extLst>
   </p:cSld>
@@ -7616,7 +7571,7 @@
           <p:cNvPr id="2" name="标题 1">
             <a:extLst>
               <a:ext uri="{FF2B5EF4-FFF2-40B4-BE49-F238E27FC236}">
-                <a16:creationId xmlns:a16="http://schemas.microsoft.com/office/drawing/2014/main" id="{5411B314-BB21-4E7E-89AC-EB58A0DC7A8A}"/>
+                <a16:creationId xmlns:a16="http://schemas.microsoft.com/office/drawing/2014/main" id="{D7164562-FCC5-4C3E-AF68-332F6BC2C15C}"/>
               </a:ext>
             </a:extLst>
           </p:cNvPr>
@@ -7630,255 +7585,55 @@
         <p:spPr/>
         <p:txBody>
           <a:bodyPr>
-            <a:normAutofit/>
+            <a:normAutofit fontScale="90000"/>
           </a:bodyPr>
           <a:lstStyle/>
           <a:p>
             <a:pPr algn="ctr"/>
             <a:r>
-              <a:rPr lang="zh-CN" altLang="zh-CN" sz="3600" kern="100" dirty="0">
+              <a:rPr lang="zh-CN" altLang="en-US" sz="4000" dirty="0">
                 <a:solidFill>
                   <a:schemeClr val="tx1">
                     <a:lumMod val="65000"/>
                     <a:lumOff val="35000"/>
                   </a:schemeClr>
                 </a:solidFill>
-                <a:effectLst/>
                 <a:latin typeface="微软雅黑" panose="020B0503020204020204" pitchFamily="34" charset="-122"/>
                 <a:ea typeface="微软雅黑" panose="020B0503020204020204" pitchFamily="34" charset="-122"/>
-                <a:cs typeface="宋体" panose="02010600030101010101" pitchFamily="2" charset="-122"/>
               </a:rPr>
-              <a:t>描写</a:t>
-            </a:r>
-            <a:r>
-              <a:rPr lang="zh-CN" altLang="en-US" sz="3600" kern="100" dirty="0">
+              <a:t>描写夏天景物的诗词</a:t>
+            </a:r>
+            <a:br>
+              <a:rPr lang="zh-CN" altLang="en-US" sz="3600" dirty="0">
                 <a:solidFill>
                   <a:schemeClr val="tx1">
                     <a:lumMod val="65000"/>
                     <a:lumOff val="35000"/>
                   </a:schemeClr>
                 </a:solidFill>
-                <a:effectLst/>
-                <a:latin typeface="微软雅黑" panose="020B0503020204020204" pitchFamily="34" charset="-122"/>
-                <a:ea typeface="微软雅黑" panose="020B0503020204020204" pitchFamily="34" charset="-122"/>
-                <a:cs typeface="宋体" panose="02010600030101010101" pitchFamily="2" charset="-122"/>
-              </a:rPr>
-              <a:t>夏</a:t>
-            </a:r>
-            <a:r>
-              <a:rPr lang="zh-CN" altLang="zh-CN" sz="3600" kern="100" dirty="0">
-                <a:solidFill>
-                  <a:schemeClr val="tx1">
-                    <a:lumMod val="65000"/>
-                    <a:lumOff val="35000"/>
-                  </a:schemeClr>
-                </a:solidFill>
-                <a:effectLst/>
-                <a:latin typeface="微软雅黑" panose="020B0503020204020204" pitchFamily="34" charset="-122"/>
-                <a:ea typeface="微软雅黑" panose="020B0503020204020204" pitchFamily="34" charset="-122"/>
-                <a:cs typeface="宋体" panose="02010600030101010101" pitchFamily="2" charset="-122"/>
-              </a:rPr>
-              <a:t>天景物的诗词</a:t>
-            </a:r>
-            <a:endParaRPr lang="zh-CN" altLang="en-US" sz="3600" dirty="0">
-              <a:solidFill>
-                <a:schemeClr val="tx1">
-                  <a:lumMod val="65000"/>
-                  <a:lumOff val="35000"/>
-                </a:schemeClr>
-              </a:solidFill>
-              <a:latin typeface="微软雅黑" panose="020B0503020204020204" pitchFamily="34" charset="-122"/>
-              <a:ea typeface="微软雅黑" panose="020B0503020204020204" pitchFamily="34" charset="-122"/>
-            </a:endParaRPr>
-          </a:p>
-        </p:txBody>
-      </p:sp>
-      <p:sp>
-        <p:nvSpPr>
-          <p:cNvPr id="3" name="内容占位符 2">
-            <a:extLst>
-              <a:ext uri="{FF2B5EF4-FFF2-40B4-BE49-F238E27FC236}">
-                <a16:creationId xmlns:a16="http://schemas.microsoft.com/office/drawing/2014/main" id="{A747A335-A2B9-4C87-B3C1-CB3A4F8B7707}"/>
-              </a:ext>
-            </a:extLst>
-          </p:cNvPr>
-          <p:cNvSpPr>
-            <a:spLocks noGrp="1"/>
-          </p:cNvSpPr>
-          <p:nvPr>
-            <p:ph idx="1"/>
-          </p:nvPr>
-        </p:nvSpPr>
-        <p:spPr>
-          <a:xfrm>
-            <a:off x="628650" y="1482627"/>
-            <a:ext cx="7886700" cy="3263504"/>
-          </a:xfrm>
-        </p:spPr>
-        <p:txBody>
-          <a:bodyPr>
-            <a:normAutofit/>
-          </a:bodyPr>
-          <a:lstStyle/>
-          <a:p>
-            <a:pPr marL="0" indent="0" algn="ctr">
-              <a:lnSpc>
-                <a:spcPct val="150000"/>
-              </a:lnSpc>
-              <a:buNone/>
-            </a:pPr>
-            <a:r>
-              <a:rPr lang="en-US" altLang="zh-CN" sz="2000" dirty="0">
-                <a:solidFill>
-                  <a:schemeClr val="tx1">
-                    <a:lumMod val="65000"/>
-                    <a:lumOff val="35000"/>
-                  </a:schemeClr>
-                </a:solidFill>
                 <a:latin typeface="微软雅黑" panose="020B0503020204020204" pitchFamily="34" charset="-122"/>
                 <a:ea typeface="微软雅黑" panose="020B0503020204020204" pitchFamily="34" charset="-122"/>
               </a:rPr>
-              <a:t>【</a:t>
-            </a:r>
-            <a:r>
-              <a:rPr lang="zh-CN" altLang="en-US" sz="2000" dirty="0">
-                <a:solidFill>
-                  <a:schemeClr val="tx1">
-                    <a:lumMod val="65000"/>
-                    <a:lumOff val="35000"/>
-                  </a:schemeClr>
-                </a:solidFill>
-                <a:latin typeface="微软雅黑" panose="020B0503020204020204" pitchFamily="34" charset="-122"/>
-                <a:ea typeface="微软雅黑" panose="020B0503020204020204" pitchFamily="34" charset="-122"/>
-              </a:rPr>
-              <a:t>晓出净慈寺送林子方</a:t>
-            </a:r>
-            <a:r>
-              <a:rPr lang="en-US" altLang="zh-CN" sz="2000" dirty="0">
-                <a:solidFill>
-                  <a:schemeClr val="tx1">
-                    <a:lumMod val="65000"/>
-                    <a:lumOff val="35000"/>
-                  </a:schemeClr>
-                </a:solidFill>
-                <a:latin typeface="微软雅黑" panose="020B0503020204020204" pitchFamily="34" charset="-122"/>
-                <a:ea typeface="微软雅黑" panose="020B0503020204020204" pitchFamily="34" charset="-122"/>
-              </a:rPr>
-              <a:t>】</a:t>
-            </a:r>
-            <a:r>
-              <a:rPr lang="zh-CN" altLang="en-US" sz="1400" dirty="0">
-                <a:solidFill>
-                  <a:schemeClr val="tx1">
-                    <a:lumMod val="65000"/>
-                    <a:lumOff val="35000"/>
-                  </a:schemeClr>
-                </a:solidFill>
-                <a:latin typeface="微软雅黑" panose="020B0503020204020204" pitchFamily="34" charset="-122"/>
-                <a:ea typeface="微软雅黑" panose="020B0503020204020204" pitchFamily="34" charset="-122"/>
-              </a:rPr>
-              <a:t>（宋）杨万里</a:t>
-            </a:r>
-          </a:p>
-          <a:p>
-            <a:pPr marL="0" indent="0" algn="ctr">
-              <a:lnSpc>
-                <a:spcPct val="150000"/>
-              </a:lnSpc>
-              <a:buNone/>
-            </a:pPr>
-            <a:r>
-              <a:rPr lang="zh-CN" altLang="en-US" sz="2000" dirty="0">
-                <a:solidFill>
-                  <a:schemeClr val="tx1">
-                    <a:lumMod val="65000"/>
-                    <a:lumOff val="35000"/>
-                  </a:schemeClr>
-                </a:solidFill>
-                <a:latin typeface="微软雅黑" panose="020B0503020204020204" pitchFamily="34" charset="-122"/>
-                <a:ea typeface="微软雅黑" panose="020B0503020204020204" pitchFamily="34" charset="-122"/>
-              </a:rPr>
-              <a:t>毕竟西湖六月中，</a:t>
-            </a:r>
-          </a:p>
-          <a:p>
-            <a:pPr marL="0" indent="0" algn="ctr">
-              <a:lnSpc>
-                <a:spcPct val="150000"/>
-              </a:lnSpc>
-              <a:buNone/>
-            </a:pPr>
-            <a:r>
-              <a:rPr lang="zh-CN" altLang="en-US" sz="2000" dirty="0">
-                <a:solidFill>
-                  <a:schemeClr val="tx1">
-                    <a:lumMod val="65000"/>
-                    <a:lumOff val="35000"/>
-                  </a:schemeClr>
-                </a:solidFill>
-                <a:latin typeface="微软雅黑" panose="020B0503020204020204" pitchFamily="34" charset="-122"/>
-                <a:ea typeface="微软雅黑" panose="020B0503020204020204" pitchFamily="34" charset="-122"/>
-              </a:rPr>
-              <a:t>风光不与四时同。</a:t>
-            </a:r>
-          </a:p>
-          <a:p>
-            <a:pPr marL="0" indent="0" algn="ctr">
-              <a:lnSpc>
-                <a:spcPct val="150000"/>
-              </a:lnSpc>
-              <a:buNone/>
-            </a:pPr>
-            <a:r>
-              <a:rPr lang="zh-CN" altLang="en-US" sz="2000" dirty="0">
-                <a:solidFill>
-                  <a:schemeClr val="tx1">
-                    <a:lumMod val="65000"/>
-                    <a:lumOff val="35000"/>
-                  </a:schemeClr>
-                </a:solidFill>
-                <a:latin typeface="微软雅黑" panose="020B0503020204020204" pitchFamily="34" charset="-122"/>
-                <a:ea typeface="微软雅黑" panose="020B0503020204020204" pitchFamily="34" charset="-122"/>
-              </a:rPr>
-              <a:t>接天莲叶无穷碧，</a:t>
-            </a:r>
-          </a:p>
-          <a:p>
-            <a:pPr marL="0" indent="0" algn="ctr">
-              <a:lnSpc>
-                <a:spcPct val="150000"/>
-              </a:lnSpc>
-              <a:buNone/>
-            </a:pPr>
-            <a:r>
-              <a:rPr lang="zh-CN" altLang="en-US" sz="2000" dirty="0">
-                <a:solidFill>
-                  <a:schemeClr val="tx1">
-                    <a:lumMod val="65000"/>
-                    <a:lumOff val="35000"/>
-                  </a:schemeClr>
-                </a:solidFill>
-                <a:latin typeface="微软雅黑" panose="020B0503020204020204" pitchFamily="34" charset="-122"/>
-                <a:ea typeface="微软雅黑" panose="020B0503020204020204" pitchFamily="34" charset="-122"/>
-              </a:rPr>
-              <a:t>映日荷花别样红。</a:t>
-            </a:r>
+            </a:br>
+            <a:endParaRPr lang="zh-CN" altLang="en-US" dirty="0"/>
           </a:p>
         </p:txBody>
       </p:sp>
       <p:pic>
         <p:nvPicPr>
-          <p:cNvPr id="5" name="图片 4">
+          <p:cNvPr id="5" name="内容占位符 4">
             <a:extLst>
               <a:ext uri="{FF2B5EF4-FFF2-40B4-BE49-F238E27FC236}">
-                <a16:creationId xmlns:a16="http://schemas.microsoft.com/office/drawing/2014/main" id="{4297C969-EB59-4FEA-B52E-A6579CCD8B14}"/>
+                <a16:creationId xmlns:a16="http://schemas.microsoft.com/office/drawing/2014/main" id="{16E84362-7970-4131-B130-299A0BCA3880}"/>
               </a:ext>
             </a:extLst>
           </p:cNvPr>
           <p:cNvPicPr>
-            <a:picLocks noChangeAspect="1"/>
+            <a:picLocks noGrp="1" noChangeAspect="1"/>
           </p:cNvPicPr>
-          <p:nvPr/>
+          <p:nvPr>
+            <p:ph idx="1"/>
+          </p:nvPr>
         </p:nvPicPr>
         <p:blipFill>
           <a:blip r:embed="rId2">
@@ -7894,18 +7649,186 @@
         </p:blipFill>
         <p:spPr>
           <a:xfrm>
-            <a:off x="1939825" y="1140589"/>
-            <a:ext cx="5760000" cy="150183"/>
+            <a:off x="2313934" y="880533"/>
+            <a:ext cx="4412409" cy="115047"/>
+          </a:xfrm>
+        </p:spPr>
+      </p:pic>
+      <p:sp>
+        <p:nvSpPr>
+          <p:cNvPr id="6" name="矩形 5">
+            <a:extLst>
+              <a:ext uri="{FF2B5EF4-FFF2-40B4-BE49-F238E27FC236}">
+                <a16:creationId xmlns:a16="http://schemas.microsoft.com/office/drawing/2014/main" id="{D068EF59-9457-4F7C-BD7C-18D9F4398721}"/>
+              </a:ext>
+            </a:extLst>
+          </p:cNvPr>
+          <p:cNvSpPr/>
+          <p:nvPr/>
+        </p:nvSpPr>
+        <p:spPr>
+          <a:xfrm>
+            <a:off x="3184733" y="1459838"/>
+            <a:ext cx="2774533" cy="2675348"/>
           </a:xfrm>
           <a:prstGeom prst="rect">
             <a:avLst/>
           </a:prstGeom>
         </p:spPr>
-      </p:pic>
+        <p:txBody>
+          <a:bodyPr wrap="square">
+            <a:spAutoFit/>
+          </a:bodyPr>
+          <a:lstStyle/>
+          <a:p>
+            <a:pPr algn="ctr">
+              <a:lnSpc>
+                <a:spcPct val="150000"/>
+              </a:lnSpc>
+            </a:pPr>
+            <a:r>
+              <a:rPr lang="en-US" altLang="zh-CN" sz="2000" dirty="0">
+                <a:solidFill>
+                  <a:schemeClr val="tx1">
+                    <a:lumMod val="65000"/>
+                    <a:lumOff val="35000"/>
+                  </a:schemeClr>
+                </a:solidFill>
+                <a:latin typeface="微软雅黑" panose="020B0503020204020204" pitchFamily="34" charset="-122"/>
+                <a:ea typeface="微软雅黑" panose="020B0503020204020204" pitchFamily="34" charset="-122"/>
+              </a:rPr>
+              <a:t>【</a:t>
+            </a:r>
+            <a:r>
+              <a:rPr lang="zh-CN" altLang="en-US" sz="2000" dirty="0">
+                <a:solidFill>
+                  <a:schemeClr val="tx1">
+                    <a:lumMod val="65000"/>
+                    <a:lumOff val="35000"/>
+                  </a:schemeClr>
+                </a:solidFill>
+                <a:latin typeface="微软雅黑" panose="020B0503020204020204" pitchFamily="34" charset="-122"/>
+                <a:ea typeface="微软雅黑" panose="020B0503020204020204" pitchFamily="34" charset="-122"/>
+              </a:rPr>
+              <a:t>晓出净慈寺送林子方</a:t>
+            </a:r>
+            <a:r>
+              <a:rPr lang="en-US" altLang="zh-CN" sz="2000" dirty="0">
+                <a:solidFill>
+                  <a:schemeClr val="tx1">
+                    <a:lumMod val="65000"/>
+                    <a:lumOff val="35000"/>
+                  </a:schemeClr>
+                </a:solidFill>
+                <a:latin typeface="微软雅黑" panose="020B0503020204020204" pitchFamily="34" charset="-122"/>
+                <a:ea typeface="微软雅黑" panose="020B0503020204020204" pitchFamily="34" charset="-122"/>
+              </a:rPr>
+              <a:t>】</a:t>
+            </a:r>
+            <a:r>
+              <a:rPr lang="zh-CN" altLang="en-US" sz="1400" dirty="0">
+                <a:solidFill>
+                  <a:schemeClr val="tx1">
+                    <a:lumMod val="65000"/>
+                    <a:lumOff val="35000"/>
+                  </a:schemeClr>
+                </a:solidFill>
+                <a:latin typeface="微软雅黑" panose="020B0503020204020204" pitchFamily="34" charset="-122"/>
+                <a:ea typeface="微软雅黑" panose="020B0503020204020204" pitchFamily="34" charset="-122"/>
+              </a:rPr>
+              <a:t>（宋）杨万里</a:t>
+            </a:r>
+          </a:p>
+          <a:p>
+            <a:pPr algn="ctr">
+              <a:lnSpc>
+                <a:spcPct val="150000"/>
+              </a:lnSpc>
+            </a:pPr>
+            <a:r>
+              <a:rPr lang="zh-CN" altLang="en-US" sz="2000" dirty="0">
+                <a:solidFill>
+                  <a:schemeClr val="tx1">
+                    <a:lumMod val="65000"/>
+                    <a:lumOff val="35000"/>
+                  </a:schemeClr>
+                </a:solidFill>
+                <a:latin typeface="微软雅黑" panose="020B0503020204020204" pitchFamily="34" charset="-122"/>
+                <a:ea typeface="微软雅黑" panose="020B0503020204020204" pitchFamily="34" charset="-122"/>
+              </a:rPr>
+              <a:t>毕竟西湖六月中，</a:t>
+            </a:r>
+          </a:p>
+          <a:p>
+            <a:pPr algn="ctr">
+              <a:lnSpc>
+                <a:spcPct val="150000"/>
+              </a:lnSpc>
+            </a:pPr>
+            <a:r>
+              <a:rPr lang="zh-CN" altLang="en-US" sz="2000" dirty="0">
+                <a:solidFill>
+                  <a:schemeClr val="tx1">
+                    <a:lumMod val="65000"/>
+                    <a:lumOff val="35000"/>
+                  </a:schemeClr>
+                </a:solidFill>
+                <a:latin typeface="微软雅黑" panose="020B0503020204020204" pitchFamily="34" charset="-122"/>
+                <a:ea typeface="微软雅黑" panose="020B0503020204020204" pitchFamily="34" charset="-122"/>
+              </a:rPr>
+              <a:t>风光不与四时同。</a:t>
+            </a:r>
+          </a:p>
+          <a:p>
+            <a:pPr algn="ctr">
+              <a:lnSpc>
+                <a:spcPct val="150000"/>
+              </a:lnSpc>
+            </a:pPr>
+            <a:r>
+              <a:rPr lang="zh-CN" altLang="en-US" sz="2000" dirty="0">
+                <a:solidFill>
+                  <a:schemeClr val="tx1">
+                    <a:lumMod val="65000"/>
+                    <a:lumOff val="35000"/>
+                  </a:schemeClr>
+                </a:solidFill>
+                <a:latin typeface="微软雅黑" panose="020B0503020204020204" pitchFamily="34" charset="-122"/>
+                <a:ea typeface="微软雅黑" panose="020B0503020204020204" pitchFamily="34" charset="-122"/>
+              </a:rPr>
+              <a:t>接天莲叶无穷碧，</a:t>
+            </a:r>
+          </a:p>
+          <a:p>
+            <a:pPr algn="ctr">
+              <a:lnSpc>
+                <a:spcPct val="150000"/>
+              </a:lnSpc>
+            </a:pPr>
+            <a:r>
+              <a:rPr lang="zh-CN" altLang="en-US" sz="2000" dirty="0">
+                <a:solidFill>
+                  <a:schemeClr val="tx1">
+                    <a:lumMod val="65000"/>
+                    <a:lumOff val="35000"/>
+                  </a:schemeClr>
+                </a:solidFill>
+                <a:latin typeface="微软雅黑" panose="020B0503020204020204" pitchFamily="34" charset="-122"/>
+                <a:ea typeface="微软雅黑" panose="020B0503020204020204" pitchFamily="34" charset="-122"/>
+              </a:rPr>
+              <a:t>映日荷花别样红。</a:t>
+            </a:r>
+            <a:r>
+              <a:rPr lang="zh-CN" altLang="en-US" sz="2000" dirty="0"/>
+              <a:t>。</a:t>
+            </a:r>
+          </a:p>
+        </p:txBody>
+      </p:sp>
     </p:spTree>
     <p:extLst>
       <p:ext uri="{BB962C8B-B14F-4D97-AF65-F5344CB8AC3E}">
-        <p14:creationId xmlns:p14="http://schemas.microsoft.com/office/powerpoint/2010/main" val="777545116"/>
+        <p14:creationId xmlns:p14="http://schemas.microsoft.com/office/powerpoint/2010/main" val="1250065993"/>
       </p:ext>
     </p:extLst>
   </p:cSld>
@@ -7937,7 +7860,7 @@
           <p:cNvPr id="2" name="标题 1">
             <a:extLst>
               <a:ext uri="{FF2B5EF4-FFF2-40B4-BE49-F238E27FC236}">
-                <a16:creationId xmlns:a16="http://schemas.microsoft.com/office/drawing/2014/main" id="{5411B314-BB21-4E7E-89AC-EB58A0DC7A8A}"/>
+                <a16:creationId xmlns:a16="http://schemas.microsoft.com/office/drawing/2014/main" id="{D7164562-FCC5-4C3E-AF68-332F6BC2C15C}"/>
               </a:ext>
             </a:extLst>
           </p:cNvPr>
@@ -7951,255 +7874,55 @@
         <p:spPr/>
         <p:txBody>
           <a:bodyPr>
-            <a:normAutofit/>
+            <a:normAutofit fontScale="90000"/>
           </a:bodyPr>
           <a:lstStyle/>
           <a:p>
             <a:pPr algn="ctr"/>
             <a:r>
-              <a:rPr lang="zh-CN" altLang="zh-CN" sz="3600" kern="100" dirty="0">
+              <a:rPr lang="zh-CN" altLang="en-US" sz="4000" dirty="0">
                 <a:solidFill>
                   <a:schemeClr val="tx1">
                     <a:lumMod val="65000"/>
                     <a:lumOff val="35000"/>
                   </a:schemeClr>
                 </a:solidFill>
-                <a:effectLst/>
                 <a:latin typeface="微软雅黑" panose="020B0503020204020204" pitchFamily="34" charset="-122"/>
                 <a:ea typeface="微软雅黑" panose="020B0503020204020204" pitchFamily="34" charset="-122"/>
-                <a:cs typeface="宋体" panose="02010600030101010101" pitchFamily="2" charset="-122"/>
               </a:rPr>
-              <a:t>描写</a:t>
-            </a:r>
-            <a:r>
-              <a:rPr lang="zh-CN" altLang="en-US" sz="3600" kern="100" dirty="0">
+              <a:t>描写夏天景物的诗词</a:t>
+            </a:r>
+            <a:br>
+              <a:rPr lang="zh-CN" altLang="en-US" sz="3600" dirty="0">
                 <a:solidFill>
                   <a:schemeClr val="tx1">
                     <a:lumMod val="65000"/>
                     <a:lumOff val="35000"/>
                   </a:schemeClr>
                 </a:solidFill>
-                <a:effectLst/>
-                <a:latin typeface="微软雅黑" panose="020B0503020204020204" pitchFamily="34" charset="-122"/>
-                <a:ea typeface="微软雅黑" panose="020B0503020204020204" pitchFamily="34" charset="-122"/>
-                <a:cs typeface="宋体" panose="02010600030101010101" pitchFamily="2" charset="-122"/>
-              </a:rPr>
-              <a:t>夏</a:t>
-            </a:r>
-            <a:r>
-              <a:rPr lang="zh-CN" altLang="zh-CN" sz="3600" kern="100" dirty="0">
-                <a:solidFill>
-                  <a:schemeClr val="tx1">
-                    <a:lumMod val="65000"/>
-                    <a:lumOff val="35000"/>
-                  </a:schemeClr>
-                </a:solidFill>
-                <a:effectLst/>
-                <a:latin typeface="微软雅黑" panose="020B0503020204020204" pitchFamily="34" charset="-122"/>
-                <a:ea typeface="微软雅黑" panose="020B0503020204020204" pitchFamily="34" charset="-122"/>
-                <a:cs typeface="宋体" panose="02010600030101010101" pitchFamily="2" charset="-122"/>
-              </a:rPr>
-              <a:t>天景物的诗词</a:t>
-            </a:r>
-            <a:endParaRPr lang="zh-CN" altLang="en-US" sz="3600" dirty="0">
-              <a:solidFill>
-                <a:schemeClr val="tx1">
-                  <a:lumMod val="65000"/>
-                  <a:lumOff val="35000"/>
-                </a:schemeClr>
-              </a:solidFill>
-              <a:latin typeface="微软雅黑" panose="020B0503020204020204" pitchFamily="34" charset="-122"/>
-              <a:ea typeface="微软雅黑" panose="020B0503020204020204" pitchFamily="34" charset="-122"/>
-            </a:endParaRPr>
-          </a:p>
-        </p:txBody>
-      </p:sp>
-      <p:sp>
-        <p:nvSpPr>
-          <p:cNvPr id="3" name="内容占位符 2">
-            <a:extLst>
-              <a:ext uri="{FF2B5EF4-FFF2-40B4-BE49-F238E27FC236}">
-                <a16:creationId xmlns:a16="http://schemas.microsoft.com/office/drawing/2014/main" id="{A747A335-A2B9-4C87-B3C1-CB3A4F8B7707}"/>
-              </a:ext>
-            </a:extLst>
-          </p:cNvPr>
-          <p:cNvSpPr>
-            <a:spLocks noGrp="1"/>
-          </p:cNvSpPr>
-          <p:nvPr>
-            <p:ph idx="1"/>
-          </p:nvPr>
-        </p:nvSpPr>
-        <p:spPr>
-          <a:xfrm>
-            <a:off x="628650" y="1482627"/>
-            <a:ext cx="7886700" cy="3263504"/>
-          </a:xfrm>
-        </p:spPr>
-        <p:txBody>
-          <a:bodyPr>
-            <a:normAutofit/>
-          </a:bodyPr>
-          <a:lstStyle/>
-          <a:p>
-            <a:pPr marL="0" indent="0" algn="ctr">
-              <a:lnSpc>
-                <a:spcPct val="150000"/>
-              </a:lnSpc>
-              <a:buNone/>
-            </a:pPr>
-            <a:r>
-              <a:rPr lang="en-US" altLang="zh-CN" sz="2000" dirty="0">
-                <a:solidFill>
-                  <a:schemeClr val="tx1">
-                    <a:lumMod val="65000"/>
-                    <a:lumOff val="35000"/>
-                  </a:schemeClr>
-                </a:solidFill>
                 <a:latin typeface="微软雅黑" panose="020B0503020204020204" pitchFamily="34" charset="-122"/>
                 <a:ea typeface="微软雅黑" panose="020B0503020204020204" pitchFamily="34" charset="-122"/>
               </a:rPr>
-              <a:t>【</a:t>
-            </a:r>
-            <a:r>
-              <a:rPr lang="zh-CN" altLang="en-US" sz="2000" dirty="0">
-                <a:solidFill>
-                  <a:schemeClr val="tx1">
-                    <a:lumMod val="65000"/>
-                    <a:lumOff val="35000"/>
-                  </a:schemeClr>
-                </a:solidFill>
-                <a:latin typeface="微软雅黑" panose="020B0503020204020204" pitchFamily="34" charset="-122"/>
-                <a:ea typeface="微软雅黑" panose="020B0503020204020204" pitchFamily="34" charset="-122"/>
-              </a:rPr>
-              <a:t>饮湖上初晴后雨</a:t>
-            </a:r>
-            <a:r>
-              <a:rPr lang="en-US" altLang="zh-CN" sz="2000" dirty="0">
-                <a:solidFill>
-                  <a:schemeClr val="tx1">
-                    <a:lumMod val="65000"/>
-                    <a:lumOff val="35000"/>
-                  </a:schemeClr>
-                </a:solidFill>
-                <a:latin typeface="微软雅黑" panose="020B0503020204020204" pitchFamily="34" charset="-122"/>
-                <a:ea typeface="微软雅黑" panose="020B0503020204020204" pitchFamily="34" charset="-122"/>
-              </a:rPr>
-              <a:t>】</a:t>
-            </a:r>
-            <a:r>
-              <a:rPr lang="zh-CN" altLang="en-US" sz="1400" dirty="0">
-                <a:solidFill>
-                  <a:schemeClr val="tx1">
-                    <a:lumMod val="65000"/>
-                    <a:lumOff val="35000"/>
-                  </a:schemeClr>
-                </a:solidFill>
-                <a:latin typeface="微软雅黑" panose="020B0503020204020204" pitchFamily="34" charset="-122"/>
-                <a:ea typeface="微软雅黑" panose="020B0503020204020204" pitchFamily="34" charset="-122"/>
-              </a:rPr>
-              <a:t>（宋）苏轼 </a:t>
-            </a:r>
-          </a:p>
-          <a:p>
-            <a:pPr marL="0" indent="0" algn="ctr">
-              <a:lnSpc>
-                <a:spcPct val="150000"/>
-              </a:lnSpc>
-              <a:buNone/>
-            </a:pPr>
-            <a:r>
-              <a:rPr lang="zh-CN" altLang="en-US" sz="2000" dirty="0">
-                <a:solidFill>
-                  <a:schemeClr val="tx1">
-                    <a:lumMod val="65000"/>
-                    <a:lumOff val="35000"/>
-                  </a:schemeClr>
-                </a:solidFill>
-                <a:latin typeface="微软雅黑" panose="020B0503020204020204" pitchFamily="34" charset="-122"/>
-                <a:ea typeface="微软雅黑" panose="020B0503020204020204" pitchFamily="34" charset="-122"/>
-              </a:rPr>
-              <a:t>水光潋滟晴方好，</a:t>
-            </a:r>
-          </a:p>
-          <a:p>
-            <a:pPr marL="0" indent="0" algn="ctr">
-              <a:lnSpc>
-                <a:spcPct val="150000"/>
-              </a:lnSpc>
-              <a:buNone/>
-            </a:pPr>
-            <a:r>
-              <a:rPr lang="zh-CN" altLang="en-US" sz="2000" dirty="0">
-                <a:solidFill>
-                  <a:schemeClr val="tx1">
-                    <a:lumMod val="65000"/>
-                    <a:lumOff val="35000"/>
-                  </a:schemeClr>
-                </a:solidFill>
-                <a:latin typeface="微软雅黑" panose="020B0503020204020204" pitchFamily="34" charset="-122"/>
-                <a:ea typeface="微软雅黑" panose="020B0503020204020204" pitchFamily="34" charset="-122"/>
-              </a:rPr>
-              <a:t>山色空蒙雨亦奇。</a:t>
-            </a:r>
-          </a:p>
-          <a:p>
-            <a:pPr marL="0" indent="0" algn="ctr">
-              <a:lnSpc>
-                <a:spcPct val="150000"/>
-              </a:lnSpc>
-              <a:buNone/>
-            </a:pPr>
-            <a:r>
-              <a:rPr lang="zh-CN" altLang="en-US" sz="2000" dirty="0">
-                <a:solidFill>
-                  <a:schemeClr val="tx1">
-                    <a:lumMod val="65000"/>
-                    <a:lumOff val="35000"/>
-                  </a:schemeClr>
-                </a:solidFill>
-                <a:latin typeface="微软雅黑" panose="020B0503020204020204" pitchFamily="34" charset="-122"/>
-                <a:ea typeface="微软雅黑" panose="020B0503020204020204" pitchFamily="34" charset="-122"/>
-              </a:rPr>
-              <a:t>欲把西湖比西子，</a:t>
-            </a:r>
-          </a:p>
-          <a:p>
-            <a:pPr marL="0" indent="0" algn="ctr">
-              <a:lnSpc>
-                <a:spcPct val="150000"/>
-              </a:lnSpc>
-              <a:buNone/>
-            </a:pPr>
-            <a:r>
-              <a:rPr lang="zh-CN" altLang="en-US" sz="2000" dirty="0">
-                <a:solidFill>
-                  <a:schemeClr val="tx1">
-                    <a:lumMod val="65000"/>
-                    <a:lumOff val="35000"/>
-                  </a:schemeClr>
-                </a:solidFill>
-                <a:latin typeface="微软雅黑" panose="020B0503020204020204" pitchFamily="34" charset="-122"/>
-                <a:ea typeface="微软雅黑" panose="020B0503020204020204" pitchFamily="34" charset="-122"/>
-              </a:rPr>
-              <a:t>浓妆淡抹总相宜。</a:t>
-            </a:r>
+            </a:br>
+            <a:endParaRPr lang="zh-CN" altLang="en-US" dirty="0"/>
           </a:p>
         </p:txBody>
       </p:sp>
       <p:pic>
         <p:nvPicPr>
-          <p:cNvPr id="5" name="图片 4">
+          <p:cNvPr id="5" name="内容占位符 4">
             <a:extLst>
               <a:ext uri="{FF2B5EF4-FFF2-40B4-BE49-F238E27FC236}">
-                <a16:creationId xmlns:a16="http://schemas.microsoft.com/office/drawing/2014/main" id="{4297C969-EB59-4FEA-B52E-A6579CCD8B14}"/>
+                <a16:creationId xmlns:a16="http://schemas.microsoft.com/office/drawing/2014/main" id="{16E84362-7970-4131-B130-299A0BCA3880}"/>
               </a:ext>
             </a:extLst>
           </p:cNvPr>
           <p:cNvPicPr>
-            <a:picLocks noChangeAspect="1"/>
+            <a:picLocks noGrp="1" noChangeAspect="1"/>
           </p:cNvPicPr>
-          <p:nvPr/>
+          <p:nvPr>
+            <p:ph idx="1"/>
+          </p:nvPr>
         </p:nvPicPr>
         <p:blipFill>
           <a:blip r:embed="rId2">
@@ -8215,18 +7938,186 @@
         </p:blipFill>
         <p:spPr>
           <a:xfrm>
-            <a:off x="1939825" y="1140589"/>
-            <a:ext cx="5760000" cy="150183"/>
+            <a:off x="2313934" y="880533"/>
+            <a:ext cx="4412409" cy="115047"/>
+          </a:xfrm>
+        </p:spPr>
+      </p:pic>
+      <p:sp>
+        <p:nvSpPr>
+          <p:cNvPr id="6" name="矩形 5">
+            <a:extLst>
+              <a:ext uri="{FF2B5EF4-FFF2-40B4-BE49-F238E27FC236}">
+                <a16:creationId xmlns:a16="http://schemas.microsoft.com/office/drawing/2014/main" id="{D068EF59-9457-4F7C-BD7C-18D9F4398721}"/>
+              </a:ext>
+            </a:extLst>
+          </p:cNvPr>
+          <p:cNvSpPr/>
+          <p:nvPr/>
+        </p:nvSpPr>
+        <p:spPr>
+          <a:xfrm>
+            <a:off x="3184733" y="1459838"/>
+            <a:ext cx="2774533" cy="2675348"/>
           </a:xfrm>
           <a:prstGeom prst="rect">
             <a:avLst/>
           </a:prstGeom>
         </p:spPr>
-      </p:pic>
+        <p:txBody>
+          <a:bodyPr wrap="square">
+            <a:spAutoFit/>
+          </a:bodyPr>
+          <a:lstStyle/>
+          <a:p>
+            <a:pPr algn="ctr">
+              <a:lnSpc>
+                <a:spcPct val="150000"/>
+              </a:lnSpc>
+            </a:pPr>
+            <a:r>
+              <a:rPr lang="en-US" altLang="zh-CN" sz="2000" dirty="0">
+                <a:solidFill>
+                  <a:schemeClr val="tx1">
+                    <a:lumMod val="65000"/>
+                    <a:lumOff val="35000"/>
+                  </a:schemeClr>
+                </a:solidFill>
+                <a:latin typeface="微软雅黑" panose="020B0503020204020204" pitchFamily="34" charset="-122"/>
+                <a:ea typeface="微软雅黑" panose="020B0503020204020204" pitchFamily="34" charset="-122"/>
+              </a:rPr>
+              <a:t>【</a:t>
+            </a:r>
+            <a:r>
+              <a:rPr lang="zh-CN" altLang="en-US" sz="2000" dirty="0">
+                <a:solidFill>
+                  <a:schemeClr val="tx1">
+                    <a:lumMod val="65000"/>
+                    <a:lumOff val="35000"/>
+                  </a:schemeClr>
+                </a:solidFill>
+                <a:latin typeface="微软雅黑" panose="020B0503020204020204" pitchFamily="34" charset="-122"/>
+                <a:ea typeface="微软雅黑" panose="020B0503020204020204" pitchFamily="34" charset="-122"/>
+              </a:rPr>
+              <a:t>饮湖上初晴后雨</a:t>
+            </a:r>
+            <a:r>
+              <a:rPr lang="en-US" altLang="zh-CN" sz="2000" dirty="0">
+                <a:solidFill>
+                  <a:schemeClr val="tx1">
+                    <a:lumMod val="65000"/>
+                    <a:lumOff val="35000"/>
+                  </a:schemeClr>
+                </a:solidFill>
+                <a:latin typeface="微软雅黑" panose="020B0503020204020204" pitchFamily="34" charset="-122"/>
+                <a:ea typeface="微软雅黑" panose="020B0503020204020204" pitchFamily="34" charset="-122"/>
+              </a:rPr>
+              <a:t>】</a:t>
+            </a:r>
+            <a:r>
+              <a:rPr lang="zh-CN" altLang="en-US" sz="1400" dirty="0">
+                <a:solidFill>
+                  <a:schemeClr val="tx1">
+                    <a:lumMod val="65000"/>
+                    <a:lumOff val="35000"/>
+                  </a:schemeClr>
+                </a:solidFill>
+                <a:latin typeface="微软雅黑" panose="020B0503020204020204" pitchFamily="34" charset="-122"/>
+                <a:ea typeface="微软雅黑" panose="020B0503020204020204" pitchFamily="34" charset="-122"/>
+              </a:rPr>
+              <a:t>（宋）苏轼 </a:t>
+            </a:r>
+          </a:p>
+          <a:p>
+            <a:pPr algn="ctr">
+              <a:lnSpc>
+                <a:spcPct val="150000"/>
+              </a:lnSpc>
+            </a:pPr>
+            <a:r>
+              <a:rPr lang="zh-CN" altLang="en-US" sz="2000" dirty="0">
+                <a:solidFill>
+                  <a:schemeClr val="tx1">
+                    <a:lumMod val="65000"/>
+                    <a:lumOff val="35000"/>
+                  </a:schemeClr>
+                </a:solidFill>
+                <a:latin typeface="微软雅黑" panose="020B0503020204020204" pitchFamily="34" charset="-122"/>
+                <a:ea typeface="微软雅黑" panose="020B0503020204020204" pitchFamily="34" charset="-122"/>
+              </a:rPr>
+              <a:t>水光潋滟晴方好，</a:t>
+            </a:r>
+          </a:p>
+          <a:p>
+            <a:pPr algn="ctr">
+              <a:lnSpc>
+                <a:spcPct val="150000"/>
+              </a:lnSpc>
+            </a:pPr>
+            <a:r>
+              <a:rPr lang="zh-CN" altLang="en-US" sz="2000" dirty="0">
+                <a:solidFill>
+                  <a:schemeClr val="tx1">
+                    <a:lumMod val="65000"/>
+                    <a:lumOff val="35000"/>
+                  </a:schemeClr>
+                </a:solidFill>
+                <a:latin typeface="微软雅黑" panose="020B0503020204020204" pitchFamily="34" charset="-122"/>
+                <a:ea typeface="微软雅黑" panose="020B0503020204020204" pitchFamily="34" charset="-122"/>
+              </a:rPr>
+              <a:t>山色空蒙雨亦奇。</a:t>
+            </a:r>
+          </a:p>
+          <a:p>
+            <a:pPr algn="ctr">
+              <a:lnSpc>
+                <a:spcPct val="150000"/>
+              </a:lnSpc>
+            </a:pPr>
+            <a:r>
+              <a:rPr lang="zh-CN" altLang="en-US" sz="2000" dirty="0">
+                <a:solidFill>
+                  <a:schemeClr val="tx1">
+                    <a:lumMod val="65000"/>
+                    <a:lumOff val="35000"/>
+                  </a:schemeClr>
+                </a:solidFill>
+                <a:latin typeface="微软雅黑" panose="020B0503020204020204" pitchFamily="34" charset="-122"/>
+                <a:ea typeface="微软雅黑" panose="020B0503020204020204" pitchFamily="34" charset="-122"/>
+              </a:rPr>
+              <a:t>欲把西湖比西子，</a:t>
+            </a:r>
+          </a:p>
+          <a:p>
+            <a:pPr algn="ctr">
+              <a:lnSpc>
+                <a:spcPct val="150000"/>
+              </a:lnSpc>
+            </a:pPr>
+            <a:r>
+              <a:rPr lang="zh-CN" altLang="en-US" sz="2000" dirty="0">
+                <a:solidFill>
+                  <a:schemeClr val="tx1">
+                    <a:lumMod val="65000"/>
+                    <a:lumOff val="35000"/>
+                  </a:schemeClr>
+                </a:solidFill>
+                <a:latin typeface="微软雅黑" panose="020B0503020204020204" pitchFamily="34" charset="-122"/>
+                <a:ea typeface="微软雅黑" panose="020B0503020204020204" pitchFamily="34" charset="-122"/>
+              </a:rPr>
+              <a:t>浓妆淡抹总相宜。</a:t>
+            </a:r>
+            <a:r>
+              <a:rPr lang="zh-CN" altLang="en-US" sz="2000" dirty="0"/>
+              <a:t>。</a:t>
+            </a:r>
+          </a:p>
+        </p:txBody>
+      </p:sp>
     </p:spTree>
     <p:extLst>
       <p:ext uri="{BB962C8B-B14F-4D97-AF65-F5344CB8AC3E}">
-        <p14:creationId xmlns:p14="http://schemas.microsoft.com/office/powerpoint/2010/main" val="3084525920"/>
+        <p14:creationId xmlns:p14="http://schemas.microsoft.com/office/powerpoint/2010/main" val="145501612"/>
       </p:ext>
     </p:extLst>
   </p:cSld>
@@ -8258,7 +8149,7 @@
           <p:cNvPr id="2" name="标题 1">
             <a:extLst>
               <a:ext uri="{FF2B5EF4-FFF2-40B4-BE49-F238E27FC236}">
-                <a16:creationId xmlns:a16="http://schemas.microsoft.com/office/drawing/2014/main" id="{5411B314-BB21-4E7E-89AC-EB58A0DC7A8A}"/>
+                <a16:creationId xmlns:a16="http://schemas.microsoft.com/office/drawing/2014/main" id="{D7164562-FCC5-4C3E-AF68-332F6BC2C15C}"/>
               </a:ext>
             </a:extLst>
           </p:cNvPr>
@@ -8272,255 +8163,55 @@
         <p:spPr/>
         <p:txBody>
           <a:bodyPr>
-            <a:normAutofit/>
+            <a:normAutofit fontScale="90000"/>
           </a:bodyPr>
           <a:lstStyle/>
           <a:p>
             <a:pPr algn="ctr"/>
             <a:r>
-              <a:rPr lang="zh-CN" altLang="zh-CN" sz="3600" kern="100" dirty="0">
+              <a:rPr lang="zh-CN" altLang="en-US" sz="4000" dirty="0">
                 <a:solidFill>
                   <a:schemeClr val="tx1">
                     <a:lumMod val="65000"/>
                     <a:lumOff val="35000"/>
                   </a:schemeClr>
                 </a:solidFill>
-                <a:effectLst/>
                 <a:latin typeface="微软雅黑" panose="020B0503020204020204" pitchFamily="34" charset="-122"/>
                 <a:ea typeface="微软雅黑" panose="020B0503020204020204" pitchFamily="34" charset="-122"/>
-                <a:cs typeface="宋体" panose="02010600030101010101" pitchFamily="2" charset="-122"/>
               </a:rPr>
-              <a:t>描写</a:t>
-            </a:r>
-            <a:r>
-              <a:rPr lang="zh-CN" altLang="en-US" sz="3600" kern="100" dirty="0">
+              <a:t>描写秋天景物的诗词</a:t>
+            </a:r>
+            <a:br>
+              <a:rPr lang="zh-CN" altLang="en-US" sz="3600" dirty="0">
                 <a:solidFill>
                   <a:schemeClr val="tx1">
                     <a:lumMod val="65000"/>
                     <a:lumOff val="35000"/>
                   </a:schemeClr>
                 </a:solidFill>
-                <a:effectLst/>
-                <a:latin typeface="微软雅黑" panose="020B0503020204020204" pitchFamily="34" charset="-122"/>
-                <a:ea typeface="微软雅黑" panose="020B0503020204020204" pitchFamily="34" charset="-122"/>
-                <a:cs typeface="宋体" panose="02010600030101010101" pitchFamily="2" charset="-122"/>
-              </a:rPr>
-              <a:t>秋</a:t>
-            </a:r>
-            <a:r>
-              <a:rPr lang="zh-CN" altLang="zh-CN" sz="3600" kern="100" dirty="0">
-                <a:solidFill>
-                  <a:schemeClr val="tx1">
-                    <a:lumMod val="65000"/>
-                    <a:lumOff val="35000"/>
-                  </a:schemeClr>
-                </a:solidFill>
-                <a:effectLst/>
-                <a:latin typeface="微软雅黑" panose="020B0503020204020204" pitchFamily="34" charset="-122"/>
-                <a:ea typeface="微软雅黑" panose="020B0503020204020204" pitchFamily="34" charset="-122"/>
-                <a:cs typeface="宋体" panose="02010600030101010101" pitchFamily="2" charset="-122"/>
-              </a:rPr>
-              <a:t>天景物的诗词</a:t>
-            </a:r>
-            <a:endParaRPr lang="zh-CN" altLang="en-US" sz="3600" dirty="0">
-              <a:solidFill>
-                <a:schemeClr val="tx1">
-                  <a:lumMod val="65000"/>
-                  <a:lumOff val="35000"/>
-                </a:schemeClr>
-              </a:solidFill>
-              <a:latin typeface="微软雅黑" panose="020B0503020204020204" pitchFamily="34" charset="-122"/>
-              <a:ea typeface="微软雅黑" panose="020B0503020204020204" pitchFamily="34" charset="-122"/>
-            </a:endParaRPr>
-          </a:p>
-        </p:txBody>
-      </p:sp>
-      <p:sp>
-        <p:nvSpPr>
-          <p:cNvPr id="3" name="内容占位符 2">
-            <a:extLst>
-              <a:ext uri="{FF2B5EF4-FFF2-40B4-BE49-F238E27FC236}">
-                <a16:creationId xmlns:a16="http://schemas.microsoft.com/office/drawing/2014/main" id="{A747A335-A2B9-4C87-B3C1-CB3A4F8B7707}"/>
-              </a:ext>
-            </a:extLst>
-          </p:cNvPr>
-          <p:cNvSpPr>
-            <a:spLocks noGrp="1"/>
-          </p:cNvSpPr>
-          <p:nvPr>
-            <p:ph idx="1"/>
-          </p:nvPr>
-        </p:nvSpPr>
-        <p:spPr>
-          <a:xfrm>
-            <a:off x="628650" y="1482627"/>
-            <a:ext cx="7886700" cy="3263504"/>
-          </a:xfrm>
-        </p:spPr>
-        <p:txBody>
-          <a:bodyPr>
-            <a:normAutofit/>
-          </a:bodyPr>
-          <a:lstStyle/>
-          <a:p>
-            <a:pPr marL="0" indent="0" algn="ctr">
-              <a:lnSpc>
-                <a:spcPct val="150000"/>
-              </a:lnSpc>
-              <a:buNone/>
-            </a:pPr>
-            <a:r>
-              <a:rPr lang="en-US" altLang="zh-CN" sz="2000" dirty="0">
-                <a:solidFill>
-                  <a:schemeClr val="tx1">
-                    <a:lumMod val="65000"/>
-                    <a:lumOff val="35000"/>
-                  </a:schemeClr>
-                </a:solidFill>
                 <a:latin typeface="微软雅黑" panose="020B0503020204020204" pitchFamily="34" charset="-122"/>
                 <a:ea typeface="微软雅黑" panose="020B0503020204020204" pitchFamily="34" charset="-122"/>
               </a:rPr>
-              <a:t>【</a:t>
-            </a:r>
-            <a:r>
-              <a:rPr lang="zh-CN" altLang="en-US" sz="2000" dirty="0">
-                <a:solidFill>
-                  <a:schemeClr val="tx1">
-                    <a:lumMod val="65000"/>
-                    <a:lumOff val="35000"/>
-                  </a:schemeClr>
-                </a:solidFill>
-                <a:latin typeface="微软雅黑" panose="020B0503020204020204" pitchFamily="34" charset="-122"/>
-                <a:ea typeface="微软雅黑" panose="020B0503020204020204" pitchFamily="34" charset="-122"/>
-              </a:rPr>
-              <a:t>山行</a:t>
-            </a:r>
-            <a:r>
-              <a:rPr lang="en-US" altLang="zh-CN" sz="2000" dirty="0">
-                <a:solidFill>
-                  <a:schemeClr val="tx1">
-                    <a:lumMod val="65000"/>
-                    <a:lumOff val="35000"/>
-                  </a:schemeClr>
-                </a:solidFill>
-                <a:latin typeface="微软雅黑" panose="020B0503020204020204" pitchFamily="34" charset="-122"/>
-                <a:ea typeface="微软雅黑" panose="020B0503020204020204" pitchFamily="34" charset="-122"/>
-              </a:rPr>
-              <a:t>】</a:t>
-            </a:r>
-            <a:r>
-              <a:rPr lang="zh-CN" altLang="en-US" sz="1400" dirty="0">
-                <a:solidFill>
-                  <a:schemeClr val="tx1">
-                    <a:lumMod val="65000"/>
-                    <a:lumOff val="35000"/>
-                  </a:schemeClr>
-                </a:solidFill>
-                <a:latin typeface="微软雅黑" panose="020B0503020204020204" pitchFamily="34" charset="-122"/>
-                <a:ea typeface="微软雅黑" panose="020B0503020204020204" pitchFamily="34" charset="-122"/>
-              </a:rPr>
-              <a:t>（唐）杜牧</a:t>
-            </a:r>
-          </a:p>
-          <a:p>
-            <a:pPr marL="0" indent="0" algn="ctr">
-              <a:lnSpc>
-                <a:spcPct val="150000"/>
-              </a:lnSpc>
-              <a:buNone/>
-            </a:pPr>
-            <a:r>
-              <a:rPr lang="zh-CN" altLang="en-US" sz="2000" dirty="0">
-                <a:solidFill>
-                  <a:schemeClr val="tx1">
-                    <a:lumMod val="65000"/>
-                    <a:lumOff val="35000"/>
-                  </a:schemeClr>
-                </a:solidFill>
-                <a:latin typeface="微软雅黑" panose="020B0503020204020204" pitchFamily="34" charset="-122"/>
-                <a:ea typeface="微软雅黑" panose="020B0503020204020204" pitchFamily="34" charset="-122"/>
-              </a:rPr>
-              <a:t>远上寒山石径斜，</a:t>
-            </a:r>
-          </a:p>
-          <a:p>
-            <a:pPr marL="0" indent="0" algn="ctr">
-              <a:lnSpc>
-                <a:spcPct val="150000"/>
-              </a:lnSpc>
-              <a:buNone/>
-            </a:pPr>
-            <a:r>
-              <a:rPr lang="zh-CN" altLang="en-US" sz="2000" dirty="0">
-                <a:solidFill>
-                  <a:schemeClr val="tx1">
-                    <a:lumMod val="65000"/>
-                    <a:lumOff val="35000"/>
-                  </a:schemeClr>
-                </a:solidFill>
-                <a:latin typeface="微软雅黑" panose="020B0503020204020204" pitchFamily="34" charset="-122"/>
-                <a:ea typeface="微软雅黑" panose="020B0503020204020204" pitchFamily="34" charset="-122"/>
-              </a:rPr>
-              <a:t>白云深处有人家。</a:t>
-            </a:r>
-          </a:p>
-          <a:p>
-            <a:pPr marL="0" indent="0" algn="ctr">
-              <a:lnSpc>
-                <a:spcPct val="150000"/>
-              </a:lnSpc>
-              <a:buNone/>
-            </a:pPr>
-            <a:r>
-              <a:rPr lang="zh-CN" altLang="en-US" sz="2000" dirty="0">
-                <a:solidFill>
-                  <a:schemeClr val="tx1">
-                    <a:lumMod val="65000"/>
-                    <a:lumOff val="35000"/>
-                  </a:schemeClr>
-                </a:solidFill>
-                <a:latin typeface="微软雅黑" panose="020B0503020204020204" pitchFamily="34" charset="-122"/>
-                <a:ea typeface="微软雅黑" panose="020B0503020204020204" pitchFamily="34" charset="-122"/>
-              </a:rPr>
-              <a:t>停车坐爱枫林晚，</a:t>
-            </a:r>
-          </a:p>
-          <a:p>
-            <a:pPr marL="0" indent="0" algn="ctr">
-              <a:lnSpc>
-                <a:spcPct val="150000"/>
-              </a:lnSpc>
-              <a:buNone/>
-            </a:pPr>
-            <a:r>
-              <a:rPr lang="zh-CN" altLang="en-US" sz="2000" dirty="0">
-                <a:solidFill>
-                  <a:schemeClr val="tx1">
-                    <a:lumMod val="65000"/>
-                    <a:lumOff val="35000"/>
-                  </a:schemeClr>
-                </a:solidFill>
-                <a:latin typeface="微软雅黑" panose="020B0503020204020204" pitchFamily="34" charset="-122"/>
-                <a:ea typeface="微软雅黑" panose="020B0503020204020204" pitchFamily="34" charset="-122"/>
-              </a:rPr>
-              <a:t>霜叶红于二月花。</a:t>
-            </a:r>
+            </a:br>
+            <a:endParaRPr lang="zh-CN" altLang="en-US" dirty="0"/>
           </a:p>
         </p:txBody>
       </p:sp>
       <p:pic>
         <p:nvPicPr>
-          <p:cNvPr id="5" name="图片 4">
+          <p:cNvPr id="5" name="内容占位符 4">
             <a:extLst>
               <a:ext uri="{FF2B5EF4-FFF2-40B4-BE49-F238E27FC236}">
-                <a16:creationId xmlns:a16="http://schemas.microsoft.com/office/drawing/2014/main" id="{4297C969-EB59-4FEA-B52E-A6579CCD8B14}"/>
+                <a16:creationId xmlns:a16="http://schemas.microsoft.com/office/drawing/2014/main" id="{16E84362-7970-4131-B130-299A0BCA3880}"/>
               </a:ext>
             </a:extLst>
           </p:cNvPr>
           <p:cNvPicPr>
-            <a:picLocks noChangeAspect="1"/>
+            <a:picLocks noGrp="1" noChangeAspect="1"/>
           </p:cNvPicPr>
-          <p:nvPr/>
+          <p:nvPr>
+            <p:ph idx="1"/>
+          </p:nvPr>
         </p:nvPicPr>
         <p:blipFill>
           <a:blip r:embed="rId2">
@@ -8536,18 +8227,182 @@
         </p:blipFill>
         <p:spPr>
           <a:xfrm>
-            <a:off x="1939825" y="1140589"/>
-            <a:ext cx="5760000" cy="150183"/>
+            <a:off x="2313934" y="880533"/>
+            <a:ext cx="4412409" cy="115047"/>
+          </a:xfrm>
+        </p:spPr>
+      </p:pic>
+      <p:sp>
+        <p:nvSpPr>
+          <p:cNvPr id="6" name="矩形 5">
+            <a:extLst>
+              <a:ext uri="{FF2B5EF4-FFF2-40B4-BE49-F238E27FC236}">
+                <a16:creationId xmlns:a16="http://schemas.microsoft.com/office/drawing/2014/main" id="{D068EF59-9457-4F7C-BD7C-18D9F4398721}"/>
+              </a:ext>
+            </a:extLst>
+          </p:cNvPr>
+          <p:cNvSpPr/>
+          <p:nvPr/>
+        </p:nvSpPr>
+        <p:spPr>
+          <a:xfrm>
+            <a:off x="3184733" y="1459838"/>
+            <a:ext cx="2774533" cy="2346283"/>
           </a:xfrm>
           <a:prstGeom prst="rect">
             <a:avLst/>
           </a:prstGeom>
         </p:spPr>
-      </p:pic>
+        <p:txBody>
+          <a:bodyPr wrap="square">
+            <a:spAutoFit/>
+          </a:bodyPr>
+          <a:lstStyle/>
+          <a:p>
+            <a:pPr algn="ctr">
+              <a:lnSpc>
+                <a:spcPct val="150000"/>
+              </a:lnSpc>
+            </a:pPr>
+            <a:r>
+              <a:rPr lang="en-US" altLang="zh-CN" sz="2000" dirty="0">
+                <a:solidFill>
+                  <a:schemeClr val="tx1">
+                    <a:lumMod val="65000"/>
+                    <a:lumOff val="35000"/>
+                  </a:schemeClr>
+                </a:solidFill>
+                <a:latin typeface="微软雅黑" panose="020B0503020204020204" pitchFamily="34" charset="-122"/>
+                <a:ea typeface="微软雅黑" panose="020B0503020204020204" pitchFamily="34" charset="-122"/>
+              </a:rPr>
+              <a:t>【</a:t>
+            </a:r>
+            <a:r>
+              <a:rPr lang="zh-CN" altLang="en-US" sz="2000" dirty="0">
+                <a:solidFill>
+                  <a:schemeClr val="tx1">
+                    <a:lumMod val="65000"/>
+                    <a:lumOff val="35000"/>
+                  </a:schemeClr>
+                </a:solidFill>
+                <a:latin typeface="微软雅黑" panose="020B0503020204020204" pitchFamily="34" charset="-122"/>
+                <a:ea typeface="微软雅黑" panose="020B0503020204020204" pitchFamily="34" charset="-122"/>
+              </a:rPr>
+              <a:t>山行</a:t>
+            </a:r>
+            <a:r>
+              <a:rPr lang="en-US" altLang="zh-CN" sz="2000" dirty="0">
+                <a:solidFill>
+                  <a:schemeClr val="tx1">
+                    <a:lumMod val="65000"/>
+                    <a:lumOff val="35000"/>
+                  </a:schemeClr>
+                </a:solidFill>
+                <a:latin typeface="微软雅黑" panose="020B0503020204020204" pitchFamily="34" charset="-122"/>
+                <a:ea typeface="微软雅黑" panose="020B0503020204020204" pitchFamily="34" charset="-122"/>
+              </a:rPr>
+              <a:t>】</a:t>
+            </a:r>
+            <a:r>
+              <a:rPr lang="zh-CN" altLang="en-US" sz="1400" dirty="0">
+                <a:solidFill>
+                  <a:schemeClr val="tx1">
+                    <a:lumMod val="65000"/>
+                    <a:lumOff val="35000"/>
+                  </a:schemeClr>
+                </a:solidFill>
+                <a:latin typeface="微软雅黑" panose="020B0503020204020204" pitchFamily="34" charset="-122"/>
+                <a:ea typeface="微软雅黑" panose="020B0503020204020204" pitchFamily="34" charset="-122"/>
+              </a:rPr>
+              <a:t>（唐）杜牧</a:t>
+            </a:r>
+          </a:p>
+          <a:p>
+            <a:pPr algn="ctr">
+              <a:lnSpc>
+                <a:spcPct val="150000"/>
+              </a:lnSpc>
+            </a:pPr>
+            <a:r>
+              <a:rPr lang="zh-CN" altLang="en-US" sz="2000" dirty="0">
+                <a:solidFill>
+                  <a:schemeClr val="tx1">
+                    <a:lumMod val="65000"/>
+                    <a:lumOff val="35000"/>
+                  </a:schemeClr>
+                </a:solidFill>
+                <a:latin typeface="微软雅黑" panose="020B0503020204020204" pitchFamily="34" charset="-122"/>
+                <a:ea typeface="微软雅黑" panose="020B0503020204020204" pitchFamily="34" charset="-122"/>
+              </a:rPr>
+              <a:t>远上寒山石径斜，</a:t>
+            </a:r>
+          </a:p>
+          <a:p>
+            <a:pPr algn="ctr">
+              <a:lnSpc>
+                <a:spcPct val="150000"/>
+              </a:lnSpc>
+            </a:pPr>
+            <a:r>
+              <a:rPr lang="zh-CN" altLang="en-US" sz="2000" dirty="0">
+                <a:solidFill>
+                  <a:schemeClr val="tx1">
+                    <a:lumMod val="65000"/>
+                    <a:lumOff val="35000"/>
+                  </a:schemeClr>
+                </a:solidFill>
+                <a:latin typeface="微软雅黑" panose="020B0503020204020204" pitchFamily="34" charset="-122"/>
+                <a:ea typeface="微软雅黑" panose="020B0503020204020204" pitchFamily="34" charset="-122"/>
+              </a:rPr>
+              <a:t>白云深处有人家。</a:t>
+            </a:r>
+          </a:p>
+          <a:p>
+            <a:pPr algn="ctr">
+              <a:lnSpc>
+                <a:spcPct val="150000"/>
+              </a:lnSpc>
+            </a:pPr>
+            <a:r>
+              <a:rPr lang="zh-CN" altLang="en-US" sz="2000" dirty="0">
+                <a:solidFill>
+                  <a:schemeClr val="tx1">
+                    <a:lumMod val="65000"/>
+                    <a:lumOff val="35000"/>
+                  </a:schemeClr>
+                </a:solidFill>
+                <a:latin typeface="微软雅黑" panose="020B0503020204020204" pitchFamily="34" charset="-122"/>
+                <a:ea typeface="微软雅黑" panose="020B0503020204020204" pitchFamily="34" charset="-122"/>
+              </a:rPr>
+              <a:t>停车坐爱枫林晚，</a:t>
+            </a:r>
+          </a:p>
+          <a:p>
+            <a:pPr algn="ctr">
+              <a:lnSpc>
+                <a:spcPct val="150000"/>
+              </a:lnSpc>
+            </a:pPr>
+            <a:r>
+              <a:rPr lang="zh-CN" altLang="en-US" sz="2000" dirty="0">
+                <a:solidFill>
+                  <a:schemeClr val="tx1">
+                    <a:lumMod val="65000"/>
+                    <a:lumOff val="35000"/>
+                  </a:schemeClr>
+                </a:solidFill>
+                <a:latin typeface="微软雅黑" panose="020B0503020204020204" pitchFamily="34" charset="-122"/>
+                <a:ea typeface="微软雅黑" panose="020B0503020204020204" pitchFamily="34" charset="-122"/>
+              </a:rPr>
+              <a:t>霜叶红于二月花。</a:t>
+            </a:r>
+          </a:p>
+        </p:txBody>
+      </p:sp>
     </p:spTree>
     <p:extLst>
       <p:ext uri="{BB962C8B-B14F-4D97-AF65-F5344CB8AC3E}">
-        <p14:creationId xmlns:p14="http://schemas.microsoft.com/office/powerpoint/2010/main" val="790219497"/>
+        <p14:creationId xmlns:p14="http://schemas.microsoft.com/office/powerpoint/2010/main" val="2194923512"/>
       </p:ext>
     </p:extLst>
   </p:cSld>
@@ -8579,7 +8434,7 @@
           <p:cNvPr id="2" name="标题 1">
             <a:extLst>
               <a:ext uri="{FF2B5EF4-FFF2-40B4-BE49-F238E27FC236}">
-                <a16:creationId xmlns:a16="http://schemas.microsoft.com/office/drawing/2014/main" id="{5411B314-BB21-4E7E-89AC-EB58A0DC7A8A}"/>
+                <a16:creationId xmlns:a16="http://schemas.microsoft.com/office/drawing/2014/main" id="{D7164562-FCC5-4C3E-AF68-332F6BC2C15C}"/>
               </a:ext>
             </a:extLst>
           </p:cNvPr>
@@ -8593,255 +8448,55 @@
         <p:spPr/>
         <p:txBody>
           <a:bodyPr>
-            <a:normAutofit/>
+            <a:normAutofit fontScale="90000"/>
           </a:bodyPr>
           <a:lstStyle/>
           <a:p>
             <a:pPr algn="ctr"/>
             <a:r>
-              <a:rPr lang="zh-CN" altLang="zh-CN" sz="3600" kern="100" dirty="0">
+              <a:rPr lang="zh-CN" altLang="en-US" sz="4000" dirty="0">
                 <a:solidFill>
                   <a:schemeClr val="tx1">
                     <a:lumMod val="65000"/>
                     <a:lumOff val="35000"/>
                   </a:schemeClr>
                 </a:solidFill>
-                <a:effectLst/>
                 <a:latin typeface="微软雅黑" panose="020B0503020204020204" pitchFamily="34" charset="-122"/>
                 <a:ea typeface="微软雅黑" panose="020B0503020204020204" pitchFamily="34" charset="-122"/>
-                <a:cs typeface="宋体" panose="02010600030101010101" pitchFamily="2" charset="-122"/>
               </a:rPr>
-              <a:t>描写</a:t>
-            </a:r>
-            <a:r>
-              <a:rPr lang="zh-CN" altLang="en-US" sz="3600" kern="100" dirty="0">
+              <a:t>描写秋天景物的诗词</a:t>
+            </a:r>
+            <a:br>
+              <a:rPr lang="zh-CN" altLang="en-US" sz="3600" dirty="0">
                 <a:solidFill>
                   <a:schemeClr val="tx1">
                     <a:lumMod val="65000"/>
                     <a:lumOff val="35000"/>
                   </a:schemeClr>
                 </a:solidFill>
-                <a:effectLst/>
-                <a:latin typeface="微软雅黑" panose="020B0503020204020204" pitchFamily="34" charset="-122"/>
-                <a:ea typeface="微软雅黑" panose="020B0503020204020204" pitchFamily="34" charset="-122"/>
-                <a:cs typeface="宋体" panose="02010600030101010101" pitchFamily="2" charset="-122"/>
-              </a:rPr>
-              <a:t>秋</a:t>
-            </a:r>
-            <a:r>
-              <a:rPr lang="zh-CN" altLang="zh-CN" sz="3600" kern="100" dirty="0">
-                <a:solidFill>
-                  <a:schemeClr val="tx1">
-                    <a:lumMod val="65000"/>
-                    <a:lumOff val="35000"/>
-                  </a:schemeClr>
-                </a:solidFill>
-                <a:effectLst/>
-                <a:latin typeface="微软雅黑" panose="020B0503020204020204" pitchFamily="34" charset="-122"/>
-                <a:ea typeface="微软雅黑" panose="020B0503020204020204" pitchFamily="34" charset="-122"/>
-                <a:cs typeface="宋体" panose="02010600030101010101" pitchFamily="2" charset="-122"/>
-              </a:rPr>
-              <a:t>天景物的诗词</a:t>
-            </a:r>
-            <a:endParaRPr lang="zh-CN" altLang="en-US" sz="3600" dirty="0">
-              <a:solidFill>
-                <a:schemeClr val="tx1">
-                  <a:lumMod val="65000"/>
-                  <a:lumOff val="35000"/>
-                </a:schemeClr>
-              </a:solidFill>
-              <a:latin typeface="微软雅黑" panose="020B0503020204020204" pitchFamily="34" charset="-122"/>
-              <a:ea typeface="微软雅黑" panose="020B0503020204020204" pitchFamily="34" charset="-122"/>
-            </a:endParaRPr>
-          </a:p>
-        </p:txBody>
-      </p:sp>
-      <p:sp>
-        <p:nvSpPr>
-          <p:cNvPr id="3" name="内容占位符 2">
-            <a:extLst>
-              <a:ext uri="{FF2B5EF4-FFF2-40B4-BE49-F238E27FC236}">
-                <a16:creationId xmlns:a16="http://schemas.microsoft.com/office/drawing/2014/main" id="{A747A335-A2B9-4C87-B3C1-CB3A4F8B7707}"/>
-              </a:ext>
-            </a:extLst>
-          </p:cNvPr>
-          <p:cNvSpPr>
-            <a:spLocks noGrp="1"/>
-          </p:cNvSpPr>
-          <p:nvPr>
-            <p:ph idx="1"/>
-          </p:nvPr>
-        </p:nvSpPr>
-        <p:spPr>
-          <a:xfrm>
-            <a:off x="628650" y="1482627"/>
-            <a:ext cx="7886700" cy="3263504"/>
-          </a:xfrm>
-        </p:spPr>
-        <p:txBody>
-          <a:bodyPr>
-            <a:normAutofit/>
-          </a:bodyPr>
-          <a:lstStyle/>
-          <a:p>
-            <a:pPr marL="0" indent="0" algn="ctr">
-              <a:lnSpc>
-                <a:spcPct val="150000"/>
-              </a:lnSpc>
-              <a:buNone/>
-            </a:pPr>
-            <a:r>
-              <a:rPr lang="en-US" altLang="zh-CN" sz="2000" dirty="0">
-                <a:solidFill>
-                  <a:schemeClr val="tx1">
-                    <a:lumMod val="65000"/>
-                    <a:lumOff val="35000"/>
-                  </a:schemeClr>
-                </a:solidFill>
                 <a:latin typeface="微软雅黑" panose="020B0503020204020204" pitchFamily="34" charset="-122"/>
                 <a:ea typeface="微软雅黑" panose="020B0503020204020204" pitchFamily="34" charset="-122"/>
               </a:rPr>
-              <a:t>【</a:t>
-            </a:r>
-            <a:r>
-              <a:rPr lang="zh-CN" altLang="en-US" sz="2000" dirty="0">
-                <a:solidFill>
-                  <a:schemeClr val="tx1">
-                    <a:lumMod val="65000"/>
-                    <a:lumOff val="35000"/>
-                  </a:schemeClr>
-                </a:solidFill>
-                <a:latin typeface="微软雅黑" panose="020B0503020204020204" pitchFamily="34" charset="-122"/>
-                <a:ea typeface="微软雅黑" panose="020B0503020204020204" pitchFamily="34" charset="-122"/>
-              </a:rPr>
-              <a:t>暮江吟</a:t>
-            </a:r>
-            <a:r>
-              <a:rPr lang="en-US" altLang="zh-CN" sz="2000" dirty="0">
-                <a:solidFill>
-                  <a:schemeClr val="tx1">
-                    <a:lumMod val="65000"/>
-                    <a:lumOff val="35000"/>
-                  </a:schemeClr>
-                </a:solidFill>
-                <a:latin typeface="微软雅黑" panose="020B0503020204020204" pitchFamily="34" charset="-122"/>
-                <a:ea typeface="微软雅黑" panose="020B0503020204020204" pitchFamily="34" charset="-122"/>
-              </a:rPr>
-              <a:t>】</a:t>
-            </a:r>
-            <a:r>
-              <a:rPr lang="zh-CN" altLang="en-US" sz="1400" dirty="0">
-                <a:solidFill>
-                  <a:schemeClr val="tx1">
-                    <a:lumMod val="65000"/>
-                    <a:lumOff val="35000"/>
-                  </a:schemeClr>
-                </a:solidFill>
-                <a:latin typeface="微软雅黑" panose="020B0503020204020204" pitchFamily="34" charset="-122"/>
-                <a:ea typeface="微软雅黑" panose="020B0503020204020204" pitchFamily="34" charset="-122"/>
-              </a:rPr>
-              <a:t>（唐）白居易</a:t>
-            </a:r>
-          </a:p>
-          <a:p>
-            <a:pPr marL="0" indent="0" algn="ctr">
-              <a:lnSpc>
-                <a:spcPct val="150000"/>
-              </a:lnSpc>
-              <a:buNone/>
-            </a:pPr>
-            <a:r>
-              <a:rPr lang="zh-CN" altLang="en-US" sz="2000" dirty="0">
-                <a:solidFill>
-                  <a:schemeClr val="tx1">
-                    <a:lumMod val="65000"/>
-                    <a:lumOff val="35000"/>
-                  </a:schemeClr>
-                </a:solidFill>
-                <a:latin typeface="微软雅黑" panose="020B0503020204020204" pitchFamily="34" charset="-122"/>
-                <a:ea typeface="微软雅黑" panose="020B0503020204020204" pitchFamily="34" charset="-122"/>
-              </a:rPr>
-              <a:t>一道残阳铺水中，</a:t>
-            </a:r>
-          </a:p>
-          <a:p>
-            <a:pPr marL="0" indent="0" algn="ctr">
-              <a:lnSpc>
-                <a:spcPct val="150000"/>
-              </a:lnSpc>
-              <a:buNone/>
-            </a:pPr>
-            <a:r>
-              <a:rPr lang="zh-CN" altLang="en-US" sz="2000" dirty="0">
-                <a:solidFill>
-                  <a:schemeClr val="tx1">
-                    <a:lumMod val="65000"/>
-                    <a:lumOff val="35000"/>
-                  </a:schemeClr>
-                </a:solidFill>
-                <a:latin typeface="微软雅黑" panose="020B0503020204020204" pitchFamily="34" charset="-122"/>
-                <a:ea typeface="微软雅黑" panose="020B0503020204020204" pitchFamily="34" charset="-122"/>
-              </a:rPr>
-              <a:t>半江瑟瑟半江红。</a:t>
-            </a:r>
-          </a:p>
-          <a:p>
-            <a:pPr marL="0" indent="0" algn="ctr">
-              <a:lnSpc>
-                <a:spcPct val="150000"/>
-              </a:lnSpc>
-              <a:buNone/>
-            </a:pPr>
-            <a:r>
-              <a:rPr lang="zh-CN" altLang="en-US" sz="2000" dirty="0">
-                <a:solidFill>
-                  <a:schemeClr val="tx1">
-                    <a:lumMod val="65000"/>
-                    <a:lumOff val="35000"/>
-                  </a:schemeClr>
-                </a:solidFill>
-                <a:latin typeface="微软雅黑" panose="020B0503020204020204" pitchFamily="34" charset="-122"/>
-                <a:ea typeface="微软雅黑" panose="020B0503020204020204" pitchFamily="34" charset="-122"/>
-              </a:rPr>
-              <a:t>可怜九月初三夜，</a:t>
-            </a:r>
-          </a:p>
-          <a:p>
-            <a:pPr marL="0" indent="0" algn="ctr">
-              <a:lnSpc>
-                <a:spcPct val="150000"/>
-              </a:lnSpc>
-              <a:buNone/>
-            </a:pPr>
-            <a:r>
-              <a:rPr lang="zh-CN" altLang="en-US" sz="2000" dirty="0">
-                <a:solidFill>
-                  <a:schemeClr val="tx1">
-                    <a:lumMod val="65000"/>
-                    <a:lumOff val="35000"/>
-                  </a:schemeClr>
-                </a:solidFill>
-                <a:latin typeface="微软雅黑" panose="020B0503020204020204" pitchFamily="34" charset="-122"/>
-                <a:ea typeface="微软雅黑" panose="020B0503020204020204" pitchFamily="34" charset="-122"/>
-              </a:rPr>
-              <a:t>露似真珠月似弓。</a:t>
-            </a:r>
+            </a:br>
+            <a:endParaRPr lang="zh-CN" altLang="en-US" dirty="0"/>
           </a:p>
         </p:txBody>
       </p:sp>
       <p:pic>
         <p:nvPicPr>
-          <p:cNvPr id="5" name="图片 4">
+          <p:cNvPr id="5" name="内容占位符 4">
             <a:extLst>
               <a:ext uri="{FF2B5EF4-FFF2-40B4-BE49-F238E27FC236}">
-                <a16:creationId xmlns:a16="http://schemas.microsoft.com/office/drawing/2014/main" id="{4297C969-EB59-4FEA-B52E-A6579CCD8B14}"/>
+                <a16:creationId xmlns:a16="http://schemas.microsoft.com/office/drawing/2014/main" id="{16E84362-7970-4131-B130-299A0BCA3880}"/>
               </a:ext>
             </a:extLst>
           </p:cNvPr>
           <p:cNvPicPr>
-            <a:picLocks noChangeAspect="1"/>
+            <a:picLocks noGrp="1" noChangeAspect="1"/>
           </p:cNvPicPr>
-          <p:nvPr/>
+          <p:nvPr>
+            <p:ph idx="1"/>
+          </p:nvPr>
         </p:nvPicPr>
         <p:blipFill>
           <a:blip r:embed="rId2">
@@ -8857,18 +8512,183 @@
         </p:blipFill>
         <p:spPr>
           <a:xfrm>
-            <a:off x="1939825" y="1140589"/>
-            <a:ext cx="5760000" cy="150183"/>
+            <a:off x="2313934" y="880533"/>
+            <a:ext cx="4412409" cy="115047"/>
+          </a:xfrm>
+        </p:spPr>
+      </p:pic>
+      <p:sp>
+        <p:nvSpPr>
+          <p:cNvPr id="6" name="矩形 5">
+            <a:extLst>
+              <a:ext uri="{FF2B5EF4-FFF2-40B4-BE49-F238E27FC236}">
+                <a16:creationId xmlns:a16="http://schemas.microsoft.com/office/drawing/2014/main" id="{D068EF59-9457-4F7C-BD7C-18D9F4398721}"/>
+              </a:ext>
+            </a:extLst>
+          </p:cNvPr>
+          <p:cNvSpPr/>
+          <p:nvPr/>
+        </p:nvSpPr>
+        <p:spPr>
+          <a:xfrm>
+            <a:off x="3184733" y="1459838"/>
+            <a:ext cx="2774533" cy="2351541"/>
           </a:xfrm>
           <a:prstGeom prst="rect">
             <a:avLst/>
           </a:prstGeom>
         </p:spPr>
-      </p:pic>
+        <p:txBody>
+          <a:bodyPr wrap="square">
+            <a:spAutoFit/>
+          </a:bodyPr>
+          <a:lstStyle/>
+          <a:p>
+            <a:pPr algn="ctr">
+              <a:lnSpc>
+                <a:spcPct val="150000"/>
+              </a:lnSpc>
+            </a:pPr>
+            <a:r>
+              <a:rPr lang="en-US" altLang="zh-CN" sz="2000" dirty="0">
+                <a:solidFill>
+                  <a:schemeClr val="tx1">
+                    <a:lumMod val="65000"/>
+                    <a:lumOff val="35000"/>
+                  </a:schemeClr>
+                </a:solidFill>
+                <a:latin typeface="微软雅黑" panose="020B0503020204020204" pitchFamily="34" charset="-122"/>
+                <a:ea typeface="微软雅黑" panose="020B0503020204020204" pitchFamily="34" charset="-122"/>
+              </a:rPr>
+              <a:t>【</a:t>
+            </a:r>
+            <a:r>
+              <a:rPr lang="zh-CN" altLang="en-US" sz="2000" dirty="0">
+                <a:solidFill>
+                  <a:schemeClr val="tx1">
+                    <a:lumMod val="65000"/>
+                    <a:lumOff val="35000"/>
+                  </a:schemeClr>
+                </a:solidFill>
+                <a:latin typeface="微软雅黑" panose="020B0503020204020204" pitchFamily="34" charset="-122"/>
+                <a:ea typeface="微软雅黑" panose="020B0503020204020204" pitchFamily="34" charset="-122"/>
+              </a:rPr>
+              <a:t>暮江吟</a:t>
+            </a:r>
+            <a:r>
+              <a:rPr lang="en-US" altLang="zh-CN" sz="2000" dirty="0">
+                <a:solidFill>
+                  <a:schemeClr val="tx1">
+                    <a:lumMod val="65000"/>
+                    <a:lumOff val="35000"/>
+                  </a:schemeClr>
+                </a:solidFill>
+                <a:latin typeface="微软雅黑" panose="020B0503020204020204" pitchFamily="34" charset="-122"/>
+                <a:ea typeface="微软雅黑" panose="020B0503020204020204" pitchFamily="34" charset="-122"/>
+              </a:rPr>
+              <a:t>】</a:t>
+            </a:r>
+            <a:r>
+              <a:rPr lang="zh-CN" altLang="en-US" sz="1400" dirty="0">
+                <a:solidFill>
+                  <a:schemeClr val="tx1">
+                    <a:lumMod val="65000"/>
+                    <a:lumOff val="35000"/>
+                  </a:schemeClr>
+                </a:solidFill>
+                <a:latin typeface="微软雅黑" panose="020B0503020204020204" pitchFamily="34" charset="-122"/>
+                <a:ea typeface="微软雅黑" panose="020B0503020204020204" pitchFamily="34" charset="-122"/>
+              </a:rPr>
+              <a:t>（唐）白居易</a:t>
+            </a:r>
+          </a:p>
+          <a:p>
+            <a:pPr algn="ctr">
+              <a:lnSpc>
+                <a:spcPct val="150000"/>
+              </a:lnSpc>
+            </a:pPr>
+            <a:r>
+              <a:rPr lang="zh-CN" altLang="en-US" sz="2000" dirty="0">
+                <a:solidFill>
+                  <a:schemeClr val="tx1">
+                    <a:lumMod val="65000"/>
+                    <a:lumOff val="35000"/>
+                  </a:schemeClr>
+                </a:solidFill>
+                <a:latin typeface="微软雅黑" panose="020B0503020204020204" pitchFamily="34" charset="-122"/>
+                <a:ea typeface="微软雅黑" panose="020B0503020204020204" pitchFamily="34" charset="-122"/>
+              </a:rPr>
+              <a:t>一道残阳铺水中，</a:t>
+            </a:r>
+          </a:p>
+          <a:p>
+            <a:pPr algn="ctr">
+              <a:lnSpc>
+                <a:spcPct val="150000"/>
+              </a:lnSpc>
+            </a:pPr>
+            <a:r>
+              <a:rPr lang="zh-CN" altLang="en-US" sz="2000" dirty="0">
+                <a:solidFill>
+                  <a:schemeClr val="tx1">
+                    <a:lumMod val="65000"/>
+                    <a:lumOff val="35000"/>
+                  </a:schemeClr>
+                </a:solidFill>
+                <a:latin typeface="微软雅黑" panose="020B0503020204020204" pitchFamily="34" charset="-122"/>
+                <a:ea typeface="微软雅黑" panose="020B0503020204020204" pitchFamily="34" charset="-122"/>
+              </a:rPr>
+              <a:t>半江瑟瑟半江红。</a:t>
+            </a:r>
+          </a:p>
+          <a:p>
+            <a:pPr algn="ctr">
+              <a:lnSpc>
+                <a:spcPct val="150000"/>
+              </a:lnSpc>
+            </a:pPr>
+            <a:r>
+              <a:rPr lang="zh-CN" altLang="en-US" sz="2000" dirty="0">
+                <a:solidFill>
+                  <a:schemeClr val="tx1">
+                    <a:lumMod val="65000"/>
+                    <a:lumOff val="35000"/>
+                  </a:schemeClr>
+                </a:solidFill>
+                <a:latin typeface="微软雅黑" panose="020B0503020204020204" pitchFamily="34" charset="-122"/>
+                <a:ea typeface="微软雅黑" panose="020B0503020204020204" pitchFamily="34" charset="-122"/>
+              </a:rPr>
+              <a:t>可怜九月初三夜，</a:t>
+            </a:r>
+          </a:p>
+          <a:p>
+            <a:pPr algn="ctr">
+              <a:lnSpc>
+                <a:spcPct val="150000"/>
+              </a:lnSpc>
+            </a:pPr>
+            <a:r>
+              <a:rPr lang="zh-CN" altLang="en-US" sz="2000" dirty="0">
+                <a:solidFill>
+                  <a:schemeClr val="tx1">
+                    <a:lumMod val="65000"/>
+                    <a:lumOff val="35000"/>
+                  </a:schemeClr>
+                </a:solidFill>
+                <a:latin typeface="微软雅黑" panose="020B0503020204020204" pitchFamily="34" charset="-122"/>
+                <a:ea typeface="微软雅黑" panose="020B0503020204020204" pitchFamily="34" charset="-122"/>
+              </a:rPr>
+              <a:t>露似真珠月似弓。</a:t>
+            </a:r>
+            <a:endParaRPr lang="zh-CN" altLang="en-US" sz="2000" dirty="0"/>
+          </a:p>
+        </p:txBody>
+      </p:sp>
     </p:spTree>
     <p:extLst>
       <p:ext uri="{BB962C8B-B14F-4D97-AF65-F5344CB8AC3E}">
-        <p14:creationId xmlns:p14="http://schemas.microsoft.com/office/powerpoint/2010/main" val="3356179791"/>
+        <p14:creationId xmlns:p14="http://schemas.microsoft.com/office/powerpoint/2010/main" val="1865026058"/>
       </p:ext>
     </p:extLst>
   </p:cSld>
@@ -8900,7 +8720,7 @@
           <p:cNvPr id="2" name="标题 1">
             <a:extLst>
               <a:ext uri="{FF2B5EF4-FFF2-40B4-BE49-F238E27FC236}">
-                <a16:creationId xmlns:a16="http://schemas.microsoft.com/office/drawing/2014/main" id="{5411B314-BB21-4E7E-89AC-EB58A0DC7A8A}"/>
+                <a16:creationId xmlns:a16="http://schemas.microsoft.com/office/drawing/2014/main" id="{D7164562-FCC5-4C3E-AF68-332F6BC2C15C}"/>
               </a:ext>
             </a:extLst>
           </p:cNvPr>
@@ -8914,255 +8734,55 @@
         <p:spPr/>
         <p:txBody>
           <a:bodyPr>
-            <a:normAutofit/>
+            <a:normAutofit fontScale="90000"/>
           </a:bodyPr>
           <a:lstStyle/>
           <a:p>
             <a:pPr algn="ctr"/>
             <a:r>
-              <a:rPr lang="zh-CN" altLang="zh-CN" sz="3600" kern="100" dirty="0">
+              <a:rPr lang="zh-CN" altLang="en-US" sz="4000" dirty="0">
                 <a:solidFill>
                   <a:schemeClr val="tx1">
                     <a:lumMod val="65000"/>
                     <a:lumOff val="35000"/>
                   </a:schemeClr>
                 </a:solidFill>
-                <a:effectLst/>
                 <a:latin typeface="微软雅黑" panose="020B0503020204020204" pitchFamily="34" charset="-122"/>
                 <a:ea typeface="微软雅黑" panose="020B0503020204020204" pitchFamily="34" charset="-122"/>
-                <a:cs typeface="宋体" panose="02010600030101010101" pitchFamily="2" charset="-122"/>
               </a:rPr>
-              <a:t>描写</a:t>
-            </a:r>
-            <a:r>
-              <a:rPr lang="zh-CN" altLang="en-US" sz="3600" kern="100" dirty="0">
+              <a:t>描写冬天景物的诗词</a:t>
+            </a:r>
+            <a:br>
+              <a:rPr lang="zh-CN" altLang="en-US" sz="3600" dirty="0">
                 <a:solidFill>
                   <a:schemeClr val="tx1">
                     <a:lumMod val="65000"/>
                     <a:lumOff val="35000"/>
                   </a:schemeClr>
                 </a:solidFill>
-                <a:effectLst/>
-                <a:latin typeface="微软雅黑" panose="020B0503020204020204" pitchFamily="34" charset="-122"/>
-                <a:ea typeface="微软雅黑" panose="020B0503020204020204" pitchFamily="34" charset="-122"/>
-                <a:cs typeface="宋体" panose="02010600030101010101" pitchFamily="2" charset="-122"/>
-              </a:rPr>
-              <a:t>冬</a:t>
-            </a:r>
-            <a:r>
-              <a:rPr lang="zh-CN" altLang="zh-CN" sz="3600" kern="100" dirty="0">
-                <a:solidFill>
-                  <a:schemeClr val="tx1">
-                    <a:lumMod val="65000"/>
-                    <a:lumOff val="35000"/>
-                  </a:schemeClr>
-                </a:solidFill>
-                <a:effectLst/>
-                <a:latin typeface="微软雅黑" panose="020B0503020204020204" pitchFamily="34" charset="-122"/>
-                <a:ea typeface="微软雅黑" panose="020B0503020204020204" pitchFamily="34" charset="-122"/>
-                <a:cs typeface="宋体" panose="02010600030101010101" pitchFamily="2" charset="-122"/>
-              </a:rPr>
-              <a:t>天景物的诗词</a:t>
-            </a:r>
-            <a:endParaRPr lang="zh-CN" altLang="en-US" sz="3600" dirty="0">
-              <a:solidFill>
-                <a:schemeClr val="tx1">
-                  <a:lumMod val="65000"/>
-                  <a:lumOff val="35000"/>
-                </a:schemeClr>
-              </a:solidFill>
-              <a:latin typeface="微软雅黑" panose="020B0503020204020204" pitchFamily="34" charset="-122"/>
-              <a:ea typeface="微软雅黑" panose="020B0503020204020204" pitchFamily="34" charset="-122"/>
-            </a:endParaRPr>
-          </a:p>
-        </p:txBody>
-      </p:sp>
-      <p:sp>
-        <p:nvSpPr>
-          <p:cNvPr id="3" name="内容占位符 2">
-            <a:extLst>
-              <a:ext uri="{FF2B5EF4-FFF2-40B4-BE49-F238E27FC236}">
-                <a16:creationId xmlns:a16="http://schemas.microsoft.com/office/drawing/2014/main" id="{A747A335-A2B9-4C87-B3C1-CB3A4F8B7707}"/>
-              </a:ext>
-            </a:extLst>
-          </p:cNvPr>
-          <p:cNvSpPr>
-            <a:spLocks noGrp="1"/>
-          </p:cNvSpPr>
-          <p:nvPr>
-            <p:ph idx="1"/>
-          </p:nvPr>
-        </p:nvSpPr>
-        <p:spPr>
-          <a:xfrm>
-            <a:off x="628650" y="1482627"/>
-            <a:ext cx="7886700" cy="3263504"/>
-          </a:xfrm>
-        </p:spPr>
-        <p:txBody>
-          <a:bodyPr>
-            <a:normAutofit/>
-          </a:bodyPr>
-          <a:lstStyle/>
-          <a:p>
-            <a:pPr marL="0" indent="0" algn="ctr">
-              <a:lnSpc>
-                <a:spcPct val="150000"/>
-              </a:lnSpc>
-              <a:buNone/>
-            </a:pPr>
-            <a:r>
-              <a:rPr lang="en-US" altLang="zh-CN" sz="2000" dirty="0">
-                <a:solidFill>
-                  <a:schemeClr val="tx1">
-                    <a:lumMod val="65000"/>
-                    <a:lumOff val="35000"/>
-                  </a:schemeClr>
-                </a:solidFill>
                 <a:latin typeface="微软雅黑" panose="020B0503020204020204" pitchFamily="34" charset="-122"/>
                 <a:ea typeface="微软雅黑" panose="020B0503020204020204" pitchFamily="34" charset="-122"/>
               </a:rPr>
-              <a:t>【</a:t>
-            </a:r>
-            <a:r>
-              <a:rPr lang="zh-CN" altLang="en-US" sz="2000" dirty="0">
-                <a:solidFill>
-                  <a:schemeClr val="tx1">
-                    <a:lumMod val="65000"/>
-                    <a:lumOff val="35000"/>
-                  </a:schemeClr>
-                </a:solidFill>
-                <a:latin typeface="微软雅黑" panose="020B0503020204020204" pitchFamily="34" charset="-122"/>
-                <a:ea typeface="微软雅黑" panose="020B0503020204020204" pitchFamily="34" charset="-122"/>
-              </a:rPr>
-              <a:t>江雪</a:t>
-            </a:r>
-            <a:r>
-              <a:rPr lang="en-US" altLang="zh-CN" sz="2000" dirty="0">
-                <a:solidFill>
-                  <a:schemeClr val="tx1">
-                    <a:lumMod val="65000"/>
-                    <a:lumOff val="35000"/>
-                  </a:schemeClr>
-                </a:solidFill>
-                <a:latin typeface="微软雅黑" panose="020B0503020204020204" pitchFamily="34" charset="-122"/>
-                <a:ea typeface="微软雅黑" panose="020B0503020204020204" pitchFamily="34" charset="-122"/>
-              </a:rPr>
-              <a:t>】</a:t>
-            </a:r>
-            <a:r>
-              <a:rPr lang="zh-CN" altLang="en-US" sz="1400" dirty="0">
-                <a:solidFill>
-                  <a:schemeClr val="tx1">
-                    <a:lumMod val="65000"/>
-                    <a:lumOff val="35000"/>
-                  </a:schemeClr>
-                </a:solidFill>
-                <a:latin typeface="微软雅黑" panose="020B0503020204020204" pitchFamily="34" charset="-122"/>
-                <a:ea typeface="微软雅黑" panose="020B0503020204020204" pitchFamily="34" charset="-122"/>
-              </a:rPr>
-              <a:t>（唐）柳宗元</a:t>
-            </a:r>
-          </a:p>
-          <a:p>
-            <a:pPr marL="0" indent="0" algn="ctr">
-              <a:lnSpc>
-                <a:spcPct val="150000"/>
-              </a:lnSpc>
-              <a:buNone/>
-            </a:pPr>
-            <a:r>
-              <a:rPr lang="zh-CN" altLang="en-US" sz="2000" dirty="0">
-                <a:solidFill>
-                  <a:schemeClr val="tx1">
-                    <a:lumMod val="65000"/>
-                    <a:lumOff val="35000"/>
-                  </a:schemeClr>
-                </a:solidFill>
-                <a:latin typeface="微软雅黑" panose="020B0503020204020204" pitchFamily="34" charset="-122"/>
-                <a:ea typeface="微软雅黑" panose="020B0503020204020204" pitchFamily="34" charset="-122"/>
-              </a:rPr>
-              <a:t>千山鸟飞绝，</a:t>
-            </a:r>
-          </a:p>
-          <a:p>
-            <a:pPr marL="0" indent="0" algn="ctr">
-              <a:lnSpc>
-                <a:spcPct val="150000"/>
-              </a:lnSpc>
-              <a:buNone/>
-            </a:pPr>
-            <a:r>
-              <a:rPr lang="zh-CN" altLang="en-US" sz="2000" dirty="0">
-                <a:solidFill>
-                  <a:schemeClr val="tx1">
-                    <a:lumMod val="65000"/>
-                    <a:lumOff val="35000"/>
-                  </a:schemeClr>
-                </a:solidFill>
-                <a:latin typeface="微软雅黑" panose="020B0503020204020204" pitchFamily="34" charset="-122"/>
-                <a:ea typeface="微软雅黑" panose="020B0503020204020204" pitchFamily="34" charset="-122"/>
-              </a:rPr>
-              <a:t>万径人踪灭。</a:t>
-            </a:r>
-          </a:p>
-          <a:p>
-            <a:pPr marL="0" indent="0" algn="ctr">
-              <a:lnSpc>
-                <a:spcPct val="150000"/>
-              </a:lnSpc>
-              <a:buNone/>
-            </a:pPr>
-            <a:r>
-              <a:rPr lang="zh-CN" altLang="en-US" sz="2000" dirty="0">
-                <a:solidFill>
-                  <a:schemeClr val="tx1">
-                    <a:lumMod val="65000"/>
-                    <a:lumOff val="35000"/>
-                  </a:schemeClr>
-                </a:solidFill>
-                <a:latin typeface="微软雅黑" panose="020B0503020204020204" pitchFamily="34" charset="-122"/>
-                <a:ea typeface="微软雅黑" panose="020B0503020204020204" pitchFamily="34" charset="-122"/>
-              </a:rPr>
-              <a:t>孤舟蓑笠翁，</a:t>
-            </a:r>
-          </a:p>
-          <a:p>
-            <a:pPr marL="0" indent="0" algn="ctr">
-              <a:lnSpc>
-                <a:spcPct val="150000"/>
-              </a:lnSpc>
-              <a:buNone/>
-            </a:pPr>
-            <a:r>
-              <a:rPr lang="zh-CN" altLang="en-US" sz="2000" dirty="0">
-                <a:solidFill>
-                  <a:schemeClr val="tx1">
-                    <a:lumMod val="65000"/>
-                    <a:lumOff val="35000"/>
-                  </a:schemeClr>
-                </a:solidFill>
-                <a:latin typeface="微软雅黑" panose="020B0503020204020204" pitchFamily="34" charset="-122"/>
-                <a:ea typeface="微软雅黑" panose="020B0503020204020204" pitchFamily="34" charset="-122"/>
-              </a:rPr>
-              <a:t>独钓寒江雪。</a:t>
-            </a:r>
+            </a:br>
+            <a:endParaRPr lang="zh-CN" altLang="en-US" dirty="0"/>
           </a:p>
         </p:txBody>
       </p:sp>
       <p:pic>
         <p:nvPicPr>
-          <p:cNvPr id="5" name="图片 4">
+          <p:cNvPr id="5" name="内容占位符 4">
             <a:extLst>
               <a:ext uri="{FF2B5EF4-FFF2-40B4-BE49-F238E27FC236}">
-                <a16:creationId xmlns:a16="http://schemas.microsoft.com/office/drawing/2014/main" id="{4297C969-EB59-4FEA-B52E-A6579CCD8B14}"/>
+                <a16:creationId xmlns:a16="http://schemas.microsoft.com/office/drawing/2014/main" id="{16E84362-7970-4131-B130-299A0BCA3880}"/>
               </a:ext>
             </a:extLst>
           </p:cNvPr>
           <p:cNvPicPr>
-            <a:picLocks noChangeAspect="1"/>
+            <a:picLocks noGrp="1" noChangeAspect="1"/>
           </p:cNvPicPr>
-          <p:nvPr/>
+          <p:nvPr>
+            <p:ph idx="1"/>
+          </p:nvPr>
         </p:nvPicPr>
         <p:blipFill>
           <a:blip r:embed="rId2">
@@ -9178,18 +8798,183 @@
         </p:blipFill>
         <p:spPr>
           <a:xfrm>
-            <a:off x="1939825" y="1140589"/>
-            <a:ext cx="5760000" cy="150183"/>
+            <a:off x="2313934" y="880533"/>
+            <a:ext cx="4412409" cy="115047"/>
+          </a:xfrm>
+        </p:spPr>
+      </p:pic>
+      <p:sp>
+        <p:nvSpPr>
+          <p:cNvPr id="6" name="矩形 5">
+            <a:extLst>
+              <a:ext uri="{FF2B5EF4-FFF2-40B4-BE49-F238E27FC236}">
+                <a16:creationId xmlns:a16="http://schemas.microsoft.com/office/drawing/2014/main" id="{D068EF59-9457-4F7C-BD7C-18D9F4398721}"/>
+              </a:ext>
+            </a:extLst>
+          </p:cNvPr>
+          <p:cNvSpPr/>
+          <p:nvPr/>
+        </p:nvSpPr>
+        <p:spPr>
+          <a:xfrm>
+            <a:off x="3184733" y="1459838"/>
+            <a:ext cx="2774533" cy="2352182"/>
           </a:xfrm>
           <a:prstGeom prst="rect">
             <a:avLst/>
           </a:prstGeom>
         </p:spPr>
-      </p:pic>
+        <p:txBody>
+          <a:bodyPr wrap="square">
+            <a:spAutoFit/>
+          </a:bodyPr>
+          <a:lstStyle/>
+          <a:p>
+            <a:pPr algn="ctr">
+              <a:lnSpc>
+                <a:spcPct val="150000"/>
+              </a:lnSpc>
+            </a:pPr>
+            <a:r>
+              <a:rPr lang="en-US" altLang="zh-CN" sz="2000" dirty="0">
+                <a:solidFill>
+                  <a:schemeClr val="tx1">
+                    <a:lumMod val="65000"/>
+                    <a:lumOff val="35000"/>
+                  </a:schemeClr>
+                </a:solidFill>
+                <a:latin typeface="微软雅黑" panose="020B0503020204020204" pitchFamily="34" charset="-122"/>
+                <a:ea typeface="微软雅黑" panose="020B0503020204020204" pitchFamily="34" charset="-122"/>
+              </a:rPr>
+              <a:t>【</a:t>
+            </a:r>
+            <a:r>
+              <a:rPr lang="zh-CN" altLang="en-US" sz="2000" dirty="0">
+                <a:solidFill>
+                  <a:schemeClr val="tx1">
+                    <a:lumMod val="65000"/>
+                    <a:lumOff val="35000"/>
+                  </a:schemeClr>
+                </a:solidFill>
+                <a:latin typeface="微软雅黑" panose="020B0503020204020204" pitchFamily="34" charset="-122"/>
+                <a:ea typeface="微软雅黑" panose="020B0503020204020204" pitchFamily="34" charset="-122"/>
+              </a:rPr>
+              <a:t>江雪</a:t>
+            </a:r>
+            <a:r>
+              <a:rPr lang="en-US" altLang="zh-CN" sz="2000" dirty="0">
+                <a:solidFill>
+                  <a:schemeClr val="tx1">
+                    <a:lumMod val="65000"/>
+                    <a:lumOff val="35000"/>
+                  </a:schemeClr>
+                </a:solidFill>
+                <a:latin typeface="微软雅黑" panose="020B0503020204020204" pitchFamily="34" charset="-122"/>
+                <a:ea typeface="微软雅黑" panose="020B0503020204020204" pitchFamily="34" charset="-122"/>
+              </a:rPr>
+              <a:t>】</a:t>
+            </a:r>
+            <a:r>
+              <a:rPr lang="zh-CN" altLang="en-US" sz="1400" dirty="0">
+                <a:solidFill>
+                  <a:schemeClr val="tx1">
+                    <a:lumMod val="65000"/>
+                    <a:lumOff val="35000"/>
+                  </a:schemeClr>
+                </a:solidFill>
+                <a:latin typeface="微软雅黑" panose="020B0503020204020204" pitchFamily="34" charset="-122"/>
+                <a:ea typeface="微软雅黑" panose="020B0503020204020204" pitchFamily="34" charset="-122"/>
+              </a:rPr>
+              <a:t>（唐）柳宗元</a:t>
+            </a:r>
+          </a:p>
+          <a:p>
+            <a:pPr algn="ctr">
+              <a:lnSpc>
+                <a:spcPct val="150000"/>
+              </a:lnSpc>
+            </a:pPr>
+            <a:r>
+              <a:rPr lang="zh-CN" altLang="en-US" sz="2000" dirty="0">
+                <a:solidFill>
+                  <a:schemeClr val="tx1">
+                    <a:lumMod val="65000"/>
+                    <a:lumOff val="35000"/>
+                  </a:schemeClr>
+                </a:solidFill>
+                <a:latin typeface="微软雅黑" panose="020B0503020204020204" pitchFamily="34" charset="-122"/>
+                <a:ea typeface="微软雅黑" panose="020B0503020204020204" pitchFamily="34" charset="-122"/>
+              </a:rPr>
+              <a:t>千山鸟飞绝，</a:t>
+            </a:r>
+          </a:p>
+          <a:p>
+            <a:pPr algn="ctr">
+              <a:lnSpc>
+                <a:spcPct val="150000"/>
+              </a:lnSpc>
+            </a:pPr>
+            <a:r>
+              <a:rPr lang="zh-CN" altLang="en-US" sz="2000" dirty="0">
+                <a:solidFill>
+                  <a:schemeClr val="tx1">
+                    <a:lumMod val="65000"/>
+                    <a:lumOff val="35000"/>
+                  </a:schemeClr>
+                </a:solidFill>
+                <a:latin typeface="微软雅黑" panose="020B0503020204020204" pitchFamily="34" charset="-122"/>
+                <a:ea typeface="微软雅黑" panose="020B0503020204020204" pitchFamily="34" charset="-122"/>
+              </a:rPr>
+              <a:t>万径人踪灭。</a:t>
+            </a:r>
+          </a:p>
+          <a:p>
+            <a:pPr algn="ctr">
+              <a:lnSpc>
+                <a:spcPct val="150000"/>
+              </a:lnSpc>
+            </a:pPr>
+            <a:r>
+              <a:rPr lang="zh-CN" altLang="en-US" sz="2000" dirty="0">
+                <a:solidFill>
+                  <a:schemeClr val="tx1">
+                    <a:lumMod val="65000"/>
+                    <a:lumOff val="35000"/>
+                  </a:schemeClr>
+                </a:solidFill>
+                <a:latin typeface="微软雅黑" panose="020B0503020204020204" pitchFamily="34" charset="-122"/>
+                <a:ea typeface="微软雅黑" panose="020B0503020204020204" pitchFamily="34" charset="-122"/>
+              </a:rPr>
+              <a:t>孤舟蓑笠翁，</a:t>
+            </a:r>
+          </a:p>
+          <a:p>
+            <a:pPr algn="ctr">
+              <a:lnSpc>
+                <a:spcPct val="150000"/>
+              </a:lnSpc>
+            </a:pPr>
+            <a:r>
+              <a:rPr lang="zh-CN" altLang="en-US" sz="2000" dirty="0">
+                <a:solidFill>
+                  <a:schemeClr val="tx1">
+                    <a:lumMod val="65000"/>
+                    <a:lumOff val="35000"/>
+                  </a:schemeClr>
+                </a:solidFill>
+                <a:latin typeface="微软雅黑" panose="020B0503020204020204" pitchFamily="34" charset="-122"/>
+                <a:ea typeface="微软雅黑" panose="020B0503020204020204" pitchFamily="34" charset="-122"/>
+              </a:rPr>
+              <a:t>独钓寒江雪。</a:t>
+            </a:r>
+            <a:endParaRPr lang="zh-CN" altLang="en-US" sz="2000" dirty="0"/>
+          </a:p>
+        </p:txBody>
+      </p:sp>
     </p:spTree>
     <p:extLst>
       <p:ext uri="{BB962C8B-B14F-4D97-AF65-F5344CB8AC3E}">
-        <p14:creationId xmlns:p14="http://schemas.microsoft.com/office/powerpoint/2010/main" val="3342640253"/>
+        <p14:creationId xmlns:p14="http://schemas.microsoft.com/office/powerpoint/2010/main" val="438007736"/>
       </p:ext>
     </p:extLst>
   </p:cSld>
